--- a/2024/2024-10-18 NEWN IPR Updates/ASU-04_Steissberg_FY24EOYIPR_2024-10-18.pptx
+++ b/2024/2024-10-18 NEWN IPR Updates/ASU-04_Steissberg_FY24EOYIPR_2024-10-18.pptx
@@ -5,22 +5,21 @@
     <p:sldMasterId id="2147483966" r:id="rId4"/>
   </p:sldMasterIdLst>
   <p:notesMasterIdLst>
-    <p:notesMasterId r:id="rId15"/>
+    <p:notesMasterId r:id="rId14"/>
   </p:notesMasterIdLst>
   <p:handoutMasterIdLst>
-    <p:handoutMasterId r:id="rId16"/>
+    <p:handoutMasterId r:id="rId15"/>
   </p:handoutMasterIdLst>
   <p:sldIdLst>
-    <p:sldId id="300" r:id="rId5"/>
-    <p:sldId id="301" r:id="rId6"/>
-    <p:sldId id="303" r:id="rId7"/>
-    <p:sldId id="302" r:id="rId8"/>
+    <p:sldId id="301" r:id="rId5"/>
+    <p:sldId id="303" r:id="rId6"/>
+    <p:sldId id="302" r:id="rId7"/>
+    <p:sldId id="611" r:id="rId8"/>
     <p:sldId id="305" r:id="rId9"/>
-    <p:sldId id="606" r:id="rId10"/>
-    <p:sldId id="607" r:id="rId11"/>
-    <p:sldId id="608" r:id="rId12"/>
+    <p:sldId id="609" r:id="rId10"/>
+    <p:sldId id="610" r:id="rId11"/>
+    <p:sldId id="607" r:id="rId12"/>
     <p:sldId id="605" r:id="rId13"/>
-    <p:sldId id="304" r:id="rId14"/>
   </p:sldIdLst>
   <p:sldSz cx="12192000" cy="6858000"/>
   <p:notesSz cx="6858000" cy="9144000"/>
@@ -212,7 +211,7 @@
           <a:p>
             <a:fld id="{52CF3383-DF08-4C90-8557-22EF3027DD43}" type="datetimeFigureOut">
               <a:rPr lang="en-US" smtClean="0"/>
-              <a:t>9/15/2024</a:t>
+              <a:t>10/31/24</a:t>
             </a:fld>
             <a:endParaRPr lang="en-US"/>
           </a:p>
@@ -342,7 +341,7 @@
           <a:p>
             <a:fld id="{D7D16557-6E8E-4D95-8DF3-2DE1590C714A}" type="datetimeFigureOut">
               <a:rPr lang="en-US" smtClean="0"/>
-              <a:t>9/15/2024</a:t>
+              <a:t>10/31/24</a:t>
             </a:fld>
             <a:endParaRPr lang="en-US"/>
           </a:p>
@@ -697,7 +696,7 @@
           <a:p>
             <a:fld id="{BC3A86D8-1D95-4DFF-A26B-8F86AC3AC58E}" type="slidenum">
               <a:rPr lang="en-US" smtClean="0"/>
-              <a:t>3</a:t>
+              <a:t>2</a:t>
             </a:fld>
             <a:endParaRPr lang="en-US"/>
           </a:p>
@@ -828,7 +827,13 @@
   <p:cSld>
     <p:spTree>
       <p:nvGrpSpPr>
-        <p:cNvPr id="1" name=""/>
+        <p:cNvPr id="1" name="">
+          <a:extLst>
+            <a:ext uri="{FF2B5EF4-FFF2-40B4-BE49-F238E27FC236}">
+              <a16:creationId xmlns:a16="http://schemas.microsoft.com/office/drawing/2014/main" id="{F7AFB308-FD28-B5F2-A311-1049A845C113}"/>
+            </a:ext>
+          </a:extLst>
+        </p:cNvPr>
         <p:cNvGrpSpPr/>
         <p:nvPr/>
       </p:nvGrpSpPr>
@@ -842,7 +847,13 @@
       </p:grpSpPr>
       <p:sp>
         <p:nvSpPr>
-          <p:cNvPr id="2" name="Slide Image Placeholder 1"/>
+          <p:cNvPr id="2" name="Slide Image Placeholder 1">
+            <a:extLst>
+              <a:ext uri="{FF2B5EF4-FFF2-40B4-BE49-F238E27FC236}">
+                <a16:creationId xmlns:a16="http://schemas.microsoft.com/office/drawing/2014/main" id="{A97C4A8D-BCD9-B221-B745-B7DC4229C177}"/>
+              </a:ext>
+            </a:extLst>
+          </p:cNvPr>
           <p:cNvSpPr>
             <a:spLocks noGrp="1" noRot="1" noChangeAspect="1"/>
           </p:cNvSpPr>
@@ -854,7 +865,13 @@
       </p:sp>
       <p:sp>
         <p:nvSpPr>
-          <p:cNvPr id="3" name="Notes Placeholder 2"/>
+          <p:cNvPr id="3" name="Notes Placeholder 2">
+            <a:extLst>
+              <a:ext uri="{FF2B5EF4-FFF2-40B4-BE49-F238E27FC236}">
+                <a16:creationId xmlns:a16="http://schemas.microsoft.com/office/drawing/2014/main" id="{B86EC2F1-58B8-C01A-739B-81D3D175D3A3}"/>
+              </a:ext>
+            </a:extLst>
+          </p:cNvPr>
           <p:cNvSpPr>
             <a:spLocks noGrp="1"/>
           </p:cNvSpPr>
@@ -867,15 +884,26 @@
           <a:bodyPr/>
           <a:lstStyle/>
           <a:p>
+            <a:pPr marL="0" marR="0" lvl="0" indent="0" algn="l" defTabSz="914400" rtl="0" eaLnBrk="1" fontAlgn="auto" latinLnBrk="0" hangingPunct="1">
+              <a:lnSpc>
+                <a:spcPct val="100000"/>
+              </a:lnSpc>
+              <a:spcBef>
+                <a:spcPts val="0"/>
+              </a:spcBef>
+              <a:spcAft>
+                <a:spcPts val="0"/>
+              </a:spcAft>
+              <a:buClrTx/>
+              <a:buSzTx/>
+              <a:buFontTx/>
+              <a:buNone/>
+              <a:tabLst/>
+              <a:defRPr/>
+            </a:pPr>
             <a:r>
               <a:rPr lang="en-US" dirty="0"/>
-              <a:t>For FY21 project, the task list can be found in section 5.1 of the PMP.</a:t>
-            </a:r>
-          </a:p>
-          <a:p>
-            <a:r>
-              <a:rPr lang="en-US" dirty="0"/>
-              <a:t>For all other research projects, the task list can be found in Appendix A.</a:t>
+              <a:t>Describe the current project highlights, including major events, activities, deliverables, and/or accomplishments. Include the date of achievement/completion for each highlight. </a:t>
             </a:r>
           </a:p>
           <a:p>
@@ -885,7 +913,13 @@
       </p:sp>
       <p:sp>
         <p:nvSpPr>
-          <p:cNvPr id="4" name="Slide Number Placeholder 3"/>
+          <p:cNvPr id="4" name="Slide Number Placeholder 3">
+            <a:extLst>
+              <a:ext uri="{FF2B5EF4-FFF2-40B4-BE49-F238E27FC236}">
+                <a16:creationId xmlns:a16="http://schemas.microsoft.com/office/drawing/2014/main" id="{87C95634-6029-8994-A43A-297DAF9A6885}"/>
+              </a:ext>
+            </a:extLst>
+          </p:cNvPr>
           <p:cNvSpPr>
             <a:spLocks noGrp="1"/>
           </p:cNvSpPr>
@@ -909,7 +943,7 @@
     </p:spTree>
     <p:extLst>
       <p:ext uri="{BB962C8B-B14F-4D97-AF65-F5344CB8AC3E}">
-        <p14:creationId xmlns:p14="http://schemas.microsoft.com/office/powerpoint/2010/main" val="3047775383"/>
+        <p14:creationId xmlns:p14="http://schemas.microsoft.com/office/powerpoint/2010/main" val="285468056"/>
       </p:ext>
     </p:extLst>
   </p:cSld>
@@ -924,7 +958,13 @@
   <p:cSld>
     <p:spTree>
       <p:nvGrpSpPr>
-        <p:cNvPr id="1" name=""/>
+        <p:cNvPr id="1" name="">
+          <a:extLst>
+            <a:ext uri="{FF2B5EF4-FFF2-40B4-BE49-F238E27FC236}">
+              <a16:creationId xmlns:a16="http://schemas.microsoft.com/office/drawing/2014/main" id="{5C63687E-7B3D-4A0A-0746-3D57DB97F6FD}"/>
+            </a:ext>
+          </a:extLst>
+        </p:cNvPr>
         <p:cNvGrpSpPr/>
         <p:nvPr/>
       </p:nvGrpSpPr>
@@ -938,7 +978,13 @@
       </p:grpSpPr>
       <p:sp>
         <p:nvSpPr>
-          <p:cNvPr id="2" name="Slide Image Placeholder 1"/>
+          <p:cNvPr id="2" name="Slide Image Placeholder 1">
+            <a:extLst>
+              <a:ext uri="{FF2B5EF4-FFF2-40B4-BE49-F238E27FC236}">
+                <a16:creationId xmlns:a16="http://schemas.microsoft.com/office/drawing/2014/main" id="{18C1B62C-5DCA-0130-A7DA-42479B0DEC7E}"/>
+              </a:ext>
+            </a:extLst>
+          </p:cNvPr>
           <p:cNvSpPr>
             <a:spLocks noGrp="1" noRot="1" noChangeAspect="1"/>
           </p:cNvSpPr>
@@ -950,7 +996,13 @@
       </p:sp>
       <p:sp>
         <p:nvSpPr>
-          <p:cNvPr id="3" name="Notes Placeholder 2"/>
+          <p:cNvPr id="3" name="Notes Placeholder 2">
+            <a:extLst>
+              <a:ext uri="{FF2B5EF4-FFF2-40B4-BE49-F238E27FC236}">
+                <a16:creationId xmlns:a16="http://schemas.microsoft.com/office/drawing/2014/main" id="{C3AFBDAC-8DD8-C1CE-A67E-2F1E0046F876}"/>
+              </a:ext>
+            </a:extLst>
+          </p:cNvPr>
           <p:cNvSpPr>
             <a:spLocks noGrp="1"/>
           </p:cNvSpPr>
@@ -963,15 +1015,26 @@
           <a:bodyPr/>
           <a:lstStyle/>
           <a:p>
+            <a:pPr marL="0" marR="0" lvl="0" indent="0" algn="l" defTabSz="914400" rtl="0" eaLnBrk="1" fontAlgn="auto" latinLnBrk="0" hangingPunct="1">
+              <a:lnSpc>
+                <a:spcPct val="100000"/>
+              </a:lnSpc>
+              <a:spcBef>
+                <a:spcPts val="0"/>
+              </a:spcBef>
+              <a:spcAft>
+                <a:spcPts val="0"/>
+              </a:spcAft>
+              <a:buClrTx/>
+              <a:buSzTx/>
+              <a:buFontTx/>
+              <a:buNone/>
+              <a:tabLst/>
+              <a:defRPr/>
+            </a:pPr>
             <a:r>
               <a:rPr lang="en-US" dirty="0"/>
-              <a:t>Complete this table for your project. Include all activities and deliverables, including ones that were modified or deleted, as well as ones that were added along the way. Use the notes column to add additional explanation or notes on modifications in the activities, deliverables, or start/end dates. </a:t>
-            </a:r>
-          </a:p>
-          <a:p>
-            <a:r>
-              <a:rPr lang="en-US" dirty="0"/>
-              <a:t>Use multiple tables/slides if needed. </a:t>
+              <a:t>Describe the current project highlights, including major events, activities, deliverables, and/or accomplishments. Include the date of achievement/completion for each highlight. </a:t>
             </a:r>
           </a:p>
           <a:p>
@@ -981,7 +1044,13 @@
       </p:sp>
       <p:sp>
         <p:nvSpPr>
-          <p:cNvPr id="4" name="Slide Number Placeholder 3"/>
+          <p:cNvPr id="4" name="Slide Number Placeholder 3">
+            <a:extLst>
+              <a:ext uri="{FF2B5EF4-FFF2-40B4-BE49-F238E27FC236}">
+                <a16:creationId xmlns:a16="http://schemas.microsoft.com/office/drawing/2014/main" id="{50FF1629-8C23-C426-A02A-CF1B2C8D4EBB}"/>
+              </a:ext>
+            </a:extLst>
+          </p:cNvPr>
           <p:cNvSpPr>
             <a:spLocks noGrp="1"/>
           </p:cNvSpPr>
@@ -1005,7 +1074,7 @@
     </p:spTree>
     <p:extLst>
       <p:ext uri="{BB962C8B-B14F-4D97-AF65-F5344CB8AC3E}">
-        <p14:creationId xmlns:p14="http://schemas.microsoft.com/office/powerpoint/2010/main" val="1325331936"/>
+        <p14:creationId xmlns:p14="http://schemas.microsoft.com/office/powerpoint/2010/main" val="2277055759"/>
       </p:ext>
     </p:extLst>
   </p:cSld>
@@ -1101,7 +1170,7 @@
     </p:spTree>
     <p:extLst>
       <p:ext uri="{BB962C8B-B14F-4D97-AF65-F5344CB8AC3E}">
-        <p14:creationId xmlns:p14="http://schemas.microsoft.com/office/powerpoint/2010/main" val="2918560024"/>
+        <p14:creationId xmlns:p14="http://schemas.microsoft.com/office/powerpoint/2010/main" val="1325331936"/>
       </p:ext>
     </p:extLst>
   </p:cSld>
@@ -1209,113 +1278,6 @@
     <p:extLst>
       <p:ext uri="{BB962C8B-B14F-4D97-AF65-F5344CB8AC3E}">
         <p14:creationId xmlns:p14="http://schemas.microsoft.com/office/powerpoint/2010/main" val="2335921673"/>
-      </p:ext>
-    </p:extLst>
-  </p:cSld>
-  <p:clrMapOvr>
-    <a:masterClrMapping/>
-  </p:clrMapOvr>
-</p:notes>
-</file>
-
-<file path=ppt/notesSlides/notesSlide7.xml><?xml version="1.0" encoding="utf-8"?>
-<p:notes xmlns:a="http://schemas.openxmlformats.org/drawingml/2006/main" xmlns:r="http://schemas.openxmlformats.org/officeDocument/2006/relationships" xmlns:p="http://schemas.openxmlformats.org/presentationml/2006/main">
-  <p:cSld>
-    <p:spTree>
-      <p:nvGrpSpPr>
-        <p:cNvPr id="1" name=""/>
-        <p:cNvGrpSpPr/>
-        <p:nvPr/>
-      </p:nvGrpSpPr>
-      <p:grpSpPr>
-        <a:xfrm>
-          <a:off x="0" y="0"/>
-          <a:ext cx="0" cy="0"/>
-          <a:chOff x="0" y="0"/>
-          <a:chExt cx="0" cy="0"/>
-        </a:xfrm>
-      </p:grpSpPr>
-      <p:sp>
-        <p:nvSpPr>
-          <p:cNvPr id="2" name="Slide Image Placeholder 1"/>
-          <p:cNvSpPr>
-            <a:spLocks noGrp="1" noRot="1" noChangeAspect="1"/>
-          </p:cNvSpPr>
-          <p:nvPr>
-            <p:ph type="sldImg"/>
-          </p:nvPr>
-        </p:nvSpPr>
-        <p:spPr/>
-      </p:sp>
-      <p:sp>
-        <p:nvSpPr>
-          <p:cNvPr id="3" name="Notes Placeholder 2"/>
-          <p:cNvSpPr>
-            <a:spLocks noGrp="1"/>
-          </p:cNvSpPr>
-          <p:nvPr>
-            <p:ph type="body" idx="1"/>
-          </p:nvPr>
-        </p:nvSpPr>
-        <p:spPr/>
-        <p:txBody>
-          <a:bodyPr/>
-          <a:lstStyle/>
-          <a:p>
-            <a:pPr marL="0" marR="0" lvl="0" indent="0" algn="l" defTabSz="914400" rtl="0" eaLnBrk="1" fontAlgn="auto" latinLnBrk="0" hangingPunct="1">
-              <a:lnSpc>
-                <a:spcPct val="100000"/>
-              </a:lnSpc>
-              <a:spcBef>
-                <a:spcPts val="0"/>
-              </a:spcBef>
-              <a:spcAft>
-                <a:spcPts val="0"/>
-              </a:spcAft>
-              <a:buClrTx/>
-              <a:buSzTx/>
-              <a:buFontTx/>
-              <a:buNone/>
-              <a:tabLst/>
-              <a:defRPr/>
-            </a:pPr>
-            <a:r>
-              <a:rPr lang="en-US" dirty="0"/>
-              <a:t>Use this slide to add any other updates or notes about your project, or to share more photos. </a:t>
-            </a:r>
-          </a:p>
-          <a:p>
-            <a:endParaRPr lang="en-US" dirty="0"/>
-          </a:p>
-        </p:txBody>
-      </p:sp>
-      <p:sp>
-        <p:nvSpPr>
-          <p:cNvPr id="4" name="Slide Number Placeholder 3"/>
-          <p:cNvSpPr>
-            <a:spLocks noGrp="1"/>
-          </p:cNvSpPr>
-          <p:nvPr>
-            <p:ph type="sldNum" sz="quarter" idx="5"/>
-          </p:nvPr>
-        </p:nvSpPr>
-        <p:spPr/>
-        <p:txBody>
-          <a:bodyPr/>
-          <a:lstStyle/>
-          <a:p>
-            <a:fld id="{BC3A86D8-1D95-4DFF-A26B-8F86AC3AC58E}" type="slidenum">
-              <a:rPr lang="en-US" smtClean="0"/>
-              <a:t>10</a:t>
-            </a:fld>
-            <a:endParaRPr lang="en-US"/>
-          </a:p>
-        </p:txBody>
-      </p:sp>
-    </p:spTree>
-    <p:extLst>
-      <p:ext uri="{BB962C8B-B14F-4D97-AF65-F5344CB8AC3E}">
-        <p14:creationId xmlns:p14="http://schemas.microsoft.com/office/powerpoint/2010/main" val="2221528403"/>
       </p:ext>
     </p:extLst>
   </p:cSld>
@@ -10010,418 +9972,6 @@
       </p:grpSpPr>
       <p:sp>
         <p:nvSpPr>
-          <p:cNvPr id="8" name="Content Placeholder 7">
-            <a:extLst>
-              <a:ext uri="{FF2B5EF4-FFF2-40B4-BE49-F238E27FC236}">
-                <a16:creationId xmlns:a16="http://schemas.microsoft.com/office/drawing/2014/main" id="{98395AD3-01A2-113B-8C4F-725BCAD5294C}"/>
-              </a:ext>
-            </a:extLst>
-          </p:cNvPr>
-          <p:cNvSpPr>
-            <a:spLocks noGrp="1"/>
-          </p:cNvSpPr>
-          <p:nvPr>
-            <p:ph sz="quarter" idx="10"/>
-          </p:nvPr>
-        </p:nvSpPr>
-        <p:spPr>
-          <a:xfrm>
-            <a:off x="742950" y="1527928"/>
-            <a:ext cx="10706100" cy="5011152"/>
-          </a:xfrm>
-        </p:spPr>
-        <p:txBody>
-          <a:bodyPr/>
-          <a:lstStyle/>
-          <a:p>
-            <a:pPr marL="342900" indent="-342900">
-              <a:buFont typeface="Arial" panose="020B0604020202020204" pitchFamily="34" charset="0"/>
-              <a:buChar char="•"/>
-            </a:pPr>
-            <a:r>
-              <a:rPr lang="en-US" sz="2400" b="1" dirty="0">
-                <a:solidFill>
-                  <a:schemeClr val="tx1"/>
-                </a:solidFill>
-                <a:effectLst/>
-              </a:rPr>
-              <a:t>Please use this PowerPoint template for the EWN End of Year IPR.</a:t>
-            </a:r>
-          </a:p>
-          <a:p>
-            <a:pPr marL="342900" indent="-342900">
-              <a:buFont typeface="Arial" panose="020B0604020202020204" pitchFamily="34" charset="0"/>
-              <a:buChar char="•"/>
-            </a:pPr>
-            <a:endParaRPr lang="en-US" sz="1400" b="1" dirty="0">
-              <a:solidFill>
-                <a:schemeClr val="tx1"/>
-              </a:solidFill>
-              <a:effectLst/>
-            </a:endParaRPr>
-          </a:p>
-          <a:p>
-            <a:pPr marL="342900" indent="-342900">
-              <a:buFont typeface="Arial" panose="020B0604020202020204" pitchFamily="34" charset="0"/>
-              <a:buChar char="•"/>
-            </a:pPr>
-            <a:r>
-              <a:rPr lang="en-US" sz="2400" b="1" dirty="0">
-                <a:solidFill>
-                  <a:schemeClr val="tx1"/>
-                </a:solidFill>
-                <a:effectLst/>
-              </a:rPr>
-              <a:t>Please complete the requested information on each slide.</a:t>
-            </a:r>
-          </a:p>
-          <a:p>
-            <a:pPr marL="342900" indent="-342900">
-              <a:buFont typeface="Arial" panose="020B0604020202020204" pitchFamily="34" charset="0"/>
-              <a:buChar char="•"/>
-            </a:pPr>
-            <a:endParaRPr lang="en-US" sz="1400" b="1" dirty="0">
-              <a:solidFill>
-                <a:schemeClr val="tx1"/>
-              </a:solidFill>
-              <a:effectLst/>
-            </a:endParaRPr>
-          </a:p>
-          <a:p>
-            <a:pPr marL="342900" indent="-342900">
-              <a:buFont typeface="Arial" panose="020B0604020202020204" pitchFamily="34" charset="0"/>
-              <a:buChar char="•"/>
-            </a:pPr>
-            <a:r>
-              <a:rPr lang="en-US" sz="2400" b="1" dirty="0">
-                <a:solidFill>
-                  <a:schemeClr val="tx1"/>
-                </a:solidFill>
-                <a:effectLst/>
-              </a:rPr>
-              <a:t>Please save this slide deck using the following naming convention: </a:t>
-            </a:r>
-          </a:p>
-          <a:p>
-            <a:pPr marL="1030288" lvl="3" indent="-342900">
-              <a:buFont typeface="Courier New" panose="02070309020205020404" pitchFamily="49" charset="0"/>
-              <a:buChar char="o"/>
-            </a:pPr>
-            <a:r>
-              <a:rPr lang="en-US" sz="1800" dirty="0">
-                <a:solidFill>
-                  <a:schemeClr val="tx1"/>
-                </a:solidFill>
-                <a:effectLst/>
-              </a:rPr>
-              <a:t>“EWN Project </a:t>
-            </a:r>
-            <a:r>
-              <a:rPr lang="en-US" sz="1800" dirty="0" err="1">
-                <a:solidFill>
-                  <a:schemeClr val="tx1"/>
-                </a:solidFill>
-                <a:effectLst/>
-              </a:rPr>
-              <a:t>Code_last</a:t>
-            </a:r>
-            <a:r>
-              <a:rPr lang="en-US" sz="1800" dirty="0">
-                <a:solidFill>
-                  <a:schemeClr val="tx1"/>
-                </a:solidFill>
-              </a:rPr>
-              <a:t> </a:t>
-            </a:r>
-            <a:r>
-              <a:rPr lang="en-US" sz="1800" dirty="0">
-                <a:solidFill>
-                  <a:schemeClr val="tx1"/>
-                </a:solidFill>
-                <a:effectLst/>
-              </a:rPr>
-              <a:t>name_FY24EOYIPR_YYYY-MM-DD”</a:t>
-            </a:r>
-          </a:p>
-          <a:p>
-            <a:pPr marL="973138" lvl="3" indent="-285750">
-              <a:buFont typeface="Courier New" panose="02070309020205020404" pitchFamily="49" charset="0"/>
-              <a:buChar char="o"/>
-            </a:pPr>
-            <a:r>
-              <a:rPr lang="en-US" sz="1800" dirty="0">
-                <a:solidFill>
-                  <a:schemeClr val="tx1"/>
-                </a:solidFill>
-                <a:effectLst/>
-              </a:rPr>
-              <a:t>e.g. ERT-22-20_Anderson_FY24EOYIPR_2024-10-21</a:t>
-            </a:r>
-          </a:p>
-          <a:p>
-            <a:pPr marL="342900" indent="-342900">
-              <a:buFont typeface="Arial" panose="020B0604020202020204" pitchFamily="34" charset="0"/>
-              <a:buChar char="•"/>
-            </a:pPr>
-            <a:endParaRPr lang="en-US" sz="1400" b="1" dirty="0">
-              <a:solidFill>
-                <a:schemeClr val="tx1"/>
-              </a:solidFill>
-              <a:effectLst/>
-            </a:endParaRPr>
-          </a:p>
-          <a:p>
-            <a:pPr marL="342900" indent="-342900">
-              <a:buFont typeface="Arial" panose="020B0604020202020204" pitchFamily="34" charset="0"/>
-              <a:buChar char="•"/>
-            </a:pPr>
-            <a:r>
-              <a:rPr lang="en-US" sz="2400" b="1" dirty="0">
-                <a:solidFill>
-                  <a:schemeClr val="tx1"/>
-                </a:solidFill>
-                <a:effectLst/>
-              </a:rPr>
-              <a:t>Please save your slides to the RDE drive: </a:t>
-            </a:r>
-          </a:p>
-          <a:p>
-            <a:pPr marL="1030288" lvl="3" indent="-342900">
-              <a:buSzPts val="1000"/>
-              <a:buFont typeface="Courier New" panose="02070309020205020404" pitchFamily="49" charset="0"/>
-              <a:buChar char="o"/>
-              <a:tabLst>
-                <a:tab pos="914400" algn="l"/>
-              </a:tabLst>
-            </a:pPr>
-            <a:r>
-              <a:rPr lang="en-US" sz="1800" b="1" dirty="0">
-                <a:solidFill>
-                  <a:schemeClr val="tx1"/>
-                </a:solidFill>
-              </a:rPr>
-              <a:t>Upload here: </a:t>
-            </a:r>
-            <a:r>
-              <a:rPr lang="en-US" sz="1800" dirty="0">
-                <a:solidFill>
-                  <a:schemeClr val="tx1"/>
-                </a:solidFill>
-              </a:rPr>
-              <a:t>https://rdedrivepub.erdc.dren.mil/url/endofyeariprpresentationsfy24</a:t>
-            </a:r>
-          </a:p>
-          <a:p>
-            <a:pPr marL="1030288" lvl="3" indent="-342900">
-              <a:buSzPts val="1000"/>
-              <a:buFont typeface="Courier New" panose="02070309020205020404" pitchFamily="49" charset="0"/>
-              <a:buChar char="o"/>
-              <a:tabLst>
-                <a:tab pos="914400" algn="l"/>
-              </a:tabLst>
-            </a:pPr>
-            <a:r>
-              <a:rPr lang="en-US" sz="1800" b="1" dirty="0">
-                <a:solidFill>
-                  <a:schemeClr val="tx1"/>
-                </a:solidFill>
-              </a:rPr>
-              <a:t>Password: </a:t>
-            </a:r>
-            <a:r>
-              <a:rPr lang="en-US" sz="1800" dirty="0">
-                <a:solidFill>
-                  <a:schemeClr val="tx1"/>
-                </a:solidFill>
-              </a:rPr>
-              <a:t>EWN_EOY-fy24</a:t>
-            </a:r>
-          </a:p>
-          <a:p>
-            <a:endParaRPr lang="en-US" dirty="0">
-              <a:solidFill>
-                <a:schemeClr val="tx1"/>
-              </a:solidFill>
-              <a:effectLst/>
-              <a:latin typeface="Calibri" panose="020F0502020204030204" pitchFamily="34" charset="0"/>
-            </a:endParaRPr>
-          </a:p>
-        </p:txBody>
-      </p:sp>
-      <p:sp>
-        <p:nvSpPr>
-          <p:cNvPr id="7" name="Title 6">
-            <a:extLst>
-              <a:ext uri="{FF2B5EF4-FFF2-40B4-BE49-F238E27FC236}">
-                <a16:creationId xmlns:a16="http://schemas.microsoft.com/office/drawing/2014/main" id="{7235E168-CD9B-CF75-2B74-3124823D5274}"/>
-              </a:ext>
-            </a:extLst>
-          </p:cNvPr>
-          <p:cNvSpPr>
-            <a:spLocks noGrp="1"/>
-          </p:cNvSpPr>
-          <p:nvPr>
-            <p:ph type="title"/>
-          </p:nvPr>
-        </p:nvSpPr>
-        <p:spPr>
-          <a:xfrm>
-            <a:off x="1740568" y="206391"/>
-            <a:ext cx="10183660" cy="755509"/>
-          </a:xfrm>
-        </p:spPr>
-        <p:txBody>
-          <a:bodyPr/>
-          <a:lstStyle/>
-          <a:p>
-            <a:r>
-              <a:rPr lang="en-US" sz="3600" dirty="0">
-                <a:solidFill>
-                  <a:schemeClr val="tx1"/>
-                </a:solidFill>
-              </a:rPr>
-              <a:t>IPR Instructions</a:t>
-            </a:r>
-          </a:p>
-        </p:txBody>
-      </p:sp>
-    </p:spTree>
-    <p:extLst>
-      <p:ext uri="{BB962C8B-B14F-4D97-AF65-F5344CB8AC3E}">
-        <p14:creationId xmlns:p14="http://schemas.microsoft.com/office/powerpoint/2010/main" val="4003309776"/>
-      </p:ext>
-    </p:extLst>
-  </p:cSld>
-  <p:clrMapOvr>
-    <a:masterClrMapping/>
-  </p:clrMapOvr>
-</p:sld>
-</file>
-
-<file path=ppt/slides/slide10.xml><?xml version="1.0" encoding="utf-8"?>
-<p:sld xmlns:a="http://schemas.openxmlformats.org/drawingml/2006/main" xmlns:r="http://schemas.openxmlformats.org/officeDocument/2006/relationships" xmlns:p="http://schemas.openxmlformats.org/presentationml/2006/main">
-  <p:cSld>
-    <p:spTree>
-      <p:nvGrpSpPr>
-        <p:cNvPr id="1" name=""/>
-        <p:cNvGrpSpPr/>
-        <p:nvPr/>
-      </p:nvGrpSpPr>
-      <p:grpSpPr>
-        <a:xfrm>
-          <a:off x="0" y="0"/>
-          <a:ext cx="0" cy="0"/>
-          <a:chOff x="0" y="0"/>
-          <a:chExt cx="0" cy="0"/>
-        </a:xfrm>
-      </p:grpSpPr>
-      <p:sp>
-        <p:nvSpPr>
-          <p:cNvPr id="8" name="Content Placeholder 7">
-            <a:extLst>
-              <a:ext uri="{FF2B5EF4-FFF2-40B4-BE49-F238E27FC236}">
-                <a16:creationId xmlns:a16="http://schemas.microsoft.com/office/drawing/2014/main" id="{98395AD3-01A2-113B-8C4F-725BCAD5294C}"/>
-              </a:ext>
-            </a:extLst>
-          </p:cNvPr>
-          <p:cNvSpPr>
-            <a:spLocks noGrp="1"/>
-          </p:cNvSpPr>
-          <p:nvPr>
-            <p:ph sz="quarter" idx="10"/>
-          </p:nvPr>
-        </p:nvSpPr>
-        <p:spPr/>
-        <p:txBody>
-          <a:bodyPr/>
-          <a:lstStyle/>
-          <a:p>
-            <a:pPr marL="342900" indent="-342900">
-              <a:buFont typeface="Arial" panose="020B0604020202020204" pitchFamily="34" charset="0"/>
-              <a:buChar char="•"/>
-            </a:pPr>
-            <a:r>
-              <a:rPr lang="en-US" sz="2400" dirty="0">
-                <a:solidFill>
-                  <a:schemeClr val="tx1"/>
-                </a:solidFill>
-                <a:effectLst/>
-                <a:latin typeface="Calibri" panose="020F0502020204030204" pitchFamily="34" charset="0"/>
-              </a:rPr>
-              <a:t>Please use this slide to add any other updates or notes about your project. You can also use this slide to share more photos. Thank you!</a:t>
-            </a:r>
-          </a:p>
-        </p:txBody>
-      </p:sp>
-      <p:sp>
-        <p:nvSpPr>
-          <p:cNvPr id="7" name="Title 6">
-            <a:extLst>
-              <a:ext uri="{FF2B5EF4-FFF2-40B4-BE49-F238E27FC236}">
-                <a16:creationId xmlns:a16="http://schemas.microsoft.com/office/drawing/2014/main" id="{7235E168-CD9B-CF75-2B74-3124823D5274}"/>
-              </a:ext>
-            </a:extLst>
-          </p:cNvPr>
-          <p:cNvSpPr>
-            <a:spLocks noGrp="1"/>
-          </p:cNvSpPr>
-          <p:nvPr>
-            <p:ph type="title"/>
-          </p:nvPr>
-        </p:nvSpPr>
-        <p:spPr>
-          <a:xfrm>
-            <a:off x="1785879" y="228600"/>
-            <a:ext cx="9821108" cy="755509"/>
-          </a:xfrm>
-        </p:spPr>
-        <p:txBody>
-          <a:bodyPr/>
-          <a:lstStyle/>
-          <a:p>
-            <a:r>
-              <a:rPr lang="en-US" dirty="0">
-                <a:solidFill>
-                  <a:schemeClr val="tx1"/>
-                </a:solidFill>
-              </a:rPr>
-              <a:t>ERT-XX-XX: Anything else you’d like to add?</a:t>
-            </a:r>
-          </a:p>
-        </p:txBody>
-      </p:sp>
-    </p:spTree>
-    <p:extLst>
-      <p:ext uri="{BB962C8B-B14F-4D97-AF65-F5344CB8AC3E}">
-        <p14:creationId xmlns:p14="http://schemas.microsoft.com/office/powerpoint/2010/main" val="3049711875"/>
-      </p:ext>
-    </p:extLst>
-  </p:cSld>
-  <p:clrMapOvr>
-    <a:masterClrMapping/>
-  </p:clrMapOvr>
-</p:sld>
-</file>
-
-<file path=ppt/slides/slide2.xml><?xml version="1.0" encoding="utf-8"?>
-<p:sld xmlns:a="http://schemas.openxmlformats.org/drawingml/2006/main" xmlns:r="http://schemas.openxmlformats.org/officeDocument/2006/relationships" xmlns:p="http://schemas.openxmlformats.org/presentationml/2006/main">
-  <p:cSld>
-    <p:spTree>
-      <p:nvGrpSpPr>
-        <p:cNvPr id="1" name=""/>
-        <p:cNvGrpSpPr/>
-        <p:nvPr/>
-      </p:nvGrpSpPr>
-      <p:grpSpPr>
-        <a:xfrm>
-          <a:off x="0" y="0"/>
-          <a:ext cx="0" cy="0"/>
-          <a:chOff x="0" y="0"/>
-          <a:chExt cx="0" cy="0"/>
-        </a:xfrm>
-      </p:grpSpPr>
-      <p:sp>
-        <p:nvSpPr>
           <p:cNvPr id="2" name="Title 1">
             <a:extLst>
               <a:ext uri="{FF2B5EF4-FFF2-40B4-BE49-F238E27FC236}">
@@ -10439,7 +9989,7 @@
         <p:spPr>
           <a:xfrm>
             <a:off x="266700" y="1971620"/>
-            <a:ext cx="7556500" cy="828708"/>
+            <a:ext cx="7556500" cy="593160"/>
           </a:xfrm>
         </p:spPr>
         <p:txBody>
@@ -10476,7 +10026,7 @@
         </p:nvSpPr>
         <p:spPr>
           <a:xfrm>
-            <a:off x="266700" y="2652919"/>
+            <a:off x="266700" y="2574862"/>
             <a:ext cx="7428510" cy="1349474"/>
           </a:xfrm>
         </p:spPr>
@@ -10486,19 +10036,19 @@
           <a:p>
             <a:r>
               <a:rPr lang="en-US" dirty="0"/>
-              <a:t>Name of Project: </a:t>
+              <a:t>Name of Project: Data Science to Advance Nature-based Solutions for Water Resource Management</a:t>
             </a:r>
           </a:p>
           <a:p>
             <a:r>
               <a:rPr lang="en-US" dirty="0"/>
-              <a:t>Project Code: </a:t>
+              <a:t>Project Code: ERT-ASU-04</a:t>
             </a:r>
           </a:p>
           <a:p>
             <a:r>
               <a:rPr lang="en-US" dirty="0"/>
-              <a:t>PI Name(s): </a:t>
+              <a:t>PI Name(s): Todd Steissberg, Selcuk Candan, Rebecca Muenich</a:t>
             </a:r>
           </a:p>
           <a:p>
@@ -10509,46 +10059,51 @@
           </a:p>
         </p:txBody>
       </p:sp>
-      <p:pic>
-        <p:nvPicPr>
-          <p:cNvPr id="7" name="Picture Placeholder 6">
+      <p:sp>
+        <p:nvSpPr>
+          <p:cNvPr id="4" name="TextBox 3">
             <a:extLst>
               <a:ext uri="{FF2B5EF4-FFF2-40B4-BE49-F238E27FC236}">
-                <a16:creationId xmlns:a16="http://schemas.microsoft.com/office/drawing/2014/main" id="{092798B0-B98B-E679-1590-C85A01C9A9AC}"/>
+                <a16:creationId xmlns:a16="http://schemas.microsoft.com/office/drawing/2014/main" id="{C3C01800-F125-ECE3-2B47-3BCB5C7E51C6}"/>
               </a:ext>
             </a:extLst>
           </p:cNvPr>
-          <p:cNvPicPr>
-            <a:picLocks noGrp="1" noChangeAspect="1"/>
-          </p:cNvPicPr>
-          <p:nvPr>
-            <p:ph type="pic" sz="quarter" idx="14"/>
-          </p:nvPr>
-        </p:nvPicPr>
-        <p:blipFill rotWithShape="1">
-          <a:blip r:embed="rId2" cstate="hqprint">
-            <a:extLst>
-              <a:ext uri="{28A0092B-C50C-407E-A947-70E740481C1C}">
-                <a14:useLocalDpi xmlns:a14="http://schemas.microsoft.com/office/drawing/2010/main" val="0"/>
-              </a:ext>
-            </a:extLst>
-          </a:blip>
-          <a:srcRect/>
-          <a:stretch/>
-        </p:blipFill>
+          <p:cNvSpPr txBox="1"/>
+          <p:nvPr/>
+        </p:nvSpPr>
         <p:spPr>
           <a:xfrm>
-            <a:off x="7823200" y="1702309"/>
-            <a:ext cx="4368800" cy="3594969"/>
+            <a:off x="8659812" y="1971620"/>
+            <a:ext cx="2695575" cy="369332"/>
           </a:xfrm>
+          <a:prstGeom prst="rect">
+            <a:avLst/>
+          </a:prstGeom>
+          <a:noFill/>
         </p:spPr>
-      </p:pic>
+        <p:txBody>
+          <a:bodyPr wrap="square" rtlCol="0">
+            <a:spAutoFit/>
+          </a:bodyPr>
+          <a:lstStyle/>
+          <a:p>
+            <a:r>
+              <a:rPr lang="en-US" b="1" dirty="0">
+                <a:solidFill>
+                  <a:schemeClr val="bg2"/>
+                </a:solidFill>
+              </a:rPr>
+              <a:t>UPDATE THIS PHOTO</a:t>
+            </a:r>
+          </a:p>
+        </p:txBody>
+      </p:sp>
       <p:graphicFrame>
         <p:nvGraphicFramePr>
-          <p:cNvPr id="6" name="Table 2">
+          <p:cNvPr id="5" name="Table 2">
             <a:extLst>
               <a:ext uri="{FF2B5EF4-FFF2-40B4-BE49-F238E27FC236}">
-                <a16:creationId xmlns:a16="http://schemas.microsoft.com/office/drawing/2014/main" id="{F27352E9-B757-EB7F-4A0C-2E8C77C89EC6}"/>
+                <a16:creationId xmlns:a16="http://schemas.microsoft.com/office/drawing/2014/main" id="{31BD83D3-6577-A985-05BC-1465F3980B79}"/>
               </a:ext>
             </a:extLst>
           </p:cNvPr>
@@ -10558,7 +10113,7 @@
           <p:nvPr>
             <p:extLst>
               <p:ext uri="{D42A27DB-BD31-4B8C-83A1-F6EECF244321}">
-                <p14:modId xmlns:p14="http://schemas.microsoft.com/office/powerpoint/2010/main" val="2793289883"/>
+                <p14:modId xmlns:p14="http://schemas.microsoft.com/office/powerpoint/2010/main" val="1938414028"/>
               </p:ext>
             </p:extLst>
           </p:nvPr>
@@ -10803,7 +10358,7 @@
                             </a:schemeClr>
                           </a:solidFill>
                         </a:rPr>
-                        <a:t>-</a:t>
+                        <a:t>FY25</a:t>
                       </a:r>
                     </a:p>
                   </a:txBody>
@@ -10981,7 +10536,7 @@
                             </a:schemeClr>
                           </a:solidFill>
                         </a:rPr>
-                        <a:t>$K</a:t>
+                        <a:t>$0K</a:t>
                       </a:r>
                     </a:p>
                   </a:txBody>
@@ -11054,7 +10609,7 @@
                             </a:schemeClr>
                           </a:solidFill>
                         </a:rPr>
-                        <a:t>$K</a:t>
+                        <a:t>$395K</a:t>
                       </a:r>
                     </a:p>
                   </a:txBody>
@@ -11120,7 +10675,7 @@
                         <a:defRPr/>
                       </a:pPr>
                       <a:r>
-                        <a:rPr kumimoji="0" lang="en-US" sz="1600" b="0" i="0" u="none" strike="noStrike" kern="1200" cap="none" spc="0" normalizeH="0" baseline="0" noProof="0" dirty="0">
+                        <a:rPr kumimoji="0" lang="en-US" sz="2100" b="0" i="0" u="none" strike="noStrike" kern="1200" cap="none" spc="0" normalizeH="0" baseline="0" noProof="0" dirty="0">
                           <a:ln>
                             <a:noFill/>
                           </a:ln>
@@ -11132,11 +10687,11 @@
                           <a:effectLst/>
                           <a:uLnTx/>
                           <a:uFillTx/>
-                          <a:latin typeface="Calibri"/>
+                          <a:latin typeface="Arial" panose="020B0604020202020204" pitchFamily="34" charset="0"/>
                           <a:ea typeface="+mn-ea"/>
-                          <a:cs typeface="+mn-cs"/>
+                          <a:cs typeface="Arial" panose="020B0604020202020204" pitchFamily="34" charset="0"/>
                         </a:rPr>
-                        <a:t>$K</a:t>
+                        <a:t>$200K</a:t>
                       </a:r>
                     </a:p>
                   </a:txBody>
@@ -11201,22 +10756,25 @@
                         <a:tabLst/>
                         <a:defRPr/>
                       </a:pPr>
-                      <a:endParaRPr kumimoji="0" lang="en-US" sz="1600" b="0" i="0" u="none" strike="noStrike" kern="1200" cap="none" spc="0" normalizeH="0" baseline="0" noProof="0" dirty="0">
-                        <a:ln>
-                          <a:noFill/>
-                        </a:ln>
-                        <a:solidFill>
-                          <a:schemeClr val="bg2">
-                            <a:lumMod val="95000"/>
-                          </a:schemeClr>
-                        </a:solidFill>
-                        <a:effectLst/>
-                        <a:uLnTx/>
-                        <a:uFillTx/>
-                        <a:latin typeface="Calibri"/>
-                        <a:ea typeface="+mn-ea"/>
-                        <a:cs typeface="+mn-cs"/>
-                      </a:endParaRPr>
+                      <a:r>
+                        <a:rPr kumimoji="0" lang="en-US" sz="2100" b="0" i="0" u="none" strike="noStrike" kern="1200" cap="none" spc="0" normalizeH="0" baseline="0" noProof="0" dirty="0">
+                          <a:ln>
+                            <a:noFill/>
+                          </a:ln>
+                          <a:solidFill>
+                            <a:schemeClr val="bg2">
+                              <a:lumMod val="95000"/>
+                            </a:schemeClr>
+                          </a:solidFill>
+                          <a:effectLst/>
+                          <a:uLnTx/>
+                          <a:uFillTx/>
+                          <a:latin typeface="Arial" panose="020B0604020202020204" pitchFamily="34" charset="0"/>
+                          <a:ea typeface="+mn-ea"/>
+                          <a:cs typeface="Arial" panose="020B0604020202020204" pitchFamily="34" charset="0"/>
+                        </a:rPr>
+                        <a:t>$395K</a:t>
+                      </a:r>
                     </a:p>
                   </a:txBody>
                   <a:tcPr marL="81615" marR="81615" marT="40808" marB="40808">
@@ -11280,7 +10838,7 @@
                         <a:tabLst/>
                         <a:defRPr/>
                       </a:pPr>
-                      <a:endParaRPr kumimoji="0" lang="en-US" sz="1600" b="0" i="0" u="none" strike="noStrike" kern="1200" cap="none" spc="0" normalizeH="0" baseline="0" noProof="0" dirty="0">
+                      <a:endParaRPr kumimoji="0" lang="en-US" sz="2100" b="0" i="0" u="none" strike="noStrike" kern="1200" cap="none" spc="0" normalizeH="0" baseline="0" noProof="0" dirty="0">
                         <a:ln>
                           <a:noFill/>
                         </a:ln>
@@ -11292,9 +10850,9 @@
                         <a:effectLst/>
                         <a:uLnTx/>
                         <a:uFillTx/>
-                        <a:latin typeface="Calibri"/>
+                        <a:latin typeface="Arial" panose="020B0604020202020204" pitchFamily="34" charset="0"/>
                         <a:ea typeface="+mn-ea"/>
-                        <a:cs typeface="+mn-cs"/>
+                        <a:cs typeface="Arial" panose="020B0604020202020204" pitchFamily="34" charset="0"/>
                       </a:endParaRPr>
                     </a:p>
                   </a:txBody>
@@ -11360,7 +10918,7 @@
                         <a:defRPr/>
                       </a:pPr>
                       <a:r>
-                        <a:rPr kumimoji="0" lang="en-US" sz="1600" b="0" i="0" u="none" strike="noStrike" kern="1200" cap="none" spc="0" normalizeH="0" baseline="0" noProof="0" dirty="0">
+                        <a:rPr kumimoji="0" lang="en-US" sz="2100" b="0" i="0" u="none" strike="noStrike" kern="1200" cap="none" spc="0" normalizeH="0" baseline="0" noProof="0">
                           <a:ln>
                             <a:noFill/>
                           </a:ln>
@@ -11372,12 +10930,28 @@
                           <a:effectLst/>
                           <a:uLnTx/>
                           <a:uFillTx/>
-                          <a:latin typeface="Calibri"/>
+                          <a:latin typeface="Arial" panose="020B0604020202020204" pitchFamily="34" charset="0"/>
                           <a:ea typeface="+mn-ea"/>
-                          <a:cs typeface="+mn-cs"/>
+                          <a:cs typeface="Arial" panose="020B0604020202020204" pitchFamily="34" charset="0"/>
                         </a:rPr>
-                        <a:t>$K</a:t>
+                        <a:t>$990K</a:t>
                       </a:r>
+                      <a:endParaRPr kumimoji="0" lang="en-US" sz="2100" b="0" i="0" u="none" strike="noStrike" kern="1200" cap="none" spc="0" normalizeH="0" baseline="0" noProof="0" dirty="0">
+                        <a:ln>
+                          <a:noFill/>
+                        </a:ln>
+                        <a:solidFill>
+                          <a:schemeClr val="bg2">
+                            <a:lumMod val="95000"/>
+                          </a:schemeClr>
+                        </a:solidFill>
+                        <a:effectLst/>
+                        <a:uLnTx/>
+                        <a:uFillTx/>
+                        <a:latin typeface="Arial" panose="020B0604020202020204" pitchFamily="34" charset="0"/>
+                        <a:ea typeface="+mn-ea"/>
+                        <a:cs typeface="Arial" panose="020B0604020202020204" pitchFamily="34" charset="0"/>
+                      </a:endParaRPr>
                     </a:p>
                   </a:txBody>
                   <a:tcPr marL="81615" marR="81615" marT="40808" marB="40808">
@@ -11429,49 +11003,223 @@
           </a:graphicData>
         </a:graphic>
       </p:graphicFrame>
-      <p:sp>
-        <p:nvSpPr>
-          <p:cNvPr id="4" name="TextBox 3">
+      <p:pic>
+        <p:nvPicPr>
+          <p:cNvPr id="10" name="Picture 9">
             <a:extLst>
               <a:ext uri="{FF2B5EF4-FFF2-40B4-BE49-F238E27FC236}">
-                <a16:creationId xmlns:a16="http://schemas.microsoft.com/office/drawing/2014/main" id="{C3C01800-F125-ECE3-2B47-3BCB5C7E51C6}"/>
+                <a16:creationId xmlns:a16="http://schemas.microsoft.com/office/drawing/2014/main" id="{DBFCBC00-BA55-DB4D-B625-C004BEAE8EBA}"/>
               </a:ext>
             </a:extLst>
           </p:cNvPr>
-          <p:cNvSpPr txBox="1"/>
+          <p:cNvPicPr>
+            <a:picLocks noChangeAspect="1"/>
+          </p:cNvPicPr>
           <p:nvPr/>
-        </p:nvSpPr>
+        </p:nvPicPr>
+        <p:blipFill>
+          <a:blip r:embed="rId2"/>
+          <a:stretch>
+            <a:fillRect/>
+          </a:stretch>
+        </p:blipFill>
         <p:spPr>
           <a:xfrm>
-            <a:off x="8659812" y="1971620"/>
-            <a:ext cx="2695575" cy="369332"/>
+            <a:off x="7894634" y="2289664"/>
+            <a:ext cx="4273029" cy="2271184"/>
           </a:xfrm>
           <a:prstGeom prst="rect">
             <a:avLst/>
           </a:prstGeom>
-          <a:noFill/>
+        </p:spPr>
+      </p:pic>
+    </p:spTree>
+    <p:extLst>
+      <p:ext uri="{BB962C8B-B14F-4D97-AF65-F5344CB8AC3E}">
+        <p14:creationId xmlns:p14="http://schemas.microsoft.com/office/powerpoint/2010/main" val="455343269"/>
+      </p:ext>
+    </p:extLst>
+  </p:cSld>
+  <p:clrMapOvr>
+    <a:masterClrMapping/>
+  </p:clrMapOvr>
+</p:sld>
+</file>
+
+<file path=ppt/slides/slide2.xml><?xml version="1.0" encoding="utf-8"?>
+<p:sld xmlns:a="http://schemas.openxmlformats.org/drawingml/2006/main" xmlns:r="http://schemas.openxmlformats.org/officeDocument/2006/relationships" xmlns:p="http://schemas.openxmlformats.org/presentationml/2006/main">
+  <p:cSld>
+    <p:spTree>
+      <p:nvGrpSpPr>
+        <p:cNvPr id="1" name=""/>
+        <p:cNvGrpSpPr/>
+        <p:nvPr/>
+      </p:nvGrpSpPr>
+      <p:grpSpPr>
+        <a:xfrm>
+          <a:off x="0" y="0"/>
+          <a:ext cx="0" cy="0"/>
+          <a:chOff x="0" y="0"/>
+          <a:chExt cx="0" cy="0"/>
+        </a:xfrm>
+      </p:grpSpPr>
+      <p:sp>
+        <p:nvSpPr>
+          <p:cNvPr id="7" name="Title 6">
+            <a:extLst>
+              <a:ext uri="{FF2B5EF4-FFF2-40B4-BE49-F238E27FC236}">
+                <a16:creationId xmlns:a16="http://schemas.microsoft.com/office/drawing/2014/main" id="{7235E168-CD9B-CF75-2B74-3124823D5274}"/>
+              </a:ext>
+            </a:extLst>
+          </p:cNvPr>
+          <p:cNvSpPr>
+            <a:spLocks noGrp="1"/>
+          </p:cNvSpPr>
+          <p:nvPr>
+            <p:ph type="title"/>
+          </p:nvPr>
+        </p:nvSpPr>
+        <p:spPr>
+          <a:xfrm>
+            <a:off x="1724526" y="206391"/>
+            <a:ext cx="10199702" cy="755509"/>
+          </a:xfrm>
         </p:spPr>
         <p:txBody>
-          <a:bodyPr wrap="square" rtlCol="0">
-            <a:spAutoFit/>
-          </a:bodyPr>
+          <a:bodyPr/>
           <a:lstStyle/>
           <a:p>
             <a:r>
-              <a:rPr lang="en-US" b="1" dirty="0">
-                <a:solidFill>
-                  <a:schemeClr val="bg2"/>
+              <a:rPr lang="en-US" dirty="0">
+                <a:solidFill>
+                  <a:schemeClr val="tx1"/>
                 </a:solidFill>
               </a:rPr>
-              <a:t>UPDATE THIS PHOTO</a:t>
-            </a:r>
+              <a:t>ASU-04: Project Objectives</a:t>
+            </a:r>
+          </a:p>
+        </p:txBody>
+      </p:sp>
+      <p:sp>
+        <p:nvSpPr>
+          <p:cNvPr id="4" name="Content Placeholder 3">
+            <a:extLst>
+              <a:ext uri="{FF2B5EF4-FFF2-40B4-BE49-F238E27FC236}">
+                <a16:creationId xmlns:a16="http://schemas.microsoft.com/office/drawing/2014/main" id="{38BC9065-14A2-0C99-0063-5A866E3F92B5}"/>
+              </a:ext>
+            </a:extLst>
+          </p:cNvPr>
+          <p:cNvSpPr>
+            <a:spLocks noGrp="1"/>
+          </p:cNvSpPr>
+          <p:nvPr>
+            <p:ph sz="quarter" idx="10"/>
+          </p:nvPr>
+        </p:nvSpPr>
+        <p:spPr>
+          <a:xfrm>
+            <a:off x="914400" y="1123902"/>
+            <a:ext cx="11010900" cy="5393987"/>
+          </a:xfrm>
+        </p:spPr>
+        <p:txBody>
+          <a:bodyPr/>
+          <a:lstStyle/>
+          <a:p>
+            <a:r>
+              <a:rPr lang="en-US" sz="2000" dirty="0"/>
+              <a:t>Our primary objective is to answer this question: “How can we effectively empower decision makers, including USACE and other local water infrastructure managers, to find nature-based solutions that make the most sense for their local context?” This project will achieve its goals through 5 primary objectives:</a:t>
+            </a:r>
+          </a:p>
+          <a:p>
+            <a:endParaRPr lang="en-US" sz="2000" dirty="0"/>
+          </a:p>
+          <a:p>
+            <a:pPr marL="457200" indent="-457200">
+              <a:buFont typeface="+mj-lt"/>
+              <a:buAutoNum type="arabicPeriod"/>
+            </a:pPr>
+            <a:r>
+              <a:rPr lang="en-US" sz="2000" dirty="0"/>
+              <a:t>Developing </a:t>
+            </a:r>
+            <a:r>
+              <a:rPr lang="en-US" sz="2000" dirty="0" err="1"/>
+              <a:t>spatio</a:t>
+            </a:r>
+            <a:r>
+              <a:rPr lang="en-US" sz="2000" dirty="0"/>
+              <a:t>-temporal causal discovery algorithms and causally-informed, generalizable data and physically-based models of impact for characterizing complex natural and built systems</a:t>
+            </a:r>
+          </a:p>
+          <a:p>
+            <a:pPr marL="457200" indent="-457200">
+              <a:buFont typeface="+mj-lt"/>
+              <a:buAutoNum type="arabicPeriod"/>
+            </a:pPr>
+            <a:r>
+              <a:rPr lang="en-US" sz="2000" dirty="0"/>
+              <a:t>Developing a scalable and modular cloud-based platform for data and model integration and complex system simulation and emulation</a:t>
+            </a:r>
+          </a:p>
+          <a:p>
+            <a:pPr marL="457200" indent="-457200">
+              <a:buFont typeface="+mj-lt"/>
+              <a:buAutoNum type="arabicPeriod"/>
+            </a:pPr>
+            <a:r>
+              <a:rPr lang="en-US" sz="2000" dirty="0"/>
+              <a:t>Developing </a:t>
+            </a:r>
+            <a:r>
+              <a:rPr lang="en-US" sz="2000" dirty="0" err="1"/>
+              <a:t>spatio</a:t>
+            </a:r>
+            <a:r>
+              <a:rPr lang="en-US" sz="2000" dirty="0"/>
+              <a:t>-temporal multi-objective and high-dimensional optimization frameworks</a:t>
+            </a:r>
+          </a:p>
+          <a:p>
+            <a:pPr marL="457200" indent="-457200">
+              <a:buFont typeface="+mj-lt"/>
+              <a:buAutoNum type="arabicPeriod"/>
+            </a:pPr>
+            <a:r>
+              <a:rPr lang="en-US" sz="2000" dirty="0"/>
+              <a:t>Developing methods to apply transfer learning and emulation modeling techniques to simulate and understand processes driving and controlling integrated NWI and BWI systems.</a:t>
+            </a:r>
+          </a:p>
+          <a:p>
+            <a:pPr marL="457200" indent="-457200">
+              <a:buFont typeface="+mj-lt"/>
+              <a:buAutoNum type="arabicPeriod"/>
+            </a:pPr>
+            <a:r>
+              <a:rPr lang="en-US" sz="2000" dirty="0"/>
+              <a:t>Implementing, testing, and monitoring the performance of the proposed data frameworks within the context of the three domain PMPs</a:t>
+            </a:r>
+          </a:p>
+          <a:p>
+            <a:pPr marL="342900" indent="-342900">
+              <a:buFont typeface="Arial" panose="020B0604020202020204" pitchFamily="34" charset="0"/>
+              <a:buChar char="•"/>
+            </a:pPr>
+            <a:endParaRPr lang="en-US" sz="2000" dirty="0"/>
+          </a:p>
+          <a:p>
+            <a:pPr marL="342900" indent="-342900">
+              <a:buFont typeface="Arial" panose="020B0604020202020204" pitchFamily="34" charset="0"/>
+              <a:buChar char="•"/>
+            </a:pPr>
+            <a:endParaRPr lang="en-US" sz="2000" dirty="0"/>
           </a:p>
         </p:txBody>
       </p:sp>
     </p:spTree>
     <p:extLst>
       <p:ext uri="{BB962C8B-B14F-4D97-AF65-F5344CB8AC3E}">
-        <p14:creationId xmlns:p14="http://schemas.microsoft.com/office/powerpoint/2010/main" val="455343269"/>
+        <p14:creationId xmlns:p14="http://schemas.microsoft.com/office/powerpoint/2010/main" val="3422660757"/>
       </p:ext>
     </p:extLst>
   </p:cSld>
@@ -11516,120 +11264,6 @@
         </p:nvSpPr>
         <p:spPr>
           <a:xfrm>
-            <a:off x="1724526" y="206391"/>
-            <a:ext cx="10199702" cy="755509"/>
-          </a:xfrm>
-        </p:spPr>
-        <p:txBody>
-          <a:bodyPr/>
-          <a:lstStyle/>
-          <a:p>
-            <a:r>
-              <a:rPr lang="en-US" dirty="0">
-                <a:solidFill>
-                  <a:schemeClr val="tx1"/>
-                </a:solidFill>
-              </a:rPr>
-              <a:t>ERT-XX-XX: Project Objectives</a:t>
-            </a:r>
-          </a:p>
-        </p:txBody>
-      </p:sp>
-      <p:sp>
-        <p:nvSpPr>
-          <p:cNvPr id="4" name="Content Placeholder 3">
-            <a:extLst>
-              <a:ext uri="{FF2B5EF4-FFF2-40B4-BE49-F238E27FC236}">
-                <a16:creationId xmlns:a16="http://schemas.microsoft.com/office/drawing/2014/main" id="{38BC9065-14A2-0C99-0063-5A866E3F92B5}"/>
-              </a:ext>
-            </a:extLst>
-          </p:cNvPr>
-          <p:cNvSpPr>
-            <a:spLocks noGrp="1"/>
-          </p:cNvSpPr>
-          <p:nvPr>
-            <p:ph sz="quarter" idx="10"/>
-          </p:nvPr>
-        </p:nvSpPr>
-        <p:spPr>
-          <a:xfrm>
-            <a:off x="914400" y="1235412"/>
-            <a:ext cx="11010900" cy="5393987"/>
-          </a:xfrm>
-        </p:spPr>
-        <p:txBody>
-          <a:bodyPr/>
-          <a:lstStyle/>
-          <a:p>
-            <a:pPr marL="342900" indent="-342900">
-              <a:buFont typeface="Arial" panose="020B0604020202020204" pitchFamily="34" charset="0"/>
-              <a:buChar char="•"/>
-            </a:pPr>
-            <a:r>
-              <a:rPr lang="en-US" sz="2400" dirty="0"/>
-              <a:t>Describe the project objectives as described in the PMP using a few bullets. </a:t>
-            </a:r>
-          </a:p>
-          <a:p>
-            <a:pPr marL="342900" indent="-342900">
-              <a:buFont typeface="Arial" panose="020B0604020202020204" pitchFamily="34" charset="0"/>
-              <a:buChar char="•"/>
-            </a:pPr>
-            <a:r>
-              <a:rPr lang="en-US" sz="2400" dirty="0"/>
-              <a:t>Add two or more project photos.</a:t>
-            </a:r>
-          </a:p>
-        </p:txBody>
-      </p:sp>
-    </p:spTree>
-    <p:extLst>
-      <p:ext uri="{BB962C8B-B14F-4D97-AF65-F5344CB8AC3E}">
-        <p14:creationId xmlns:p14="http://schemas.microsoft.com/office/powerpoint/2010/main" val="3422660757"/>
-      </p:ext>
-    </p:extLst>
-  </p:cSld>
-  <p:clrMapOvr>
-    <a:masterClrMapping/>
-  </p:clrMapOvr>
-</p:sld>
-</file>
-
-<file path=ppt/slides/slide4.xml><?xml version="1.0" encoding="utf-8"?>
-<p:sld xmlns:a="http://schemas.openxmlformats.org/drawingml/2006/main" xmlns:r="http://schemas.openxmlformats.org/officeDocument/2006/relationships" xmlns:p="http://schemas.openxmlformats.org/presentationml/2006/main">
-  <p:cSld>
-    <p:spTree>
-      <p:nvGrpSpPr>
-        <p:cNvPr id="1" name=""/>
-        <p:cNvGrpSpPr/>
-        <p:nvPr/>
-      </p:nvGrpSpPr>
-      <p:grpSpPr>
-        <a:xfrm>
-          <a:off x="0" y="0"/>
-          <a:ext cx="0" cy="0"/>
-          <a:chOff x="0" y="0"/>
-          <a:chExt cx="0" cy="0"/>
-        </a:xfrm>
-      </p:grpSpPr>
-      <p:sp>
-        <p:nvSpPr>
-          <p:cNvPr id="7" name="Title 6">
-            <a:extLst>
-              <a:ext uri="{FF2B5EF4-FFF2-40B4-BE49-F238E27FC236}">
-                <a16:creationId xmlns:a16="http://schemas.microsoft.com/office/drawing/2014/main" id="{7235E168-CD9B-CF75-2B74-3124823D5274}"/>
-              </a:ext>
-            </a:extLst>
-          </p:cNvPr>
-          <p:cNvSpPr>
-            <a:spLocks noGrp="1"/>
-          </p:cNvSpPr>
-          <p:nvPr>
-            <p:ph type="title"/>
-          </p:nvPr>
-        </p:nvSpPr>
-        <p:spPr>
-          <a:xfrm>
             <a:off x="1756611" y="206391"/>
             <a:ext cx="10167617" cy="755509"/>
           </a:xfrm>
@@ -11644,7 +11278,7 @@
                   <a:schemeClr val="tx1"/>
                 </a:solidFill>
               </a:rPr>
-              <a:t>ERT-XX-XX: Research Deliverables</a:t>
+              <a:t>ASU-04: Research Deliverables</a:t>
             </a:r>
           </a:p>
         </p:txBody>
@@ -11664,14 +11298,14 @@
           <p:nvPr>
             <p:extLst>
               <p:ext uri="{D42A27DB-BD31-4B8C-83A1-F6EECF244321}">
-                <p14:modId xmlns:p14="http://schemas.microsoft.com/office/powerpoint/2010/main" val="278776434"/>
+                <p14:modId xmlns:p14="http://schemas.microsoft.com/office/powerpoint/2010/main" val="2254273715"/>
               </p:ext>
             </p:extLst>
           </p:nvPr>
         </p:nvGraphicFramePr>
         <p:xfrm>
           <a:off x="609600" y="1398320"/>
-          <a:ext cx="10723124" cy="4223474"/>
+          <a:ext cx="10723124" cy="4425855"/>
         </p:xfrm>
         <a:graphic>
           <a:graphicData uri="http://schemas.openxmlformats.org/drawingml/2006/table">
@@ -11901,9 +11535,24 @@
                     <a:bodyPr/>
                     <a:lstStyle/>
                     <a:p>
-                      <a:endParaRPr lang="en-US" sz="1600" dirty="0">
-                        <a:latin typeface="+mn-lt"/>
-                      </a:endParaRPr>
+                      <a:r>
+                        <a:rPr lang="en-US" sz="1600" dirty="0">
+                          <a:latin typeface="+mn-lt"/>
+                        </a:rPr>
+                        <a:t>Develop </a:t>
+                      </a:r>
+                      <a:r>
+                        <a:rPr lang="en-US" sz="1600" dirty="0" err="1">
+                          <a:latin typeface="+mn-lt"/>
+                        </a:rPr>
+                        <a:t>spatio</a:t>
+                      </a:r>
+                      <a:r>
+                        <a:rPr lang="en-US" sz="1600" dirty="0">
+                          <a:latin typeface="+mn-lt"/>
+                        </a:rPr>
+                        <a:t>-temporal deep learning framework for predicting streamflow</a:t>
+                      </a:r>
                     </a:p>
                   </a:txBody>
                   <a:tcPr marL="121920" marR="121920" marT="60960" marB="60960">
@@ -11917,9 +11566,12 @@
                     <a:bodyPr/>
                     <a:lstStyle/>
                     <a:p>
-                      <a:endParaRPr lang="en-US" sz="1600" dirty="0">
-                        <a:latin typeface="+mn-lt"/>
-                      </a:endParaRPr>
+                      <a:r>
+                        <a:rPr lang="en-US" sz="1600" dirty="0">
+                          <a:latin typeface="+mn-lt"/>
+                        </a:rPr>
+                        <a:t>Y</a:t>
+                      </a:r>
                     </a:p>
                   </a:txBody>
                   <a:tcPr marL="121920" marR="121920" marT="60960" marB="60960">
@@ -11949,9 +11601,12 @@
                     <a:bodyPr/>
                     <a:lstStyle/>
                     <a:p>
-                      <a:endParaRPr lang="en-US" sz="1600" dirty="0">
-                        <a:latin typeface="+mn-lt"/>
-                      </a:endParaRPr>
+                      <a:r>
+                        <a:rPr lang="en-US" sz="1600" dirty="0">
+                          <a:latin typeface="+mn-lt"/>
+                        </a:rPr>
+                        <a:t>Y</a:t>
+                      </a:r>
                     </a:p>
                   </a:txBody>
                   <a:tcPr marL="121920" marR="121920" marT="60960" marB="60960">
@@ -11972,9 +11627,12 @@
                     <a:bodyPr/>
                     <a:lstStyle/>
                     <a:p>
-                      <a:endParaRPr lang="en-US" sz="1600" dirty="0">
-                        <a:latin typeface="+mn-lt"/>
-                      </a:endParaRPr>
+                      <a:r>
+                        <a:rPr lang="en-US" sz="1600" dirty="0">
+                          <a:latin typeface="+mn-lt"/>
+                        </a:rPr>
+                        <a:t>Develop STREAMS framework, combining reinforcement learning with LSTM for spatiotemporal causal discovery in streamflow rate prediction</a:t>
+                      </a:r>
                     </a:p>
                   </a:txBody>
                   <a:tcPr marL="121920" marR="121920" marT="60960" marB="60960">
@@ -11990,9 +11648,12 @@
                     <a:bodyPr/>
                     <a:lstStyle/>
                     <a:p>
-                      <a:endParaRPr lang="en-US" sz="1600" dirty="0">
-                        <a:latin typeface="+mn-lt"/>
-                      </a:endParaRPr>
+                      <a:r>
+                        <a:rPr lang="en-US" sz="1600" dirty="0">
+                          <a:latin typeface="+mn-lt"/>
+                        </a:rPr>
+                        <a:t>Y</a:t>
+                      </a:r>
                     </a:p>
                   </a:txBody>
                   <a:tcPr marL="121920" marR="121920" marT="60960" marB="60960">
@@ -12026,9 +11687,12 @@
                     <a:bodyPr/>
                     <a:lstStyle/>
                     <a:p>
-                      <a:endParaRPr lang="en-US" sz="1600" dirty="0">
-                        <a:latin typeface="+mn-lt"/>
-                      </a:endParaRPr>
+                      <a:r>
+                        <a:rPr lang="en-US" sz="1600" dirty="0">
+                          <a:latin typeface="+mn-lt"/>
+                        </a:rPr>
+                        <a:t>Y</a:t>
+                      </a:r>
                     </a:p>
                   </a:txBody>
                   <a:tcPr marL="121920" marR="121920" marT="60960" marB="60960">
@@ -12051,9 +11715,12 @@
                     <a:bodyPr/>
                     <a:lstStyle/>
                     <a:p>
-                      <a:endParaRPr lang="en-US" sz="1600" dirty="0">
-                        <a:latin typeface="+mn-lt"/>
-                      </a:endParaRPr>
+                      <a:r>
+                        <a:rPr lang="en-US" sz="1600" dirty="0">
+                          <a:latin typeface="+mn-lt"/>
+                        </a:rPr>
+                        <a:t>Train models for downstream tasks</a:t>
+                      </a:r>
                     </a:p>
                   </a:txBody>
                   <a:tcPr marL="121920" marR="121920" marT="60960" marB="60960">
@@ -12067,9 +11734,12 @@
                     <a:bodyPr/>
                     <a:lstStyle/>
                     <a:p>
-                      <a:endParaRPr lang="en-US" sz="1600" dirty="0">
-                        <a:latin typeface="+mn-lt"/>
-                      </a:endParaRPr>
+                      <a:r>
+                        <a:rPr lang="en-US" sz="1600" dirty="0">
+                          <a:latin typeface="+mn-lt"/>
+                        </a:rPr>
+                        <a:t>Y</a:t>
+                      </a:r>
                     </a:p>
                   </a:txBody>
                   <a:tcPr marL="121920" marR="121920" marT="60960" marB="60960">
@@ -12099,9 +11769,12 @@
                     <a:bodyPr/>
                     <a:lstStyle/>
                     <a:p>
-                      <a:endParaRPr lang="en-US" sz="1600" dirty="0">
-                        <a:latin typeface="+mn-lt"/>
-                      </a:endParaRPr>
+                      <a:r>
+                        <a:rPr lang="en-US" sz="1600" dirty="0">
+                          <a:latin typeface="+mn-lt"/>
+                        </a:rPr>
+                        <a:t>Y</a:t>
+                      </a:r>
                     </a:p>
                   </a:txBody>
                   <a:tcPr marL="121920" marR="121920" marT="60960" marB="60960">
@@ -12122,9 +11795,24 @@
                     <a:bodyPr/>
                     <a:lstStyle/>
                     <a:p>
-                      <a:endParaRPr lang="en-US" sz="1600" dirty="0">
-                        <a:latin typeface="+mn-lt"/>
-                      </a:endParaRPr>
+                      <a:r>
+                        <a:rPr lang="en-US" sz="1600" dirty="0">
+                          <a:latin typeface="+mn-lt"/>
+                        </a:rPr>
+                        <a:t>Apply </a:t>
+                      </a:r>
+                      <a:r>
+                        <a:rPr lang="en-US" sz="1600" dirty="0" err="1">
+                          <a:latin typeface="+mn-lt"/>
+                        </a:rPr>
+                        <a:t>spatio</a:t>
+                      </a:r>
+                      <a:r>
+                        <a:rPr lang="en-US" sz="1600" dirty="0">
+                          <a:latin typeface="+mn-lt"/>
+                        </a:rPr>
+                        <a:t>-temporal graph learning for water stream data imputation, developing domain adaptation and diffusion models </a:t>
+                      </a:r>
                     </a:p>
                   </a:txBody>
                   <a:tcPr marL="121920" marR="121920" marT="60960" marB="60960">
@@ -12140,9 +11828,12 @@
                     <a:bodyPr/>
                     <a:lstStyle/>
                     <a:p>
-                      <a:endParaRPr lang="en-US" sz="1600" dirty="0">
-                        <a:latin typeface="+mn-lt"/>
-                      </a:endParaRPr>
+                      <a:r>
+                        <a:rPr lang="en-US" sz="1600" dirty="0">
+                          <a:latin typeface="+mn-lt"/>
+                        </a:rPr>
+                        <a:t>Y</a:t>
+                      </a:r>
                     </a:p>
                   </a:txBody>
                   <a:tcPr marL="121920" marR="121920" marT="60960" marB="60960">
@@ -12176,9 +11867,12 @@
                     <a:bodyPr/>
                     <a:lstStyle/>
                     <a:p>
-                      <a:endParaRPr lang="en-US" sz="1600" dirty="0">
-                        <a:latin typeface="+mn-lt"/>
-                      </a:endParaRPr>
+                      <a:r>
+                        <a:rPr lang="en-US" sz="1600" dirty="0">
+                          <a:latin typeface="+mn-lt"/>
+                        </a:rPr>
+                        <a:t>Y</a:t>
+                      </a:r>
                     </a:p>
                   </a:txBody>
                   <a:tcPr marL="121920" marR="121920" marT="60960" marB="60960">
@@ -12201,9 +11895,12 @@
                     <a:bodyPr/>
                     <a:lstStyle/>
                     <a:p>
-                      <a:endParaRPr lang="en-US" sz="1600" dirty="0">
-                        <a:latin typeface="+mn-lt"/>
-                      </a:endParaRPr>
+                      <a:r>
+                        <a:rPr lang="en-US" sz="1600" dirty="0">
+                          <a:latin typeface="+mn-lt"/>
+                        </a:rPr>
+                        <a:t>Developed a general framework for spatiotemporal causal knowledge representation </a:t>
+                      </a:r>
                     </a:p>
                   </a:txBody>
                   <a:tcPr marL="121920" marR="121920" marT="60960" marB="60960">
@@ -12217,9 +11914,12 @@
                     <a:bodyPr/>
                     <a:lstStyle/>
                     <a:p>
-                      <a:endParaRPr lang="en-US" sz="1600" dirty="0">
-                        <a:latin typeface="+mn-lt"/>
-                      </a:endParaRPr>
+                      <a:r>
+                        <a:rPr lang="en-US" sz="1600" dirty="0">
+                          <a:latin typeface="+mn-lt"/>
+                        </a:rPr>
+                        <a:t>Y</a:t>
+                      </a:r>
                     </a:p>
                   </a:txBody>
                   <a:tcPr marL="121920" marR="121920" marT="60960" marB="60960">
@@ -12249,9 +11949,763 @@
                     <a:bodyPr/>
                     <a:lstStyle/>
                     <a:p>
+                      <a:r>
+                        <a:rPr lang="en-US" sz="1600" dirty="0">
+                          <a:latin typeface="+mn-lt"/>
+                        </a:rPr>
+                        <a:t>Y</a:t>
+                      </a:r>
+                    </a:p>
+                  </a:txBody>
+                  <a:tcPr marL="121920" marR="121920" marT="60960" marB="60960">
+                    <a:solidFill>
+                      <a:srgbClr val="C0C1C1"/>
+                    </a:solidFill>
+                  </a:tcPr>
+                </a:tc>
+                <a:extLst>
+                  <a:ext uri="{0D108BD9-81ED-4DB2-BD59-A6C34878D82A}">
+                    <a16:rowId xmlns:a16="http://schemas.microsoft.com/office/drawing/2014/main" val="3137136418"/>
+                  </a:ext>
+                </a:extLst>
+              </a:tr>
+            </a:tbl>
+          </a:graphicData>
+        </a:graphic>
+      </p:graphicFrame>
+    </p:spTree>
+    <p:extLst>
+      <p:ext uri="{BB962C8B-B14F-4D97-AF65-F5344CB8AC3E}">
+        <p14:creationId xmlns:p14="http://schemas.microsoft.com/office/powerpoint/2010/main" val="3067094351"/>
+      </p:ext>
+    </p:extLst>
+  </p:cSld>
+  <p:clrMapOvr>
+    <a:masterClrMapping/>
+  </p:clrMapOvr>
+</p:sld>
+</file>
+
+<file path=ppt/slides/slide4.xml><?xml version="1.0" encoding="utf-8"?>
+<p:sld xmlns:a="http://schemas.openxmlformats.org/drawingml/2006/main" xmlns:r="http://schemas.openxmlformats.org/officeDocument/2006/relationships" xmlns:p="http://schemas.openxmlformats.org/presentationml/2006/main">
+  <p:cSld>
+    <p:spTree>
+      <p:nvGrpSpPr>
+        <p:cNvPr id="1" name="">
+          <a:extLst>
+            <a:ext uri="{FF2B5EF4-FFF2-40B4-BE49-F238E27FC236}">
+              <a16:creationId xmlns:a16="http://schemas.microsoft.com/office/drawing/2014/main" id="{ED18573E-6E97-5B40-8F8B-1FE6B0E8E813}"/>
+            </a:ext>
+          </a:extLst>
+        </p:cNvPr>
+        <p:cNvGrpSpPr/>
+        <p:nvPr/>
+      </p:nvGrpSpPr>
+      <p:grpSpPr>
+        <a:xfrm>
+          <a:off x="0" y="0"/>
+          <a:ext cx="0" cy="0"/>
+          <a:chOff x="0" y="0"/>
+          <a:chExt cx="0" cy="0"/>
+        </a:xfrm>
+      </p:grpSpPr>
+      <p:sp>
+        <p:nvSpPr>
+          <p:cNvPr id="7" name="Title 6">
+            <a:extLst>
+              <a:ext uri="{FF2B5EF4-FFF2-40B4-BE49-F238E27FC236}">
+                <a16:creationId xmlns:a16="http://schemas.microsoft.com/office/drawing/2014/main" id="{6D736F5F-8D8C-722A-6259-BB2CBE27EDF8}"/>
+              </a:ext>
+            </a:extLst>
+          </p:cNvPr>
+          <p:cNvSpPr>
+            <a:spLocks noGrp="1"/>
+          </p:cNvSpPr>
+          <p:nvPr>
+            <p:ph type="title"/>
+          </p:nvPr>
+        </p:nvSpPr>
+        <p:spPr>
+          <a:xfrm>
+            <a:off x="1756611" y="206391"/>
+            <a:ext cx="10167617" cy="755509"/>
+          </a:xfrm>
+        </p:spPr>
+        <p:txBody>
+          <a:bodyPr/>
+          <a:lstStyle/>
+          <a:p>
+            <a:r>
+              <a:rPr lang="en-US" dirty="0">
+                <a:solidFill>
+                  <a:schemeClr val="tx1"/>
+                </a:solidFill>
+              </a:rPr>
+              <a:t>ASU-04: Research Deliverables</a:t>
+            </a:r>
+          </a:p>
+        </p:txBody>
+      </p:sp>
+      <p:graphicFrame>
+        <p:nvGraphicFramePr>
+          <p:cNvPr id="5" name="Table 16">
+            <a:extLst>
+              <a:ext uri="{FF2B5EF4-FFF2-40B4-BE49-F238E27FC236}">
+                <a16:creationId xmlns:a16="http://schemas.microsoft.com/office/drawing/2014/main" id="{DDA0A3A2-0772-A944-52C1-A0EF1D6BAF3C}"/>
+              </a:ext>
+            </a:extLst>
+          </p:cNvPr>
+          <p:cNvGraphicFramePr>
+            <a:graphicFrameLocks/>
+          </p:cNvGraphicFramePr>
+          <p:nvPr>
+            <p:extLst>
+              <p:ext uri="{D42A27DB-BD31-4B8C-83A1-F6EECF244321}">
+                <p14:modId xmlns:p14="http://schemas.microsoft.com/office/powerpoint/2010/main" val="2544840546"/>
+              </p:ext>
+            </p:extLst>
+          </p:nvPr>
+        </p:nvGraphicFramePr>
+        <p:xfrm>
+          <a:off x="609600" y="1398320"/>
+          <a:ext cx="10723124" cy="4629640"/>
+        </p:xfrm>
+        <a:graphic>
+          <a:graphicData uri="http://schemas.openxmlformats.org/drawingml/2006/table">
+            <a:tbl>
+              <a:tblPr firstRow="1" bandRow="1">
+                <a:effectLst/>
+                <a:tableStyleId>{5C22544A-7EE6-4342-B048-85BDC9FD1C3A}</a:tableStyleId>
+              </a:tblPr>
+              <a:tblGrid>
+                <a:gridCol w="4272316">
+                  <a:extLst>
+                    <a:ext uri="{9D8B030D-6E8A-4147-A177-3AD203B41FA5}">
+                      <a16:colId xmlns:a16="http://schemas.microsoft.com/office/drawing/2014/main" val="2542010261"/>
+                    </a:ext>
+                  </a:extLst>
+                </a:gridCol>
+                <a:gridCol w="1157869">
+                  <a:extLst>
+                    <a:ext uri="{9D8B030D-6E8A-4147-A177-3AD203B41FA5}">
+                      <a16:colId xmlns:a16="http://schemas.microsoft.com/office/drawing/2014/main" val="537557957"/>
+                    </a:ext>
+                  </a:extLst>
+                </a:gridCol>
+                <a:gridCol w="2703192">
+                  <a:extLst>
+                    <a:ext uri="{9D8B030D-6E8A-4147-A177-3AD203B41FA5}">
+                      <a16:colId xmlns:a16="http://schemas.microsoft.com/office/drawing/2014/main" val="3935698683"/>
+                    </a:ext>
+                  </a:extLst>
+                </a:gridCol>
+                <a:gridCol w="2589747">
+                  <a:extLst>
+                    <a:ext uri="{9D8B030D-6E8A-4147-A177-3AD203B41FA5}">
+                      <a16:colId xmlns:a16="http://schemas.microsoft.com/office/drawing/2014/main" val="2601945297"/>
+                    </a:ext>
+                  </a:extLst>
+                </a:gridCol>
+              </a:tblGrid>
+              <a:tr h="605578">
+                <a:tc>
+                  <a:txBody>
+                    <a:bodyPr/>
+                    <a:lstStyle/>
+                    <a:p>
+                      <a:pPr marL="0" marR="0">
+                        <a:spcBef>
+                          <a:spcPts val="0"/>
+                        </a:spcBef>
+                        <a:spcAft>
+                          <a:spcPts val="600"/>
+                        </a:spcAft>
+                      </a:pPr>
+                      <a:r>
+                        <a:rPr lang="en-US" sz="1600" b="1" dirty="0">
+                          <a:solidFill>
+                            <a:schemeClr val="bg2">
+                              <a:lumMod val="95000"/>
+                            </a:schemeClr>
+                          </a:solidFill>
+                          <a:effectLst/>
+                          <a:latin typeface="Calibri" panose="020F0502020204030204" pitchFamily="34" charset="0"/>
+                          <a:ea typeface="Calibri" panose="020F0502020204030204" pitchFamily="34" charset="0"/>
+                          <a:cs typeface="Calibri" panose="020F0502020204030204" pitchFamily="34" charset="0"/>
+                        </a:rPr>
+                        <a:t>Deliverables</a:t>
+                      </a:r>
+                      <a:endParaRPr lang="en-US" sz="1600" dirty="0">
+                        <a:solidFill>
+                          <a:schemeClr val="bg2">
+                            <a:lumMod val="95000"/>
+                          </a:schemeClr>
+                        </a:solidFill>
+                        <a:effectLst/>
+                        <a:latin typeface="Calibri" panose="020F0502020204030204" pitchFamily="34" charset="0"/>
+                        <a:ea typeface="MS Mincho" panose="02020609040205080304" pitchFamily="49" charset="-128"/>
+                        <a:cs typeface="Calibri" panose="020F0502020204030204" pitchFamily="34" charset="0"/>
+                      </a:endParaRPr>
+                    </a:p>
+                  </a:txBody>
+                  <a:tcPr marT="0" marB="0" anchor="ctr">
+                    <a:solidFill>
+                      <a:srgbClr val="7688AA"/>
+                    </a:solidFill>
+                  </a:tcPr>
+                </a:tc>
+                <a:tc>
+                  <a:txBody>
+                    <a:bodyPr/>
+                    <a:lstStyle/>
+                    <a:p>
+                      <a:pPr marL="0" marR="0" algn="ctr">
+                        <a:spcBef>
+                          <a:spcPts val="0"/>
+                        </a:spcBef>
+                        <a:spcAft>
+                          <a:spcPts val="600"/>
+                        </a:spcAft>
+                      </a:pPr>
+                      <a:r>
+                        <a:rPr lang="en-US" sz="1600" dirty="0">
+                          <a:solidFill>
+                            <a:schemeClr val="bg2"/>
+                          </a:solidFill>
+                          <a:effectLst/>
+                          <a:latin typeface="Calibri" panose="020F0502020204030204" pitchFamily="34" charset="0"/>
+                          <a:ea typeface="MS Mincho" panose="02020609040205080304" pitchFamily="49" charset="-128"/>
+                          <a:cs typeface="Calibri" panose="020F0502020204030204" pitchFamily="34" charset="0"/>
+                        </a:rPr>
+                        <a:t>Completed (Y/N)</a:t>
+                      </a:r>
+                    </a:p>
+                  </a:txBody>
+                  <a:tcPr marT="0" marB="0" anchor="ctr">
+                    <a:solidFill>
+                      <a:srgbClr val="7688AA"/>
+                    </a:solidFill>
+                  </a:tcPr>
+                </a:tc>
+                <a:tc>
+                  <a:txBody>
+                    <a:bodyPr/>
+                    <a:lstStyle/>
+                    <a:p>
+                      <a:pPr marL="0" marR="0" lvl="0" indent="0" algn="ctr" defTabSz="514350" rtl="0" eaLnBrk="1" fontAlgn="auto" latinLnBrk="0" hangingPunct="1">
+                        <a:lnSpc>
+                          <a:spcPct val="100000"/>
+                        </a:lnSpc>
+                        <a:spcBef>
+                          <a:spcPts val="0"/>
+                        </a:spcBef>
+                        <a:spcAft>
+                          <a:spcPts val="600"/>
+                        </a:spcAft>
+                        <a:buClrTx/>
+                        <a:buSzTx/>
+                        <a:buFontTx/>
+                        <a:buNone/>
+                        <a:tabLst/>
+                        <a:defRPr/>
+                      </a:pPr>
+                      <a:r>
+                        <a:rPr lang="en-US" sz="1600" dirty="0">
+                          <a:solidFill>
+                            <a:schemeClr val="bg2"/>
+                          </a:solidFill>
+                          <a:effectLst/>
+                          <a:latin typeface="Calibri" panose="020F0502020204030204" pitchFamily="34" charset="0"/>
+                          <a:ea typeface="MS Mincho" panose="02020609040205080304" pitchFamily="49" charset="-128"/>
+                          <a:cs typeface="Calibri" panose="020F0502020204030204" pitchFamily="34" charset="0"/>
+                        </a:rPr>
+                        <a:t>If no, anticipated date?</a:t>
+                      </a:r>
+                      <a:endParaRPr lang="en-US" sz="1600" dirty="0">
+                        <a:solidFill>
+                          <a:schemeClr val="bg2">
+                            <a:lumMod val="95000"/>
+                          </a:schemeClr>
+                        </a:solidFill>
+                        <a:effectLst/>
+                        <a:latin typeface="Calibri" panose="020F0502020204030204" pitchFamily="34" charset="0"/>
+                        <a:ea typeface="MS Mincho" panose="02020609040205080304" pitchFamily="49" charset="-128"/>
+                        <a:cs typeface="Calibri" panose="020F0502020204030204" pitchFamily="34" charset="0"/>
+                      </a:endParaRPr>
+                    </a:p>
+                  </a:txBody>
+                  <a:tcPr marT="0" marB="0" anchor="ctr">
+                    <a:solidFill>
+                      <a:srgbClr val="7688AA"/>
+                    </a:solidFill>
+                  </a:tcPr>
+                </a:tc>
+                <a:tc>
+                  <a:txBody>
+                    <a:bodyPr/>
+                    <a:lstStyle/>
+                    <a:p>
+                      <a:pPr marL="0" marR="0" algn="ctr">
+                        <a:spcBef>
+                          <a:spcPts val="0"/>
+                        </a:spcBef>
+                        <a:spcAft>
+                          <a:spcPts val="600"/>
+                        </a:spcAft>
+                      </a:pPr>
+                      <a:r>
+                        <a:rPr lang="en-US" sz="1600" b="1" dirty="0">
+                          <a:solidFill>
+                            <a:schemeClr val="bg2">
+                              <a:lumMod val="95000"/>
+                            </a:schemeClr>
+                          </a:solidFill>
+                          <a:effectLst/>
+                          <a:latin typeface="Calibri" panose="020F0502020204030204" pitchFamily="34" charset="0"/>
+                          <a:ea typeface="MS Mincho" panose="02020609040205080304" pitchFamily="49" charset="-128"/>
+                          <a:cs typeface="Calibri" panose="020F0502020204030204" pitchFamily="34" charset="0"/>
+                        </a:rPr>
+                        <a:t>Sent to EWN Comms? (Y/N)</a:t>
+                      </a:r>
+                      <a:endParaRPr lang="en-US" sz="1600" dirty="0">
+                        <a:solidFill>
+                          <a:schemeClr val="bg2">
+                            <a:lumMod val="95000"/>
+                          </a:schemeClr>
+                        </a:solidFill>
+                        <a:effectLst/>
+                        <a:latin typeface="Calibri" panose="020F0502020204030204" pitchFamily="34" charset="0"/>
+                        <a:ea typeface="MS Mincho" panose="02020609040205080304" pitchFamily="49" charset="-128"/>
+                        <a:cs typeface="Calibri" panose="020F0502020204030204" pitchFamily="34" charset="0"/>
+                      </a:endParaRPr>
+                    </a:p>
+                  </a:txBody>
+                  <a:tcPr marT="0" marB="0" anchor="ctr">
+                    <a:solidFill>
+                      <a:srgbClr val="7688AA"/>
+                    </a:solidFill>
+                  </a:tcPr>
+                </a:tc>
+                <a:extLst>
+                  <a:ext uri="{0D108BD9-81ED-4DB2-BD59-A6C34878D82A}">
+                    <a16:rowId xmlns:a16="http://schemas.microsoft.com/office/drawing/2014/main" val="3784408905"/>
+                  </a:ext>
+                </a:extLst>
+              </a:tr>
+              <a:tr h="406517">
+                <a:tc>
+                  <a:txBody>
+                    <a:bodyPr/>
+                    <a:lstStyle/>
+                    <a:p>
+                      <a:r>
+                        <a:rPr lang="en-US" sz="1600" dirty="0">
+                          <a:latin typeface="+mn-lt"/>
+                        </a:rPr>
+                        <a:t>Validated the SWAT model for causal learning integration</a:t>
+                      </a:r>
+                    </a:p>
+                  </a:txBody>
+                  <a:tcPr marL="121920" marR="121920" marT="60960" marB="60960">
+                    <a:solidFill>
+                      <a:srgbClr val="C0C1C1"/>
+                    </a:solidFill>
+                  </a:tcPr>
+                </a:tc>
+                <a:tc>
+                  <a:txBody>
+                    <a:bodyPr/>
+                    <a:lstStyle/>
+                    <a:p>
+                      <a:r>
+                        <a:rPr lang="en-US" sz="1600" dirty="0">
+                          <a:latin typeface="+mn-lt"/>
+                        </a:rPr>
+                        <a:t>Y</a:t>
+                      </a:r>
+                    </a:p>
+                  </a:txBody>
+                  <a:tcPr marL="121920" marR="121920" marT="60960" marB="60960">
+                    <a:solidFill>
+                      <a:srgbClr val="C0C1C1"/>
+                    </a:solidFill>
+                  </a:tcPr>
+                </a:tc>
+                <a:tc>
+                  <a:txBody>
+                    <a:bodyPr/>
+                    <a:lstStyle/>
+                    <a:p>
                       <a:endParaRPr lang="en-US" sz="1600" dirty="0">
                         <a:latin typeface="+mn-lt"/>
                       </a:endParaRPr>
+                    </a:p>
+                  </a:txBody>
+                  <a:tcPr marL="121920" marR="121920" marT="60960" marB="60960">
+                    <a:solidFill>
+                      <a:srgbClr val="C0C1C1"/>
+                    </a:solidFill>
+                  </a:tcPr>
+                </a:tc>
+                <a:tc>
+                  <a:txBody>
+                    <a:bodyPr/>
+                    <a:lstStyle/>
+                    <a:p>
+                      <a:r>
+                        <a:rPr lang="en-US" sz="1600" dirty="0">
+                          <a:latin typeface="+mn-lt"/>
+                        </a:rPr>
+                        <a:t>Y</a:t>
+                      </a:r>
+                    </a:p>
+                  </a:txBody>
+                  <a:tcPr marL="121920" marR="121920" marT="60960" marB="60960">
+                    <a:solidFill>
+                      <a:srgbClr val="C0C1C1"/>
+                    </a:solidFill>
+                  </a:tcPr>
+                </a:tc>
+                <a:extLst>
+                  <a:ext uri="{0D108BD9-81ED-4DB2-BD59-A6C34878D82A}">
+                    <a16:rowId xmlns:a16="http://schemas.microsoft.com/office/drawing/2014/main" val="291076823"/>
+                  </a:ext>
+                </a:extLst>
+              </a:tr>
+              <a:tr h="406517">
+                <a:tc>
+                  <a:txBody>
+                    <a:bodyPr/>
+                    <a:lstStyle/>
+                    <a:p>
+                      <a:r>
+                        <a:rPr lang="en-US" sz="1600" dirty="0">
+                          <a:latin typeface="+mn-lt"/>
+                        </a:rPr>
+                        <a:t>Develop causal disentanglement framework</a:t>
+                      </a:r>
+                    </a:p>
+                  </a:txBody>
+                  <a:tcPr marL="121920" marR="121920" marT="60960" marB="60960">
+                    <a:solidFill>
+                      <a:schemeClr val="bg2">
+                        <a:lumMod val="85000"/>
+                      </a:schemeClr>
+                    </a:solidFill>
+                  </a:tcPr>
+                </a:tc>
+                <a:tc>
+                  <a:txBody>
+                    <a:bodyPr/>
+                    <a:lstStyle/>
+                    <a:p>
+                      <a:r>
+                        <a:rPr lang="en-US" sz="1600" dirty="0">
+                          <a:latin typeface="+mn-lt"/>
+                        </a:rPr>
+                        <a:t>Y</a:t>
+                      </a:r>
+                    </a:p>
+                  </a:txBody>
+                  <a:tcPr marL="121920" marR="121920" marT="60960" marB="60960">
+                    <a:solidFill>
+                      <a:schemeClr val="bg2">
+                        <a:lumMod val="85000"/>
+                      </a:schemeClr>
+                    </a:solidFill>
+                  </a:tcPr>
+                </a:tc>
+                <a:tc>
+                  <a:txBody>
+                    <a:bodyPr/>
+                    <a:lstStyle/>
+                    <a:p>
+                      <a:endParaRPr lang="en-US" sz="1600" dirty="0">
+                        <a:latin typeface="+mn-lt"/>
+                      </a:endParaRPr>
+                    </a:p>
+                  </a:txBody>
+                  <a:tcPr marL="121920" marR="121920" marT="60960" marB="60960">
+                    <a:solidFill>
+                      <a:schemeClr val="bg2">
+                        <a:lumMod val="85000"/>
+                      </a:schemeClr>
+                    </a:solidFill>
+                  </a:tcPr>
+                </a:tc>
+                <a:tc>
+                  <a:txBody>
+                    <a:bodyPr/>
+                    <a:lstStyle/>
+                    <a:p>
+                      <a:r>
+                        <a:rPr lang="en-US" sz="1600" dirty="0">
+                          <a:latin typeface="+mn-lt"/>
+                        </a:rPr>
+                        <a:t>Y</a:t>
+                      </a:r>
+                    </a:p>
+                  </a:txBody>
+                  <a:tcPr marL="121920" marR="121920" marT="60960" marB="60960">
+                    <a:solidFill>
+                      <a:schemeClr val="bg2">
+                        <a:lumMod val="85000"/>
+                      </a:schemeClr>
+                    </a:solidFill>
+                  </a:tcPr>
+                </a:tc>
+                <a:extLst>
+                  <a:ext uri="{0D108BD9-81ED-4DB2-BD59-A6C34878D82A}">
+                    <a16:rowId xmlns:a16="http://schemas.microsoft.com/office/drawing/2014/main" val="70177493"/>
+                  </a:ext>
+                </a:extLst>
+              </a:tr>
+              <a:tr h="406517">
+                <a:tc>
+                  <a:txBody>
+                    <a:bodyPr/>
+                    <a:lstStyle/>
+                    <a:p>
+                      <a:r>
+                        <a:rPr lang="en-US" sz="1600" dirty="0">
+                          <a:latin typeface="+mn-lt"/>
+                        </a:rPr>
+                        <a:t>Publication: Causal disentanglement</a:t>
+                      </a:r>
+                    </a:p>
+                  </a:txBody>
+                  <a:tcPr marL="121920" marR="121920" marT="60960" marB="60960">
+                    <a:solidFill>
+                      <a:srgbClr val="C0C1C1"/>
+                    </a:solidFill>
+                  </a:tcPr>
+                </a:tc>
+                <a:tc>
+                  <a:txBody>
+                    <a:bodyPr/>
+                    <a:lstStyle/>
+                    <a:p>
+                      <a:r>
+                        <a:rPr lang="en-US" sz="1600" dirty="0">
+                          <a:latin typeface="+mn-lt"/>
+                        </a:rPr>
+                        <a:t>Y</a:t>
+                      </a:r>
+                    </a:p>
+                  </a:txBody>
+                  <a:tcPr marL="121920" marR="121920" marT="60960" marB="60960">
+                    <a:solidFill>
+                      <a:srgbClr val="C0C1C1"/>
+                    </a:solidFill>
+                  </a:tcPr>
+                </a:tc>
+                <a:tc>
+                  <a:txBody>
+                    <a:bodyPr/>
+                    <a:lstStyle/>
+                    <a:p>
+                      <a:endParaRPr lang="en-US" sz="1600" dirty="0">
+                        <a:latin typeface="+mn-lt"/>
+                      </a:endParaRPr>
+                    </a:p>
+                  </a:txBody>
+                  <a:tcPr marL="121920" marR="121920" marT="60960" marB="60960">
+                    <a:solidFill>
+                      <a:srgbClr val="C0C1C1"/>
+                    </a:solidFill>
+                  </a:tcPr>
+                </a:tc>
+                <a:tc>
+                  <a:txBody>
+                    <a:bodyPr/>
+                    <a:lstStyle/>
+                    <a:p>
+                      <a:r>
+                        <a:rPr lang="en-US" sz="1600" dirty="0">
+                          <a:latin typeface="+mn-lt"/>
+                        </a:rPr>
+                        <a:t>Y</a:t>
+                      </a:r>
+                    </a:p>
+                  </a:txBody>
+                  <a:tcPr marL="121920" marR="121920" marT="60960" marB="60960">
+                    <a:solidFill>
+                      <a:srgbClr val="C0C1C1"/>
+                    </a:solidFill>
+                  </a:tcPr>
+                </a:tc>
+                <a:extLst>
+                  <a:ext uri="{0D108BD9-81ED-4DB2-BD59-A6C34878D82A}">
+                    <a16:rowId xmlns:a16="http://schemas.microsoft.com/office/drawing/2014/main" val="3695423954"/>
+                  </a:ext>
+                </a:extLst>
+              </a:tr>
+              <a:tr h="406517">
+                <a:tc>
+                  <a:txBody>
+                    <a:bodyPr/>
+                    <a:lstStyle/>
+                    <a:p>
+                      <a:r>
+                        <a:rPr lang="en-US" sz="1600" dirty="0">
+                          <a:latin typeface="+mn-lt"/>
+                        </a:rPr>
+                        <a:t>Publication: STREAMS</a:t>
+                      </a:r>
+                    </a:p>
+                  </a:txBody>
+                  <a:tcPr marL="121920" marR="121920" marT="60960" marB="60960">
+                    <a:solidFill>
+                      <a:schemeClr val="bg2">
+                        <a:lumMod val="85000"/>
+                      </a:schemeClr>
+                    </a:solidFill>
+                  </a:tcPr>
+                </a:tc>
+                <a:tc>
+                  <a:txBody>
+                    <a:bodyPr/>
+                    <a:lstStyle/>
+                    <a:p>
+                      <a:r>
+                        <a:rPr lang="en-US" sz="1600" dirty="0">
+                          <a:latin typeface="+mn-lt"/>
+                        </a:rPr>
+                        <a:t>Y</a:t>
+                      </a:r>
+                    </a:p>
+                  </a:txBody>
+                  <a:tcPr marL="121920" marR="121920" marT="60960" marB="60960">
+                    <a:solidFill>
+                      <a:schemeClr val="bg2">
+                        <a:lumMod val="85000"/>
+                      </a:schemeClr>
+                    </a:solidFill>
+                  </a:tcPr>
+                </a:tc>
+                <a:tc>
+                  <a:txBody>
+                    <a:bodyPr/>
+                    <a:lstStyle/>
+                    <a:p>
+                      <a:endParaRPr lang="en-US" sz="1600" dirty="0">
+                        <a:latin typeface="+mn-lt"/>
+                      </a:endParaRPr>
+                    </a:p>
+                  </a:txBody>
+                  <a:tcPr marL="121920" marR="121920" marT="60960" marB="60960">
+                    <a:solidFill>
+                      <a:schemeClr val="bg2">
+                        <a:lumMod val="85000"/>
+                      </a:schemeClr>
+                    </a:solidFill>
+                  </a:tcPr>
+                </a:tc>
+                <a:tc>
+                  <a:txBody>
+                    <a:bodyPr/>
+                    <a:lstStyle/>
+                    <a:p>
+                      <a:r>
+                        <a:rPr lang="en-US" sz="1600" dirty="0">
+                          <a:latin typeface="+mn-lt"/>
+                        </a:rPr>
+                        <a:t>Y</a:t>
+                      </a:r>
+                    </a:p>
+                  </a:txBody>
+                  <a:tcPr marL="121920" marR="121920" marT="60960" marB="60960">
+                    <a:solidFill>
+                      <a:schemeClr val="bg2">
+                        <a:lumMod val="85000"/>
+                      </a:schemeClr>
+                    </a:solidFill>
+                  </a:tcPr>
+                </a:tc>
+                <a:extLst>
+                  <a:ext uri="{0D108BD9-81ED-4DB2-BD59-A6C34878D82A}">
+                    <a16:rowId xmlns:a16="http://schemas.microsoft.com/office/drawing/2014/main" val="1347859302"/>
+                  </a:ext>
+                </a:extLst>
+              </a:tr>
+              <a:tr h="406517">
+                <a:tc>
+                  <a:txBody>
+                    <a:bodyPr/>
+                    <a:lstStyle/>
+                    <a:p>
+                      <a:r>
+                        <a:rPr lang="en-US" sz="1600" dirty="0">
+                          <a:latin typeface="+mn-lt"/>
+                        </a:rPr>
+                        <a:t>Publication: </a:t>
+                      </a:r>
+                      <a:r>
+                        <a:rPr lang="en-US" sz="1600" dirty="0" err="1">
+                          <a:latin typeface="+mn-lt"/>
+                        </a:rPr>
+                        <a:t>Spatio</a:t>
+                      </a:r>
+                      <a:r>
+                        <a:rPr lang="en-US" sz="1600" dirty="0">
+                          <a:latin typeface="+mn-lt"/>
+                        </a:rPr>
+                        <a:t>-Causal Situation Awareness</a:t>
+                      </a:r>
+                    </a:p>
+                  </a:txBody>
+                  <a:tcPr marL="121920" marR="121920" marT="60960" marB="60960">
+                    <a:solidFill>
+                      <a:srgbClr val="C0C1C1"/>
+                    </a:solidFill>
+                  </a:tcPr>
+                </a:tc>
+                <a:tc>
+                  <a:txBody>
+                    <a:bodyPr/>
+                    <a:lstStyle/>
+                    <a:p>
+                      <a:r>
+                        <a:rPr lang="en-US" sz="1600" dirty="0">
+                          <a:latin typeface="+mn-lt"/>
+                        </a:rPr>
+                        <a:t>N</a:t>
+                      </a:r>
+                    </a:p>
+                  </a:txBody>
+                  <a:tcPr marL="121920" marR="121920" marT="60960" marB="60960">
+                    <a:solidFill>
+                      <a:srgbClr val="C0C1C1"/>
+                    </a:solidFill>
+                  </a:tcPr>
+                </a:tc>
+                <a:tc>
+                  <a:txBody>
+                    <a:bodyPr/>
+                    <a:lstStyle/>
+                    <a:p>
+                      <a:endParaRPr lang="en-US" sz="1600" dirty="0">
+                        <a:latin typeface="+mn-lt"/>
+                      </a:endParaRPr>
+                    </a:p>
+                  </a:txBody>
+                  <a:tcPr marL="121920" marR="121920" marT="60960" marB="60960">
+                    <a:solidFill>
+                      <a:srgbClr val="C0C1C1"/>
+                    </a:solidFill>
+                  </a:tcPr>
+                </a:tc>
+                <a:tc>
+                  <a:txBody>
+                    <a:bodyPr/>
+                    <a:lstStyle/>
+                    <a:p>
+                      <a:r>
+                        <a:rPr lang="en-US" sz="1600" dirty="0">
+                          <a:latin typeface="+mn-lt"/>
+                        </a:rPr>
+                        <a:t>N</a:t>
+                      </a:r>
                     </a:p>
                   </a:txBody>
                   <a:tcPr marL="121920" marR="121920" marT="60960" marB="60960">
@@ -12590,7 +13044,7 @@
     </p:spTree>
     <p:extLst>
       <p:ext uri="{BB962C8B-B14F-4D97-AF65-F5344CB8AC3E}">
-        <p14:creationId xmlns:p14="http://schemas.microsoft.com/office/powerpoint/2010/main" val="3067094351"/>
+        <p14:creationId xmlns:p14="http://schemas.microsoft.com/office/powerpoint/2010/main" val="687623796"/>
       </p:ext>
     </p:extLst>
   </p:cSld>
@@ -12635,31 +13089,268 @@
         </p:nvSpPr>
         <p:spPr>
           <a:xfrm>
-            <a:off x="932783" y="1184342"/>
-            <a:ext cx="10991445" cy="5600700"/>
+            <a:off x="266700" y="1028226"/>
+            <a:ext cx="11658600" cy="5216458"/>
           </a:xfrm>
         </p:spPr>
         <p:txBody>
           <a:bodyPr/>
           <a:lstStyle/>
           <a:p>
-            <a:pPr marL="571500" indent="-571500">
+            <a:pPr marL="285750" indent="-285750">
               <a:buFont typeface="Arial" panose="020B0604020202020204" pitchFamily="34" charset="0"/>
               <a:buChar char="•"/>
             </a:pPr>
             <a:r>
-              <a:rPr lang="en-US" sz="2400" dirty="0"/>
-              <a:t>Describe current project highlights, including major events, activities, deliverables, and/or accomplishments. Include the date of achievement/completion. </a:t>
-            </a:r>
-          </a:p>
-          <a:p>
-            <a:endParaRPr lang="en-US" sz="2400" dirty="0">
-              <a:solidFill>
-                <a:schemeClr val="tx1"/>
-              </a:solidFill>
-              <a:effectLst/>
-              <a:latin typeface="Calibri" panose="020F0502020204030204" pitchFamily="34" charset="0"/>
-            </a:endParaRPr>
+              <a:rPr lang="en-US" sz="1400" dirty="0"/>
+              <a:t>Developed a novel </a:t>
+            </a:r>
+            <a:r>
+              <a:rPr lang="en-US" sz="1400" dirty="0" err="1"/>
+              <a:t>spatio</a:t>
+            </a:r>
+            <a:r>
+              <a:rPr lang="en-US" sz="1400" dirty="0"/>
+              <a:t>-temporal deep learning framework for predicting streamflow in the Brazos River basin.</a:t>
+            </a:r>
+          </a:p>
+          <a:p>
+            <a:pPr marL="285750" indent="-285750">
+              <a:buFont typeface="Arial" panose="020B0604020202020204" pitchFamily="34" charset="0"/>
+              <a:buChar char="•"/>
+            </a:pPr>
+            <a:r>
+              <a:rPr lang="en-US" sz="1400" dirty="0"/>
+              <a:t>Collaborated with Tulane University on research involving </a:t>
+            </a:r>
+            <a:r>
+              <a:rPr lang="en-US" sz="1400" dirty="0" err="1"/>
+              <a:t>spatio</a:t>
+            </a:r>
+            <a:r>
+              <a:rPr lang="en-US" sz="1400" dirty="0"/>
+              <a:t>-temporal causal learning for streamflow prediction.</a:t>
+            </a:r>
+          </a:p>
+          <a:p>
+            <a:pPr marL="285750" indent="-285750">
+              <a:buFont typeface="Arial" panose="020B0604020202020204" pitchFamily="34" charset="0"/>
+              <a:buChar char="•"/>
+            </a:pPr>
+            <a:r>
+              <a:rPr lang="en-US" sz="1400" dirty="0"/>
+              <a:t>Introduced the STREAMS framework, combining reinforcement learning with LSTM for spatiotemporal causal discovery in streamflow rate prediction.</a:t>
+            </a:r>
+          </a:p>
+          <a:p>
+            <a:pPr marL="285750" indent="-285750">
+              <a:buFont typeface="Arial" panose="020B0604020202020204" pitchFamily="34" charset="0"/>
+              <a:buChar char="•"/>
+            </a:pPr>
+            <a:r>
+              <a:rPr lang="en-US" sz="1400" dirty="0"/>
+              <a:t>Focused on identifying potential wetlands using datasets like the National Land Cover Database (NLCD), the Soil Survey Geographic Database (SSURGO), and the Height Above Nearest Drainage (HAND) layer.</a:t>
+            </a:r>
+          </a:p>
+          <a:p>
+            <a:pPr marL="285750" indent="-285750">
+              <a:buFont typeface="Arial" panose="020B0604020202020204" pitchFamily="34" charset="0"/>
+              <a:buChar char="•"/>
+            </a:pPr>
+            <a:r>
+              <a:rPr lang="en-US" sz="1400" dirty="0"/>
+              <a:t>Trained models for downstream tasks such as flood risk reduction and water storage enhancement, leveraging features like soil characteristics and flood/drainage frequency.</a:t>
+            </a:r>
+          </a:p>
+          <a:p>
+            <a:pPr marL="285750" indent="-285750">
+              <a:buFont typeface="Arial" panose="020B0604020202020204" pitchFamily="34" charset="0"/>
+              <a:buChar char="•"/>
+            </a:pPr>
+            <a:r>
+              <a:rPr lang="en-US" sz="1400" dirty="0"/>
+              <a:t>Explored the </a:t>
+            </a:r>
+            <a:r>
+              <a:rPr lang="en-US" sz="1400" dirty="0" err="1"/>
+              <a:t>DataStorm</a:t>
+            </a:r>
+            <a:r>
+              <a:rPr lang="en-US" sz="1400" dirty="0"/>
+              <a:t> project for simulating traditional hydrological models and enhancing parameter tuning efficiency.</a:t>
+            </a:r>
+          </a:p>
+          <a:p>
+            <a:pPr marL="285750" indent="-285750">
+              <a:buFont typeface="Arial" panose="020B0604020202020204" pitchFamily="34" charset="0"/>
+              <a:buChar char="•"/>
+            </a:pPr>
+            <a:r>
+              <a:rPr lang="en-US" sz="1400" dirty="0"/>
+              <a:t>Investigated the use of causal information for improving skyline discovery in decision support queries.</a:t>
+            </a:r>
+          </a:p>
+          <a:p>
+            <a:pPr marL="285750" indent="-285750">
+              <a:buFont typeface="Arial" panose="020B0604020202020204" pitchFamily="34" charset="0"/>
+              <a:buChar char="•"/>
+            </a:pPr>
+            <a:r>
+              <a:rPr lang="en-US" sz="1400" dirty="0"/>
+              <a:t>Applied </a:t>
+            </a:r>
+            <a:r>
+              <a:rPr lang="en-US" sz="1400" dirty="0" err="1"/>
+              <a:t>spatio</a:t>
+            </a:r>
+            <a:r>
+              <a:rPr lang="en-US" sz="1400" dirty="0"/>
+              <a:t>-temporal graph learning for water stream data imputation, developing domain adaptation and diffusion models (https://</a:t>
+            </a:r>
+            <a:r>
+              <a:rPr lang="en-US" sz="1400" dirty="0" err="1"/>
+              <a:t>github.com</a:t>
+            </a:r>
+            <a:r>
+              <a:rPr lang="en-US" sz="1400" dirty="0"/>
+              <a:t>/</a:t>
+            </a:r>
+            <a:r>
+              <a:rPr lang="en-US" sz="1400" dirty="0" err="1"/>
+              <a:t>keyangds</a:t>
+            </a:r>
+            <a:r>
+              <a:rPr lang="en-US" sz="1400" dirty="0"/>
+              <a:t>/Domain-Adaptation).</a:t>
+            </a:r>
+          </a:p>
+          <a:p>
+            <a:pPr marL="285750" indent="-285750">
+              <a:buFont typeface="Arial" panose="020B0604020202020204" pitchFamily="34" charset="0"/>
+              <a:buChar char="•"/>
+            </a:pPr>
+            <a:r>
+              <a:rPr lang="en-US" sz="1400" dirty="0"/>
+              <a:t>Introduced a causality-aware disentanglement model to improve predictive accuracy in data-scarce regions.</a:t>
+            </a:r>
+          </a:p>
+          <a:p>
+            <a:pPr marL="285750" indent="-285750">
+              <a:buFont typeface="Arial" panose="020B0604020202020204" pitchFamily="34" charset="0"/>
+              <a:buChar char="•"/>
+            </a:pPr>
+            <a:r>
+              <a:rPr lang="en-US" sz="1400" dirty="0"/>
+              <a:t>Developed a general framework for spatiotemporal causal knowledge representation to enhance causal discovery algorithms.</a:t>
+            </a:r>
+          </a:p>
+          <a:p>
+            <a:pPr marL="285750" indent="-285750">
+              <a:buFont typeface="Arial" panose="020B0604020202020204" pitchFamily="34" charset="0"/>
+              <a:buChar char="•"/>
+            </a:pPr>
+            <a:r>
+              <a:rPr lang="en-US" sz="1400" dirty="0"/>
+              <a:t>Continued wetland prioritization efforts, focusing on adaptive propagation and knowledge transfer methods.</a:t>
+            </a:r>
+          </a:p>
+          <a:p>
+            <a:pPr marL="285750" indent="-285750">
+              <a:buFont typeface="Arial" panose="020B0604020202020204" pitchFamily="34" charset="0"/>
+              <a:buChar char="•"/>
+            </a:pPr>
+            <a:r>
+              <a:rPr lang="en-US" sz="1400" dirty="0"/>
+              <a:t>Developed the Causal Streamflow Forecasting (CSF) model, combining station-level runoff predictions with basin-level streamflow learning.</a:t>
+            </a:r>
+          </a:p>
+          <a:p>
+            <a:pPr marL="285750" indent="-285750">
+              <a:buFont typeface="Arial" panose="020B0604020202020204" pitchFamily="34" charset="0"/>
+              <a:buChar char="•"/>
+            </a:pPr>
+            <a:r>
+              <a:rPr lang="en-US" sz="1400" dirty="0"/>
+              <a:t>Introduced a weakly supervised causal disentanglement framework to learn generalizable causal representations in noisy data.</a:t>
+            </a:r>
+          </a:p>
+          <a:p>
+            <a:pPr marL="285750" indent="-285750">
+              <a:buFont typeface="Arial" panose="020B0604020202020204" pitchFamily="34" charset="0"/>
+              <a:buChar char="•"/>
+            </a:pPr>
+            <a:r>
+              <a:rPr lang="en-US" sz="1400" dirty="0"/>
+              <a:t>Investigated the use of causal learning for efficient Pareto-optimal policy recommendations in decision-making.</a:t>
+            </a:r>
+          </a:p>
+          <a:p>
+            <a:pPr marL="285750" indent="-285750">
+              <a:buFont typeface="Arial" panose="020B0604020202020204" pitchFamily="34" charset="0"/>
+              <a:buChar char="•"/>
+            </a:pPr>
+            <a:r>
+              <a:rPr lang="en-US" sz="1400" dirty="0"/>
+              <a:t>Validated the SWAT model for causal learning integration, enabling alternate timeline simulations for hydrological predictions.</a:t>
+            </a:r>
+          </a:p>
+          <a:p>
+            <a:pPr marL="285750" indent="-285750">
+              <a:buFont typeface="Arial" panose="020B0604020202020204" pitchFamily="34" charset="0"/>
+              <a:buChar char="•"/>
+            </a:pPr>
+            <a:r>
+              <a:rPr lang="en-US" sz="1400" dirty="0"/>
+              <a:t>Integrated LLM-based soil documentation analysis with data-driven and causal-based learning for wetland prioritization.</a:t>
+            </a:r>
+          </a:p>
+          <a:p>
+            <a:pPr marL="285750" indent="-285750">
+              <a:buFont typeface="Arial" panose="020B0604020202020204" pitchFamily="34" charset="0"/>
+              <a:buChar char="•"/>
+            </a:pPr>
+            <a:r>
+              <a:rPr lang="en-US" sz="1400" dirty="0"/>
+              <a:t>Advanced the CSF model for streamflow prediction, incorporating causal graph learning for enhanced accuracy.</a:t>
+            </a:r>
+          </a:p>
+          <a:p>
+            <a:pPr marL="285750" indent="-285750">
+              <a:buFont typeface="Arial" panose="020B0604020202020204" pitchFamily="34" charset="0"/>
+              <a:buChar char="•"/>
+            </a:pPr>
+            <a:r>
+              <a:rPr lang="en-US" sz="1400" dirty="0"/>
+              <a:t>Developed a cross-domain time series imputation strategy for missing hydrological data using data-rich regions.</a:t>
+            </a:r>
+          </a:p>
+          <a:p>
+            <a:pPr marL="285750" indent="-285750">
+              <a:buFont typeface="Arial" panose="020B0604020202020204" pitchFamily="34" charset="0"/>
+              <a:buChar char="•"/>
+            </a:pPr>
+            <a:r>
+              <a:rPr lang="en-US" sz="1400" dirty="0"/>
+              <a:t>Investigated model integration techniques to unify various hydrological models under a continuous simulation framework.</a:t>
+            </a:r>
+          </a:p>
+          <a:p>
+            <a:pPr marL="285750" indent="-285750">
+              <a:buFont typeface="Arial" panose="020B0604020202020204" pitchFamily="34" charset="0"/>
+              <a:buChar char="•"/>
+            </a:pPr>
+            <a:r>
+              <a:rPr lang="en-US" sz="1400" dirty="0"/>
+              <a:t>Established </a:t>
+            </a:r>
+            <a:r>
+              <a:rPr lang="en-US" sz="1400" dirty="0" err="1"/>
+              <a:t>CausalBench</a:t>
+            </a:r>
+            <a:r>
+              <a:rPr lang="en-US" sz="1400" dirty="0"/>
+              <a:t> for assessing causal learning models with hydrological data, promoting reproducibility and fairness in research.</a:t>
+            </a:r>
           </a:p>
         </p:txBody>
       </p:sp>
@@ -12695,7 +13386,7 @@
                   <a:schemeClr val="tx1"/>
                 </a:solidFill>
               </a:rPr>
-              <a:t>ERT-XX-XX: Project Highlights in FY24</a:t>
+              <a:t>ASU-04: Project Highlights in FY24</a:t>
             </a:r>
           </a:p>
         </p:txBody>
@@ -12718,7 +13409,13 @@
   <p:cSld>
     <p:spTree>
       <p:nvGrpSpPr>
-        <p:cNvPr id="1" name=""/>
+        <p:cNvPr id="1" name="">
+          <a:extLst>
+            <a:ext uri="{FF2B5EF4-FFF2-40B4-BE49-F238E27FC236}">
+              <a16:creationId xmlns:a16="http://schemas.microsoft.com/office/drawing/2014/main" id="{2840AE79-BA73-81D6-F514-8858D4F27F99}"/>
+            </a:ext>
+          </a:extLst>
+        </p:cNvPr>
         <p:cNvGrpSpPr/>
         <p:nvPr/>
       </p:nvGrpSpPr>
@@ -12735,7 +13432,7 @@
           <p:cNvPr id="8" name="Content Placeholder 7">
             <a:extLst>
               <a:ext uri="{FF2B5EF4-FFF2-40B4-BE49-F238E27FC236}">
-                <a16:creationId xmlns:a16="http://schemas.microsoft.com/office/drawing/2014/main" id="{98395AD3-01A2-113B-8C4F-725BCAD5294C}"/>
+                <a16:creationId xmlns:a16="http://schemas.microsoft.com/office/drawing/2014/main" id="{76A567BD-DE80-9519-EE2B-A0E1E7C1E478}"/>
               </a:ext>
             </a:extLst>
           </p:cNvPr>
@@ -12748,51 +13445,260 @@
         </p:nvSpPr>
         <p:spPr>
           <a:xfrm>
-            <a:off x="932783" y="1184342"/>
-            <a:ext cx="10991445" cy="5600700"/>
+            <a:off x="266701" y="1072832"/>
+            <a:ext cx="11657528" cy="5127248"/>
           </a:xfrm>
         </p:spPr>
         <p:txBody>
           <a:bodyPr/>
           <a:lstStyle/>
           <a:p>
-            <a:pPr marL="571500" indent="-571500">
+            <a:pPr marL="285750" indent="-285750">
               <a:buFont typeface="Arial" panose="020B0604020202020204" pitchFamily="34" charset="0"/>
               <a:buChar char="•"/>
             </a:pPr>
             <a:r>
-              <a:rPr lang="en-US" sz="2400" dirty="0"/>
-              <a:t>Use the task list from your PMP to indicate the status of each activity and deliverable. </a:t>
-            </a:r>
-          </a:p>
-          <a:p>
-            <a:pPr marL="571500" indent="-571500">
+              <a:rPr lang="en-US" sz="1600" dirty="0"/>
+              <a:t>Paras Sheth, </a:t>
+            </a:r>
+            <a:r>
+              <a:rPr lang="en-US" sz="1600" dirty="0" err="1"/>
+              <a:t>Ruocheng</a:t>
+            </a:r>
+            <a:r>
+              <a:rPr lang="en-US" sz="1600" dirty="0"/>
+              <a:t> Guo, Lu Cheng, Huan Liu, Kasim </a:t>
+            </a:r>
+            <a:r>
+              <a:rPr lang="en-US" sz="1600" dirty="0" err="1"/>
+              <a:t>Selçuk</a:t>
+            </a:r>
+            <a:r>
+              <a:rPr lang="en-US" sz="1600" dirty="0"/>
+              <a:t> Candan. Causal Disentanglement for Implicit Recommendations with Network Information. ACM Trans. </a:t>
+            </a:r>
+            <a:r>
+              <a:rPr lang="en-US" sz="1600" dirty="0" err="1"/>
+              <a:t>Knowl</a:t>
+            </a:r>
+            <a:r>
+              <a:rPr lang="en-US" sz="1600" dirty="0"/>
+              <a:t>. </a:t>
+            </a:r>
+            <a:r>
+              <a:rPr lang="en-US" sz="1600" dirty="0" err="1"/>
+              <a:t>Discov</a:t>
+            </a:r>
+            <a:r>
+              <a:rPr lang="en-US" sz="1600" dirty="0"/>
+              <a:t>. Data 17(7): 94:1-94:18 (2023).</a:t>
+            </a:r>
+          </a:p>
+          <a:p>
+            <a:pPr marL="285750" indent="-285750">
               <a:buFont typeface="Arial" panose="020B0604020202020204" pitchFamily="34" charset="0"/>
               <a:buChar char="•"/>
             </a:pPr>
             <a:r>
-              <a:rPr lang="en-US" sz="2400" dirty="0"/>
-              <a:t>If tasks or activities have been removed or modified, please indicate that too. Use multiple slides if needed. </a:t>
-            </a:r>
-          </a:p>
-          <a:p>
-            <a:pPr marL="571500" indent="-571500">
+              <a:rPr lang="en-US" sz="1600" dirty="0"/>
+              <a:t>Paras Sheth, </a:t>
+            </a:r>
+            <a:r>
+              <a:rPr lang="en-US" sz="1600" dirty="0" err="1"/>
+              <a:t>Ahmadreza</a:t>
+            </a:r>
+            <a:r>
+              <a:rPr lang="en-US" sz="1600" dirty="0"/>
+              <a:t> </a:t>
+            </a:r>
+            <a:r>
+              <a:rPr lang="en-US" sz="1600" dirty="0" err="1"/>
+              <a:t>Mosallanezhad</a:t>
+            </a:r>
+            <a:r>
+              <a:rPr lang="en-US" sz="1600" dirty="0"/>
+              <a:t>, </a:t>
+            </a:r>
+            <a:r>
+              <a:rPr lang="en-US" sz="1600" dirty="0" err="1"/>
+              <a:t>Kaize</a:t>
+            </a:r>
+            <a:r>
+              <a:rPr lang="en-US" sz="1600" dirty="0"/>
+              <a:t> Ding, </a:t>
+            </a:r>
+            <a:r>
+              <a:rPr lang="en-US" sz="1600" dirty="0" err="1"/>
+              <a:t>Reepal</a:t>
+            </a:r>
+            <a:r>
+              <a:rPr lang="en-US" sz="1600" dirty="0"/>
+              <a:t> Shah, John Sabo, Huan Liu, K. </a:t>
+            </a:r>
+            <a:r>
+              <a:rPr lang="en-US" sz="1600" dirty="0" err="1"/>
+              <a:t>Selçuk</a:t>
+            </a:r>
+            <a:r>
+              <a:rPr lang="en-US" sz="1600" dirty="0"/>
+              <a:t> Candan. STREAMS: Towards </a:t>
+            </a:r>
+            <a:r>
+              <a:rPr lang="en-US" sz="1600" dirty="0" err="1"/>
+              <a:t>Spatio</a:t>
+            </a:r>
+            <a:r>
+              <a:rPr lang="en-US" sz="1600" dirty="0"/>
+              <a:t>-Temporal Causal Discovery with Reinforcement Learning for Streamflow Rate Prediction. CIKM 2023: 4815-4821.</a:t>
+            </a:r>
+          </a:p>
+          <a:p>
+            <a:pPr marL="285750" indent="-285750">
               <a:buFont typeface="Arial" panose="020B0604020202020204" pitchFamily="34" charset="0"/>
               <a:buChar char="•"/>
             </a:pPr>
             <a:r>
-              <a:rPr lang="en-US" sz="2400" dirty="0"/>
-              <a:t>See the example table on the next slide.</a:t>
-            </a:r>
-          </a:p>
-          <a:p>
-            <a:endParaRPr lang="en-US" sz="2000" dirty="0">
-              <a:solidFill>
-                <a:schemeClr val="tx1"/>
-              </a:solidFill>
-              <a:effectLst/>
-              <a:latin typeface="Calibri" panose="020F0502020204030204" pitchFamily="34" charset="0"/>
-            </a:endParaRPr>
+              <a:rPr lang="en-US" sz="1600" dirty="0"/>
+              <a:t>Ting Liu, Qi Deng, </a:t>
+            </a:r>
+            <a:r>
+              <a:rPr lang="en-US" sz="1600" dirty="0" err="1"/>
+              <a:t>Kaize</a:t>
+            </a:r>
+            <a:r>
+              <a:rPr lang="en-US" sz="1600" dirty="0"/>
+              <a:t> Ding, John L Sabo, Huan Liu, Kasim </a:t>
+            </a:r>
+            <a:r>
+              <a:rPr lang="en-US" sz="1600" dirty="0" err="1"/>
+              <a:t>Selçuk</a:t>
+            </a:r>
+            <a:r>
+              <a:rPr lang="en-US" sz="1600" dirty="0"/>
+              <a:t> Candan, and Rebecca Logsdon Muenich. Applying Graph Neural Networks to Improve the Data Resolution of Stream Water Quality Monitoring Networks. AGU 2023.</a:t>
+            </a:r>
+          </a:p>
+          <a:p>
+            <a:pPr marL="285750" indent="-285750">
+              <a:buFont typeface="Arial" panose="020B0604020202020204" pitchFamily="34" charset="0"/>
+              <a:buChar char="•"/>
+            </a:pPr>
+            <a:r>
+              <a:rPr lang="en-US" sz="1600" dirty="0" err="1"/>
+              <a:t>Bilgehan</a:t>
+            </a:r>
+            <a:r>
+              <a:rPr lang="en-US" sz="1600" dirty="0"/>
+              <a:t> Arslan et al. Streamflow Prediction using </a:t>
+            </a:r>
+            <a:r>
+              <a:rPr lang="en-US" sz="1600" dirty="0" err="1"/>
+              <a:t>SpatioTemporal</a:t>
+            </a:r>
+            <a:r>
+              <a:rPr lang="en-US" sz="1600" dirty="0"/>
+              <a:t> Deep-Learning based Framework with Reinforcement Learning. HydroML poster, 2023.</a:t>
+            </a:r>
+          </a:p>
+          <a:p>
+            <a:pPr marL="285750" indent="-285750">
+              <a:buFont typeface="Arial" panose="020B0604020202020204" pitchFamily="34" charset="0"/>
+              <a:buChar char="•"/>
+            </a:pPr>
+            <a:r>
+              <a:rPr lang="en-US" sz="1600" dirty="0"/>
+              <a:t>F. Azad et al. A Vision for </a:t>
+            </a:r>
+            <a:r>
+              <a:rPr lang="en-US" sz="1600" dirty="0" err="1"/>
+              <a:t>Spatio</a:t>
+            </a:r>
+            <a:r>
+              <a:rPr lang="en-US" sz="1600" dirty="0"/>
+              <a:t>-Causal Situation Awareness, Forecasting, and Planning. ACM Transaction on Spatial Algorithms and Systems, Under Review, 2023.</a:t>
+            </a:r>
+          </a:p>
+          <a:p>
+            <a:pPr marL="285750" indent="-285750">
+              <a:buFont typeface="Arial" panose="020B0604020202020204" pitchFamily="34" charset="0"/>
+              <a:buChar char="•"/>
+            </a:pPr>
+            <a:r>
+              <a:rPr lang="en-US" sz="1600" dirty="0"/>
+              <a:t>Shu Wan, </a:t>
+            </a:r>
+            <a:r>
+              <a:rPr lang="en-US" sz="1600" dirty="0" err="1"/>
+              <a:t>Reepal</a:t>
+            </a:r>
+            <a:r>
+              <a:rPr lang="en-US" sz="1600" dirty="0"/>
+              <a:t> Shah, Qi Deng, John Sabo, Huan Liu, K. </a:t>
+            </a:r>
+            <a:r>
+              <a:rPr lang="en-US" sz="1600" dirty="0" err="1"/>
+              <a:t>Selçuk</a:t>
+            </a:r>
+            <a:r>
+              <a:rPr lang="en-US" sz="1600" dirty="0"/>
+              <a:t> Candan. </a:t>
+            </a:r>
+            <a:r>
+              <a:rPr lang="en-US" sz="1600" dirty="0" err="1"/>
+              <a:t>Spatio</a:t>
+            </a:r>
+            <a:r>
+              <a:rPr lang="en-US" sz="1600" dirty="0"/>
+              <a:t>-temporal Causal Learning for Streamflow Forecasting, accepted for presentation at the N-EWN Symposium, 2024.</a:t>
+            </a:r>
+          </a:p>
+          <a:p>
+            <a:pPr marL="285750" indent="-285750">
+              <a:buFont typeface="Arial" panose="020B0604020202020204" pitchFamily="34" charset="0"/>
+              <a:buChar char="•"/>
+            </a:pPr>
+            <a:r>
+              <a:rPr lang="en-US" sz="1600" dirty="0"/>
+              <a:t>P. Mandal, Y. Choi, R. Shah, J. Sabo, H. Liu, K. </a:t>
+            </a:r>
+            <a:r>
+              <a:rPr lang="en-US" sz="1600" dirty="0" err="1"/>
+              <a:t>Selçuk</a:t>
+            </a:r>
+            <a:r>
+              <a:rPr lang="en-US" sz="1600" dirty="0"/>
+              <a:t> Candan. Identifying Potential Wetlands via Causality-based Data Imputation and Knowledge Transfer, accepted for presentation at the N-EWN Symposium, 2024.</a:t>
+            </a:r>
+          </a:p>
+          <a:p>
+            <a:pPr marL="285750" indent="-285750">
+              <a:buFont typeface="Arial" panose="020B0604020202020204" pitchFamily="34" charset="0"/>
+              <a:buChar char="•"/>
+            </a:pPr>
+            <a:r>
+              <a:rPr lang="en-US" sz="1600" dirty="0" err="1"/>
+              <a:t>Yoonhyuk</a:t>
+            </a:r>
+            <a:r>
+              <a:rPr lang="en-US" sz="1600" dirty="0"/>
+              <a:t> Choi, </a:t>
+            </a:r>
+            <a:r>
+              <a:rPr lang="en-US" sz="1600" dirty="0" err="1"/>
+              <a:t>Reepal</a:t>
+            </a:r>
+            <a:r>
+              <a:rPr lang="en-US" sz="1600" dirty="0"/>
+              <a:t> Shah, John Sabo, Huan Liu, and </a:t>
+            </a:r>
+            <a:r>
+              <a:rPr lang="en-US" sz="1600" dirty="0" err="1"/>
+              <a:t>Selçuk</a:t>
+            </a:r>
+            <a:r>
+              <a:rPr lang="en-US" sz="1600" dirty="0"/>
+              <a:t> Candan. Prioritizing Potential Wetland Areas via Region-to-Region Knowledge Transfer and Adaptive Propagation, Under Review at CIKM ’24.</a:t>
+            </a:r>
           </a:p>
         </p:txBody>
       </p:sp>
@@ -12801,7 +13707,7 @@
           <p:cNvPr id="7" name="Title 6">
             <a:extLst>
               <a:ext uri="{FF2B5EF4-FFF2-40B4-BE49-F238E27FC236}">
-                <a16:creationId xmlns:a16="http://schemas.microsoft.com/office/drawing/2014/main" id="{7235E168-CD9B-CF75-2B74-3124823D5274}"/>
+                <a16:creationId xmlns:a16="http://schemas.microsoft.com/office/drawing/2014/main" id="{FBA816D1-BC0D-720E-C39A-CBFA101021FB}"/>
               </a:ext>
             </a:extLst>
           </p:cNvPr>
@@ -12828,7 +13734,7 @@
                   <a:schemeClr val="tx1"/>
                 </a:solidFill>
               </a:rPr>
-              <a:t>ERT-XX-XX: Status of Project Activities </a:t>
+              <a:t>ASU-04: Project Highlights in FY24</a:t>
             </a:r>
           </a:p>
         </p:txBody>
@@ -12836,7 +13742,7 @@
     </p:spTree>
     <p:extLst>
       <p:ext uri="{BB962C8B-B14F-4D97-AF65-F5344CB8AC3E}">
-        <p14:creationId xmlns:p14="http://schemas.microsoft.com/office/powerpoint/2010/main" val="3232654880"/>
+        <p14:creationId xmlns:p14="http://schemas.microsoft.com/office/powerpoint/2010/main" val="1714065218"/>
       </p:ext>
     </p:extLst>
   </p:cSld>
@@ -12847,6 +13753,358 @@
 </file>
 
 <file path=ppt/slides/slide7.xml><?xml version="1.0" encoding="utf-8"?>
+<p:sld xmlns:a="http://schemas.openxmlformats.org/drawingml/2006/main" xmlns:r="http://schemas.openxmlformats.org/officeDocument/2006/relationships" xmlns:p="http://schemas.openxmlformats.org/presentationml/2006/main">
+  <p:cSld>
+    <p:spTree>
+      <p:nvGrpSpPr>
+        <p:cNvPr id="1" name="">
+          <a:extLst>
+            <a:ext uri="{FF2B5EF4-FFF2-40B4-BE49-F238E27FC236}">
+              <a16:creationId xmlns:a16="http://schemas.microsoft.com/office/drawing/2014/main" id="{4165A448-3191-50B4-E1F4-FA67ACC23CDC}"/>
+            </a:ext>
+          </a:extLst>
+        </p:cNvPr>
+        <p:cNvGrpSpPr/>
+        <p:nvPr/>
+      </p:nvGrpSpPr>
+      <p:grpSpPr>
+        <a:xfrm>
+          <a:off x="0" y="0"/>
+          <a:ext cx="0" cy="0"/>
+          <a:chOff x="0" y="0"/>
+          <a:chExt cx="0" cy="0"/>
+        </a:xfrm>
+      </p:grpSpPr>
+      <p:sp>
+        <p:nvSpPr>
+          <p:cNvPr id="8" name="Content Placeholder 7">
+            <a:extLst>
+              <a:ext uri="{FF2B5EF4-FFF2-40B4-BE49-F238E27FC236}">
+                <a16:creationId xmlns:a16="http://schemas.microsoft.com/office/drawing/2014/main" id="{34C9417F-5DAD-013F-5F7C-29BAB1961A07}"/>
+              </a:ext>
+            </a:extLst>
+          </p:cNvPr>
+          <p:cNvSpPr>
+            <a:spLocks noGrp="1"/>
+          </p:cNvSpPr>
+          <p:nvPr>
+            <p:ph sz="quarter" idx="10"/>
+          </p:nvPr>
+        </p:nvSpPr>
+        <p:spPr>
+          <a:xfrm>
+            <a:off x="266701" y="1072832"/>
+            <a:ext cx="11657528" cy="5127248"/>
+          </a:xfrm>
+        </p:spPr>
+        <p:txBody>
+          <a:bodyPr/>
+          <a:lstStyle/>
+          <a:p>
+            <a:pPr marL="285750" indent="-285750">
+              <a:buFont typeface="Arial" panose="020B0604020202020204" pitchFamily="34" charset="0"/>
+              <a:buChar char="•"/>
+            </a:pPr>
+            <a:r>
+              <a:rPr lang="en-US" sz="1600" dirty="0"/>
+              <a:t>Shu Wan, </a:t>
+            </a:r>
+            <a:r>
+              <a:rPr lang="en-US" sz="1600" dirty="0" err="1"/>
+              <a:t>Reepal</a:t>
+            </a:r>
+            <a:r>
+              <a:rPr lang="en-US" sz="1600" dirty="0"/>
+              <a:t> Shah, Qi Deng, John Sabo, Huan Liu, and K. </a:t>
+            </a:r>
+            <a:r>
+              <a:rPr lang="en-US" sz="1600" dirty="0" err="1"/>
+              <a:t>Selçuk</a:t>
+            </a:r>
+            <a:r>
+              <a:rPr lang="en-US" sz="1600" dirty="0"/>
+              <a:t> Candan. Spatiotemporal Causal Learning for Streamflow Forecasting, Presented as a poster at N-EWN Partner Symposium ’24.</a:t>
+            </a:r>
+          </a:p>
+          <a:p>
+            <a:pPr marL="285750" indent="-285750">
+              <a:buFont typeface="Arial" panose="020B0604020202020204" pitchFamily="34" charset="0"/>
+              <a:buChar char="•"/>
+            </a:pPr>
+            <a:r>
+              <a:rPr lang="en-US" sz="1600" dirty="0"/>
+              <a:t>Fahim </a:t>
+            </a:r>
+            <a:r>
+              <a:rPr lang="en-US" sz="1600" dirty="0" err="1"/>
+              <a:t>Tasneema</a:t>
+            </a:r>
+            <a:r>
+              <a:rPr lang="en-US" sz="1600" dirty="0"/>
+              <a:t> Azad, K. </a:t>
+            </a:r>
+            <a:r>
+              <a:rPr lang="en-US" sz="1600" dirty="0" err="1"/>
+              <a:t>Selçuk</a:t>
+            </a:r>
+            <a:r>
+              <a:rPr lang="en-US" sz="1600" dirty="0"/>
+              <a:t> Candan, Ahmet </a:t>
+            </a:r>
+            <a:r>
+              <a:rPr lang="en-US" sz="1600" dirty="0" err="1"/>
+              <a:t>Kapkic</a:t>
+            </a:r>
+            <a:r>
+              <a:rPr lang="en-US" sz="1600" dirty="0"/>
+              <a:t>, Mao-Lin Li, Huan Liu, </a:t>
+            </a:r>
+            <a:r>
+              <a:rPr lang="en-US" sz="1600" dirty="0" err="1"/>
+              <a:t>Pratanu</a:t>
+            </a:r>
+            <a:r>
+              <a:rPr lang="en-US" sz="1600" dirty="0"/>
+              <a:t> Mandal, Paras Sheth, </a:t>
+            </a:r>
+            <a:r>
+              <a:rPr lang="en-US" sz="1600" dirty="0" err="1"/>
+              <a:t>Bilgehan</a:t>
+            </a:r>
+            <a:r>
+              <a:rPr lang="en-US" sz="1600" dirty="0"/>
+              <a:t> Arslan, Gerardo </a:t>
+            </a:r>
+            <a:r>
+              <a:rPr lang="en-US" sz="1600" dirty="0" err="1"/>
+              <a:t>Chowell</a:t>
+            </a:r>
+            <a:r>
+              <a:rPr lang="en-US" sz="1600" dirty="0"/>
+              <a:t>-Puente, John Sabo, Rebecca Muenich, Javier Redondo Anton, and Maria Luisa </a:t>
+            </a:r>
+            <a:r>
+              <a:rPr lang="en-US" sz="1600" dirty="0" err="1"/>
+              <a:t>Sapino</a:t>
+            </a:r>
+            <a:r>
+              <a:rPr lang="en-US" sz="1600" dirty="0"/>
+              <a:t>. (Vision Paper) A Vision for </a:t>
+            </a:r>
+            <a:r>
+              <a:rPr lang="en-US" sz="1600" dirty="0" err="1"/>
+              <a:t>Spatio</a:t>
+            </a:r>
+            <a:r>
+              <a:rPr lang="en-US" sz="1600" dirty="0"/>
+              <a:t>-Causal Situation Awareness, Forecasting, and Planning. ACM Trans. Spatial Algorithms Syst. Just Accepted (June 2024). https://</a:t>
+            </a:r>
+            <a:r>
+              <a:rPr lang="en-US" sz="1600" dirty="0" err="1"/>
+              <a:t>doi.org</a:t>
+            </a:r>
+            <a:r>
+              <a:rPr lang="en-US" sz="1600" dirty="0"/>
+              <a:t>/10.1145/3672556.</a:t>
+            </a:r>
+          </a:p>
+          <a:p>
+            <a:pPr marL="285750" indent="-285750">
+              <a:buFont typeface="Arial" panose="020B0604020202020204" pitchFamily="34" charset="0"/>
+              <a:buChar char="•"/>
+            </a:pPr>
+            <a:r>
+              <a:rPr lang="en-US" sz="1600" dirty="0"/>
+              <a:t>Ahmet </a:t>
+            </a:r>
+            <a:r>
+              <a:rPr lang="en-US" sz="1600" dirty="0" err="1"/>
+              <a:t>Kapkiç</a:t>
+            </a:r>
+            <a:r>
+              <a:rPr lang="en-US" sz="1600" dirty="0"/>
+              <a:t>, </a:t>
+            </a:r>
+            <a:r>
+              <a:rPr lang="en-US" sz="1600" dirty="0" err="1"/>
+              <a:t>Pratanu</a:t>
+            </a:r>
+            <a:r>
+              <a:rPr lang="en-US" sz="1600" dirty="0"/>
+              <a:t> Mandal, Shu Wan, Paras Sheth, Abhinav Gorantla, </a:t>
+            </a:r>
+            <a:r>
+              <a:rPr lang="en-US" sz="1600" dirty="0" err="1"/>
+              <a:t>Yoonhyuk</a:t>
+            </a:r>
+            <a:r>
+              <a:rPr lang="en-US" sz="1600" dirty="0"/>
+              <a:t> Choi, K. </a:t>
+            </a:r>
+            <a:r>
+              <a:rPr lang="en-US" sz="1600" dirty="0" err="1"/>
+              <a:t>Selçuk</a:t>
+            </a:r>
+            <a:r>
+              <a:rPr lang="en-US" sz="1600" dirty="0"/>
+              <a:t> Candan, and Huan Liu. </a:t>
+            </a:r>
+            <a:r>
+              <a:rPr lang="en-US" sz="1600" dirty="0" err="1"/>
+              <a:t>CausalBench</a:t>
+            </a:r>
+            <a:r>
+              <a:rPr lang="en-US" sz="1600" dirty="0"/>
+              <a:t>: A Transparent Benchmark Framework for Causal Analysis and Machine Learning, Under Review at CIKM ’24.</a:t>
+            </a:r>
+          </a:p>
+          <a:p>
+            <a:pPr marL="285750" indent="-285750">
+              <a:buFont typeface="Arial" panose="020B0604020202020204" pitchFamily="34" charset="0"/>
+              <a:buChar char="•"/>
+            </a:pPr>
+            <a:r>
+              <a:rPr lang="en-US" sz="1600" dirty="0"/>
+              <a:t>In review article: Domain-Adaptive Conditional Diffusion Models for Cross-Domain Time Series Imputation. Submitted to AAAI24.</a:t>
+            </a:r>
+          </a:p>
+          <a:p>
+            <a:pPr marL="285750" indent="-285750">
+              <a:buFont typeface="Arial" panose="020B0604020202020204" pitchFamily="34" charset="0"/>
+              <a:buChar char="•"/>
+            </a:pPr>
+            <a:r>
+              <a:rPr lang="en-US" sz="1600" dirty="0"/>
+              <a:t>In preparation: Shu Wan, </a:t>
+            </a:r>
+            <a:r>
+              <a:rPr lang="en-US" sz="1600" dirty="0" err="1"/>
+              <a:t>Reepal</a:t>
+            </a:r>
+            <a:r>
+              <a:rPr lang="en-US" sz="1600" dirty="0"/>
+              <a:t> Shah, Qi Deng, John Sabo, Huan Liu, K. </a:t>
+            </a:r>
+            <a:r>
+              <a:rPr lang="en-US" sz="1600" dirty="0" err="1"/>
+              <a:t>Selçuk</a:t>
+            </a:r>
+            <a:r>
+              <a:rPr lang="en-US" sz="1600" dirty="0"/>
+              <a:t> Candan. </a:t>
+            </a:r>
+            <a:r>
+              <a:rPr lang="en-US" sz="1600" dirty="0" err="1"/>
+              <a:t>Spatio</a:t>
+            </a:r>
+            <a:r>
+              <a:rPr lang="en-US" sz="1600" dirty="0"/>
+              <a:t>-temporal Causal Learning for Causally-Guided Streamflow Forecasting.</a:t>
+            </a:r>
+          </a:p>
+          <a:p>
+            <a:pPr marL="285750" indent="-285750">
+              <a:buFont typeface="Arial" panose="020B0604020202020204" pitchFamily="34" charset="0"/>
+              <a:buChar char="•"/>
+            </a:pPr>
+            <a:r>
+              <a:rPr lang="en-US" sz="1600" dirty="0"/>
+              <a:t>Accepted for publication: Ahmet </a:t>
+            </a:r>
+            <a:r>
+              <a:rPr lang="en-US" sz="1600" dirty="0" err="1"/>
+              <a:t>Kapkiç</a:t>
+            </a:r>
+            <a:r>
+              <a:rPr lang="en-US" sz="1600" dirty="0"/>
+              <a:t>, </a:t>
+            </a:r>
+            <a:r>
+              <a:rPr lang="en-US" sz="1600" dirty="0" err="1"/>
+              <a:t>Pratanu</a:t>
+            </a:r>
+            <a:r>
+              <a:rPr lang="en-US" sz="1600" dirty="0"/>
+              <a:t> Mandal, Shu Wan, Paras Sheth, Abhinav Gorantla, </a:t>
+            </a:r>
+            <a:r>
+              <a:rPr lang="en-US" sz="1600" dirty="0" err="1"/>
+              <a:t>Yoonhyuk</a:t>
+            </a:r>
+            <a:r>
+              <a:rPr lang="en-US" sz="1600" dirty="0"/>
+              <a:t> Choi, Huan Liu, K. </a:t>
+            </a:r>
+            <a:r>
+              <a:rPr lang="en-US" sz="1600" dirty="0" err="1"/>
+              <a:t>Selçuk</a:t>
+            </a:r>
+            <a:r>
+              <a:rPr lang="en-US" sz="1600" dirty="0"/>
+              <a:t> Candan. Introducing </a:t>
+            </a:r>
+            <a:r>
+              <a:rPr lang="en-US" sz="1600" dirty="0" err="1"/>
+              <a:t>CausalBench</a:t>
+            </a:r>
+            <a:r>
+              <a:rPr lang="en-US" sz="1600" dirty="0"/>
+              <a:t>: A Flexible Benchmark Framework for Causal Analysis and Machine Learning. CIKM 2024.</a:t>
+            </a:r>
+          </a:p>
+        </p:txBody>
+      </p:sp>
+      <p:sp>
+        <p:nvSpPr>
+          <p:cNvPr id="7" name="Title 6">
+            <a:extLst>
+              <a:ext uri="{FF2B5EF4-FFF2-40B4-BE49-F238E27FC236}">
+                <a16:creationId xmlns:a16="http://schemas.microsoft.com/office/drawing/2014/main" id="{D0D830CE-0BDF-BEFD-317B-5C3470F30003}"/>
+              </a:ext>
+            </a:extLst>
+          </p:cNvPr>
+          <p:cNvSpPr>
+            <a:spLocks noGrp="1"/>
+          </p:cNvSpPr>
+          <p:nvPr>
+            <p:ph type="title"/>
+          </p:nvPr>
+        </p:nvSpPr>
+        <p:spPr>
+          <a:xfrm>
+            <a:off x="1724526" y="206391"/>
+            <a:ext cx="10199702" cy="755509"/>
+          </a:xfrm>
+        </p:spPr>
+        <p:txBody>
+          <a:bodyPr/>
+          <a:lstStyle/>
+          <a:p>
+            <a:r>
+              <a:rPr lang="en-US" dirty="0">
+                <a:solidFill>
+                  <a:schemeClr val="tx1"/>
+                </a:solidFill>
+              </a:rPr>
+              <a:t>ASU-04: Project Highlights in FY24</a:t>
+            </a:r>
+          </a:p>
+        </p:txBody>
+      </p:sp>
+    </p:spTree>
+    <p:extLst>
+      <p:ext uri="{BB962C8B-B14F-4D97-AF65-F5344CB8AC3E}">
+        <p14:creationId xmlns:p14="http://schemas.microsoft.com/office/powerpoint/2010/main" val="3202130990"/>
+      </p:ext>
+    </p:extLst>
+  </p:cSld>
+  <p:clrMapOvr>
+    <a:masterClrMapping/>
+  </p:clrMapOvr>
+</p:sld>
+</file>
+
+<file path=ppt/slides/slide8.xml><?xml version="1.0" encoding="utf-8"?>
 <p:sld xmlns:a="http://schemas.openxmlformats.org/drawingml/2006/main" xmlns:r="http://schemas.openxmlformats.org/officeDocument/2006/relationships" xmlns:p="http://schemas.openxmlformats.org/presentationml/2006/main">
   <p:cSld>
     <p:spTree>
@@ -12895,7 +14153,7 @@
                   <a:schemeClr val="tx1"/>
                 </a:solidFill>
               </a:rPr>
-              <a:t>ERT-XX-XX: Status of Project Activities (Thru FY24) </a:t>
+              <a:t>ERT-ASU-04: Status of Project Activities (Thru FY24) </a:t>
             </a:r>
           </a:p>
         </p:txBody>
@@ -12915,7 +14173,7 @@
           <p:nvPr>
             <p:extLst>
               <p:ext uri="{D42A27DB-BD31-4B8C-83A1-F6EECF244321}">
-                <p14:modId xmlns:p14="http://schemas.microsoft.com/office/powerpoint/2010/main" val="1319080493"/>
+                <p14:modId xmlns:p14="http://schemas.microsoft.com/office/powerpoint/2010/main" val="948810677"/>
               </p:ext>
             </p:extLst>
           </p:nvPr>
@@ -13518,22 +14776,13 @@
                       </a:pPr>
                       <a:r>
                         <a:rPr lang="en-US" sz="1200" dirty="0">
-                          <a:solidFill>
-                            <a:srgbClr val="000000"/>
-                          </a:solidFill>
                           <a:effectLst/>
                           <a:latin typeface="+mn-lt"/>
                           <a:ea typeface="MS Mincho" panose="02020609040205080304" pitchFamily="49" charset="-128"/>
                           <a:cs typeface="Calibri" panose="020F0502020204030204" pitchFamily="34" charset="0"/>
                         </a:rPr>
-                        <a:t>Develop Course Content</a:t>
+                        <a:t>Published....</a:t>
                       </a:r>
-                      <a:endParaRPr lang="en-US" sz="1200" dirty="0">
-                        <a:effectLst/>
-                        <a:latin typeface="+mn-lt"/>
-                        <a:ea typeface="MS Mincho" panose="02020609040205080304" pitchFamily="49" charset="-128"/>
-                        <a:cs typeface="Calibri" panose="020F0502020204030204" pitchFamily="34" charset="0"/>
-                      </a:endParaRPr>
                     </a:p>
                   </a:txBody>
                   <a:tcPr marL="24384" marR="24384" marT="24384" marB="24384"/>
@@ -13552,35 +14801,14 @@
                         </a:spcAft>
                       </a:pPr>
                       <a:r>
-                        <a:rPr lang="en-US" sz="1200" dirty="0" err="1">
-                          <a:solidFill>
-                            <a:srgbClr val="000000"/>
-                          </a:solidFill>
+                        <a:rPr lang="en-US" sz="1200" dirty="0">
                           <a:effectLst/>
                           <a:latin typeface="+mn-lt"/>
                           <a:ea typeface="MS Mincho" panose="02020609040205080304" pitchFamily="49" charset="-128"/>
                           <a:cs typeface="Calibri" panose="020F0502020204030204" pitchFamily="34" charset="0"/>
                         </a:rPr>
-                        <a:t>Powerpoints</a:t>
+                        <a:t>Journal Paper</a:t>
                       </a:r>
-                      <a:r>
-                        <a:rPr lang="en-US" sz="1200" dirty="0">
-                          <a:solidFill>
-                            <a:srgbClr val="000000"/>
-                          </a:solidFill>
-                          <a:effectLst/>
-                          <a:latin typeface="+mn-lt"/>
-                          <a:ea typeface="MS Mincho" panose="02020609040205080304" pitchFamily="49" charset="-128"/>
-                          <a:cs typeface="Calibri" panose="020F0502020204030204" pitchFamily="34" charset="0"/>
-                        </a:rPr>
-                        <a:t> of course content</a:t>
-                      </a:r>
-                      <a:endParaRPr lang="en-US" sz="1200" dirty="0">
-                        <a:effectLst/>
-                        <a:latin typeface="+mn-lt"/>
-                        <a:ea typeface="MS Mincho" panose="02020609040205080304" pitchFamily="49" charset="-128"/>
-                        <a:cs typeface="Calibri" panose="020F0502020204030204" pitchFamily="34" charset="0"/>
-                      </a:endParaRPr>
                     </a:p>
                   </a:txBody>
                   <a:tcPr marL="24384" marR="24384" marT="24384" marB="24384"/>
@@ -13598,12 +14826,15 @@
                           <a:spcPts val="600"/>
                         </a:spcAft>
                       </a:pPr>
-                      <a:endParaRPr lang="en-US" sz="1200" dirty="0">
-                        <a:effectLst/>
-                        <a:latin typeface="+mn-lt"/>
-                        <a:ea typeface="MS Mincho" panose="02020609040205080304" pitchFamily="49" charset="-128"/>
-                        <a:cs typeface="Calibri" panose="020F0502020204030204" pitchFamily="34" charset="0"/>
-                      </a:endParaRPr>
+                      <a:r>
+                        <a:rPr lang="en-US" sz="1200" dirty="0">
+                          <a:effectLst/>
+                          <a:latin typeface="+mn-lt"/>
+                          <a:ea typeface="MS Mincho" panose="02020609040205080304" pitchFamily="49" charset="-128"/>
+                          <a:cs typeface="Calibri" panose="020F0502020204030204" pitchFamily="34" charset="0"/>
+                        </a:rPr>
+                        <a:t>Publication</a:t>
+                      </a:r>
                     </a:p>
                   </a:txBody>
                   <a:tcPr marL="24384" marR="24384" marT="24384" marB="24384"/>
@@ -13631,7 +14862,7 @@
                           <a:ea typeface="MS Mincho" panose="02020609040205080304" pitchFamily="49" charset="-128"/>
                           <a:cs typeface="Calibri" panose="020F0502020204030204" pitchFamily="34" charset="0"/>
                         </a:rPr>
-                        <a:t>Biedenharn</a:t>
+                        <a:t>Candan</a:t>
                       </a:r>
                       <a:endParaRPr lang="en-US" sz="1200" dirty="0">
                         <a:effectLst/>
@@ -13666,7 +14897,7 @@
                           <a:ea typeface="MS Mincho" panose="02020609040205080304" pitchFamily="49" charset="-128"/>
                           <a:cs typeface="Calibri" panose="020F0502020204030204" pitchFamily="34" charset="0"/>
                         </a:rPr>
-                        <a:t>07/2022</a:t>
+                        <a:t>MM/YYYY</a:t>
                       </a:r>
                       <a:endParaRPr lang="en-US" sz="1200" dirty="0">
                         <a:effectLst/>
@@ -13724,7 +14955,7 @@
                           <a:ea typeface="MS Mincho" panose="02020609040205080304" pitchFamily="49" charset="-128"/>
                           <a:cs typeface="Calibri" panose="020F0502020204030204" pitchFamily="34" charset="0"/>
                         </a:rPr>
-                        <a:t>07/2024</a:t>
+                        <a:t>MM/YYYY</a:t>
                       </a:r>
                       <a:endParaRPr lang="en-US" sz="1200" dirty="0">
                         <a:effectLst/>
@@ -13782,649 +15013,7 @@
                           <a:ea typeface="MS Mincho" panose="02020609040205080304" pitchFamily="49" charset="-128"/>
                           <a:cs typeface="Calibri" panose="020F0502020204030204" pitchFamily="34" charset="0"/>
                         </a:rPr>
-                        <a:t>$00K</a:t>
-                      </a:r>
-                      <a:endParaRPr lang="en-US" sz="1200" dirty="0">
-                        <a:effectLst/>
-                        <a:latin typeface="+mn-lt"/>
-                        <a:ea typeface="MS Mincho" panose="02020609040205080304" pitchFamily="49" charset="-128"/>
-                        <a:cs typeface="Calibri" panose="020F0502020204030204" pitchFamily="34" charset="0"/>
-                      </a:endParaRPr>
-                    </a:p>
-                  </a:txBody>
-                  <a:tcPr marL="24384" marR="24384" marT="24384" marB="24384"/>
-                </a:tc>
-                <a:tc>
-                  <a:txBody>
-                    <a:bodyPr/>
-                    <a:lstStyle/>
-                    <a:p>
-                      <a:pPr marL="0" marR="0">
-                        <a:spcBef>
-                          <a:spcPts val="0"/>
-                        </a:spcBef>
-                        <a:spcAft>
-                          <a:spcPts val="600"/>
-                        </a:spcAft>
-                      </a:pPr>
-                      <a:r>
-                        <a:rPr lang="en-US" sz="1200" dirty="0">
-                          <a:solidFill>
-                            <a:srgbClr val="000000"/>
-                          </a:solidFill>
-                          <a:effectLst/>
-                          <a:latin typeface="+mn-lt"/>
-                          <a:ea typeface="MS Mincho" panose="02020609040205080304" pitchFamily="49" charset="-128"/>
-                          <a:cs typeface="Calibri" panose="020F0502020204030204" pitchFamily="34" charset="0"/>
-                        </a:rPr>
-                        <a:t>100%</a:t>
-                      </a:r>
-                      <a:endParaRPr lang="en-US" sz="1200" dirty="0">
-                        <a:effectLst/>
-                        <a:latin typeface="+mn-lt"/>
-                        <a:ea typeface="MS Mincho" panose="02020609040205080304" pitchFamily="49" charset="-128"/>
-                        <a:cs typeface="Calibri" panose="020F0502020204030204" pitchFamily="34" charset="0"/>
-                      </a:endParaRPr>
-                    </a:p>
-                  </a:txBody>
-                  <a:tcPr marL="24384" marR="24384" marT="24384" marB="24384"/>
-                </a:tc>
-                <a:tc>
-                  <a:txBody>
-                    <a:bodyPr/>
-                    <a:lstStyle/>
-                    <a:p>
-                      <a:endParaRPr lang="en-US" sz="1200" dirty="0">
-                        <a:latin typeface="+mn-lt"/>
-                      </a:endParaRPr>
-                    </a:p>
-                  </a:txBody>
-                  <a:tcPr marL="24384" marR="24384" marT="24384" marB="24384"/>
-                </a:tc>
-                <a:extLst>
-                  <a:ext uri="{0D108BD9-81ED-4DB2-BD59-A6C34878D82A}">
-                    <a16:rowId xmlns:a16="http://schemas.microsoft.com/office/drawing/2014/main" val="291076823"/>
-                  </a:ext>
-                </a:extLst>
-              </a:tr>
-              <a:tr h="675934">
-                <a:tc>
-                  <a:txBody>
-                    <a:bodyPr/>
-                    <a:lstStyle/>
-                    <a:p>
-                      <a:pPr marL="0" marR="0">
-                        <a:spcBef>
-                          <a:spcPts val="0"/>
-                        </a:spcBef>
-                        <a:spcAft>
-                          <a:spcPts val="600"/>
-                        </a:spcAft>
-                      </a:pPr>
-                      <a:r>
-                        <a:rPr lang="en-US" sz="1200" dirty="0">
-                          <a:effectLst/>
-                          <a:latin typeface="+mn-lt"/>
-                          <a:ea typeface="MS Mincho" panose="02020609040205080304" pitchFamily="49" charset="-128"/>
-                          <a:cs typeface="Calibri" panose="020F0502020204030204" pitchFamily="34" charset="0"/>
-                        </a:rPr>
-                        <a:t>Provide Course Content via a 3-day workshop</a:t>
-                      </a:r>
-                    </a:p>
-                  </a:txBody>
-                  <a:tcPr marL="24384" marR="24384" marT="24384" marB="24384"/>
-                </a:tc>
-                <a:tc>
-                  <a:txBody>
-                    <a:bodyPr/>
-                    <a:lstStyle/>
-                    <a:p>
-                      <a:pPr marL="0" marR="0">
-                        <a:spcBef>
-                          <a:spcPts val="0"/>
-                        </a:spcBef>
-                        <a:spcAft>
-                          <a:spcPts val="600"/>
-                        </a:spcAft>
-                      </a:pPr>
-                      <a:r>
-                        <a:rPr lang="en-US" sz="1200" dirty="0">
-                          <a:effectLst/>
-                          <a:latin typeface="+mn-lt"/>
-                          <a:ea typeface="MS Mincho" panose="02020609040205080304" pitchFamily="49" charset="-128"/>
-                          <a:cs typeface="Calibri" panose="020F0502020204030204" pitchFamily="34" charset="0"/>
-                        </a:rPr>
-                        <a:t>Recorded in-person workshop </a:t>
-                      </a:r>
-                    </a:p>
-                  </a:txBody>
-                  <a:tcPr marL="24384" marR="24384" marT="24384" marB="24384"/>
-                </a:tc>
-                <a:tc>
-                  <a:txBody>
-                    <a:bodyPr/>
-                    <a:lstStyle/>
-                    <a:p>
-                      <a:pPr marL="0" marR="0">
-                        <a:spcBef>
-                          <a:spcPts val="0"/>
-                        </a:spcBef>
-                        <a:spcAft>
-                          <a:spcPts val="600"/>
-                        </a:spcAft>
-                      </a:pPr>
-                      <a:r>
-                        <a:rPr lang="en-US" sz="1200">
-                          <a:effectLst/>
-                          <a:latin typeface="+mn-lt"/>
-                          <a:ea typeface="MS Mincho" panose="02020609040205080304" pitchFamily="49" charset="-128"/>
-                          <a:cs typeface="Calibri" panose="020F0502020204030204" pitchFamily="34" charset="0"/>
-                        </a:rPr>
-                        <a:t>In-person workshop</a:t>
-                      </a:r>
-                    </a:p>
-                  </a:txBody>
-                  <a:tcPr marL="24384" marR="24384" marT="24384" marB="24384"/>
-                </a:tc>
-                <a:tc>
-                  <a:txBody>
-                    <a:bodyPr/>
-                    <a:lstStyle/>
-                    <a:p>
-                      <a:pPr marL="0" marR="0">
-                        <a:spcBef>
-                          <a:spcPts val="0"/>
-                        </a:spcBef>
-                        <a:spcAft>
-                          <a:spcPts val="600"/>
-                        </a:spcAft>
-                      </a:pPr>
-                      <a:r>
-                        <a:rPr lang="en-US" sz="1200">
-                          <a:effectLst/>
-                          <a:latin typeface="+mn-lt"/>
-                          <a:ea typeface="MS Mincho" panose="02020609040205080304" pitchFamily="49" charset="-128"/>
-                          <a:cs typeface="Calibri" panose="020F0502020204030204" pitchFamily="34" charset="0"/>
-                        </a:rPr>
-                        <a:t>Brauer</a:t>
-                      </a:r>
-                    </a:p>
-                  </a:txBody>
-                  <a:tcPr marL="24384" marR="24384" marT="24384" marB="24384"/>
-                </a:tc>
-                <a:tc>
-                  <a:txBody>
-                    <a:bodyPr/>
-                    <a:lstStyle/>
-                    <a:p>
-                      <a:pPr marL="0" marR="0">
-                        <a:spcBef>
-                          <a:spcPts val="0"/>
-                        </a:spcBef>
-                        <a:spcAft>
-                          <a:spcPts val="600"/>
-                        </a:spcAft>
-                      </a:pPr>
-                      <a:r>
-                        <a:rPr lang="en-US" sz="1200" dirty="0">
-                          <a:effectLst/>
-                          <a:latin typeface="+mn-lt"/>
-                          <a:ea typeface="MS Mincho" panose="02020609040205080304" pitchFamily="49" charset="-128"/>
-                          <a:cs typeface="Calibri" panose="020F0502020204030204" pitchFamily="34" charset="0"/>
-                        </a:rPr>
-                        <a:t>07/2024</a:t>
-                      </a:r>
-                    </a:p>
-                  </a:txBody>
-                  <a:tcPr marL="24384" marR="24384" marT="24384" marB="24384"/>
-                </a:tc>
-                <a:tc>
-                  <a:txBody>
-                    <a:bodyPr/>
-                    <a:lstStyle/>
-                    <a:p>
-                      <a:pPr marL="0" marR="0">
-                        <a:spcBef>
-                          <a:spcPts val="0"/>
-                        </a:spcBef>
-                        <a:spcAft>
-                          <a:spcPts val="600"/>
-                        </a:spcAft>
-                      </a:pPr>
-                      <a:endParaRPr lang="en-US" sz="1200" dirty="0">
-                        <a:effectLst/>
-                        <a:latin typeface="+mn-lt"/>
-                        <a:ea typeface="MS Mincho" panose="02020609040205080304" pitchFamily="49" charset="-128"/>
-                        <a:cs typeface="Calibri" panose="020F0502020204030204" pitchFamily="34" charset="0"/>
-                      </a:endParaRPr>
-                    </a:p>
-                  </a:txBody>
-                  <a:tcPr marL="24384" marR="24384" marT="24384" marB="24384"/>
-                </a:tc>
-                <a:tc>
-                  <a:txBody>
-                    <a:bodyPr/>
-                    <a:lstStyle/>
-                    <a:p>
-                      <a:pPr marL="0" marR="0">
-                        <a:spcBef>
-                          <a:spcPts val="0"/>
-                        </a:spcBef>
-                        <a:spcAft>
-                          <a:spcPts val="600"/>
-                        </a:spcAft>
-                      </a:pPr>
-                      <a:r>
-                        <a:rPr lang="en-US" sz="1200" dirty="0">
-                          <a:effectLst/>
-                          <a:latin typeface="+mn-lt"/>
-                          <a:ea typeface="MS Mincho" panose="02020609040205080304" pitchFamily="49" charset="-128"/>
-                          <a:cs typeface="Calibri" panose="020F0502020204030204" pitchFamily="34" charset="0"/>
-                        </a:rPr>
-                        <a:t>07/2024</a:t>
-                      </a:r>
-                    </a:p>
-                  </a:txBody>
-                  <a:tcPr marL="24384" marR="24384" marT="24384" marB="24384"/>
-                </a:tc>
-                <a:tc>
-                  <a:txBody>
-                    <a:bodyPr/>
-                    <a:lstStyle/>
-                    <a:p>
-                      <a:pPr marL="0" marR="0">
-                        <a:spcBef>
-                          <a:spcPts val="0"/>
-                        </a:spcBef>
-                        <a:spcAft>
-                          <a:spcPts val="600"/>
-                        </a:spcAft>
-                      </a:pPr>
-                      <a:endParaRPr lang="en-US" sz="1200">
-                        <a:effectLst/>
-                        <a:latin typeface="+mn-lt"/>
-                        <a:ea typeface="MS Mincho" panose="02020609040205080304" pitchFamily="49" charset="-128"/>
-                        <a:cs typeface="Calibri" panose="020F0502020204030204" pitchFamily="34" charset="0"/>
-                      </a:endParaRPr>
-                    </a:p>
-                  </a:txBody>
-                  <a:tcPr marL="24384" marR="24384" marT="24384" marB="24384"/>
-                </a:tc>
-                <a:tc>
-                  <a:txBody>
-                    <a:bodyPr/>
-                    <a:lstStyle/>
-                    <a:p>
-                      <a:pPr marL="0" marR="0">
-                        <a:spcBef>
-                          <a:spcPts val="0"/>
-                        </a:spcBef>
-                        <a:spcAft>
-                          <a:spcPts val="600"/>
-                        </a:spcAft>
-                      </a:pPr>
-                      <a:r>
-                        <a:rPr lang="en-US" sz="1200" dirty="0">
-                          <a:effectLst/>
-                          <a:latin typeface="+mn-lt"/>
-                          <a:ea typeface="MS Mincho" panose="02020609040205080304" pitchFamily="49" charset="-128"/>
-                          <a:cs typeface="Calibri" panose="020F0502020204030204" pitchFamily="34" charset="0"/>
-                        </a:rPr>
-                        <a:t>$00K</a:t>
-                      </a:r>
-                    </a:p>
-                  </a:txBody>
-                  <a:tcPr marL="24384" marR="24384" marT="24384" marB="24384"/>
-                </a:tc>
-                <a:tc>
-                  <a:txBody>
-                    <a:bodyPr/>
-                    <a:lstStyle/>
-                    <a:p>
-                      <a:pPr marL="0" marR="0">
-                        <a:spcBef>
-                          <a:spcPts val="0"/>
-                        </a:spcBef>
-                        <a:spcAft>
-                          <a:spcPts val="600"/>
-                        </a:spcAft>
-                      </a:pPr>
-                      <a:r>
-                        <a:rPr lang="en-US" sz="1200" dirty="0">
-                          <a:effectLst/>
-                          <a:latin typeface="+mn-lt"/>
-                          <a:ea typeface="MS Mincho" panose="02020609040205080304" pitchFamily="49" charset="-128"/>
-                          <a:cs typeface="Calibri" panose="020F0502020204030204" pitchFamily="34" charset="0"/>
-                        </a:rPr>
-                        <a:t>100%</a:t>
-                      </a:r>
-                    </a:p>
-                  </a:txBody>
-                  <a:tcPr marL="24384" marR="24384" marT="24384" marB="24384"/>
-                </a:tc>
-                <a:tc>
-                  <a:txBody>
-                    <a:bodyPr/>
-                    <a:lstStyle/>
-                    <a:p>
-                      <a:endParaRPr lang="en-US" sz="1200" dirty="0">
-                        <a:latin typeface="+mn-lt"/>
-                      </a:endParaRPr>
-                    </a:p>
-                  </a:txBody>
-                  <a:tcPr marL="24384" marR="24384" marT="24384" marB="24384"/>
-                </a:tc>
-                <a:extLst>
-                  <a:ext uri="{0D108BD9-81ED-4DB2-BD59-A6C34878D82A}">
-                    <a16:rowId xmlns:a16="http://schemas.microsoft.com/office/drawing/2014/main" val="70177493"/>
-                  </a:ext>
-                </a:extLst>
-              </a:tr>
-              <a:tr h="882854">
-                <a:tc>
-                  <a:txBody>
-                    <a:bodyPr/>
-                    <a:lstStyle/>
-                    <a:p>
-                      <a:pPr marL="0" marR="0">
-                        <a:spcBef>
-                          <a:spcPts val="0"/>
-                        </a:spcBef>
-                        <a:spcAft>
-                          <a:spcPts val="600"/>
-                        </a:spcAft>
-                      </a:pPr>
-                      <a:r>
-                        <a:rPr lang="en-US" sz="1200" dirty="0">
-                          <a:solidFill>
-                            <a:srgbClr val="000000"/>
-                          </a:solidFill>
-                          <a:effectLst/>
-                          <a:latin typeface="+mn-lt"/>
-                          <a:ea typeface="MS Mincho" panose="02020609040205080304" pitchFamily="49" charset="-128"/>
-                          <a:cs typeface="Calibri" panose="020F0502020204030204" pitchFamily="34" charset="0"/>
-                        </a:rPr>
-                        <a:t>Make course content available</a:t>
-                      </a:r>
-                      <a:endParaRPr lang="en-US" sz="1200" dirty="0">
-                        <a:effectLst/>
-                        <a:latin typeface="+mn-lt"/>
-                        <a:ea typeface="MS Mincho" panose="02020609040205080304" pitchFamily="49" charset="-128"/>
-                        <a:cs typeface="Calibri" panose="020F0502020204030204" pitchFamily="34" charset="0"/>
-                      </a:endParaRPr>
-                    </a:p>
-                  </a:txBody>
-                  <a:tcPr marL="24384" marR="24384" marT="24384" marB="24384"/>
-                </a:tc>
-                <a:tc>
-                  <a:txBody>
-                    <a:bodyPr/>
-                    <a:lstStyle/>
-                    <a:p>
-                      <a:pPr marL="0" marR="0">
-                        <a:spcBef>
-                          <a:spcPts val="0"/>
-                        </a:spcBef>
-                        <a:spcAft>
-                          <a:spcPts val="600"/>
-                        </a:spcAft>
-                      </a:pPr>
-                      <a:r>
-                        <a:rPr lang="en-US" sz="1200" dirty="0">
-                          <a:solidFill>
-                            <a:srgbClr val="000000"/>
-                          </a:solidFill>
-                          <a:effectLst/>
-                          <a:latin typeface="+mn-lt"/>
-                          <a:ea typeface="MS Mincho" panose="02020609040205080304" pitchFamily="49" charset="-128"/>
-                          <a:cs typeface="Calibri" panose="020F0502020204030204" pitchFamily="34" charset="0"/>
-                        </a:rPr>
-                        <a:t>Web-accessible </a:t>
-                      </a:r>
-                      <a:r>
-                        <a:rPr lang="en-US" sz="1200" dirty="0" err="1">
-                          <a:solidFill>
-                            <a:srgbClr val="000000"/>
-                          </a:solidFill>
-                          <a:effectLst/>
-                          <a:latin typeface="+mn-lt"/>
-                          <a:ea typeface="MS Mincho" panose="02020609040205080304" pitchFamily="49" charset="-128"/>
-                          <a:cs typeface="Calibri" panose="020F0502020204030204" pitchFamily="34" charset="0"/>
-                        </a:rPr>
-                        <a:t>powerpoints</a:t>
-                      </a:r>
-                      <a:r>
-                        <a:rPr lang="en-US" sz="1200" dirty="0">
-                          <a:solidFill>
-                            <a:srgbClr val="000000"/>
-                          </a:solidFill>
-                          <a:effectLst/>
-                          <a:latin typeface="+mn-lt"/>
-                          <a:ea typeface="MS Mincho" panose="02020609040205080304" pitchFamily="49" charset="-128"/>
-                          <a:cs typeface="Calibri" panose="020F0502020204030204" pitchFamily="34" charset="0"/>
-                        </a:rPr>
-                        <a:t> and videos</a:t>
-                      </a:r>
-                      <a:endParaRPr lang="en-US" sz="1200" dirty="0">
-                        <a:effectLst/>
-                        <a:latin typeface="+mn-lt"/>
-                        <a:ea typeface="MS Mincho" panose="02020609040205080304" pitchFamily="49" charset="-128"/>
-                        <a:cs typeface="Calibri" panose="020F0502020204030204" pitchFamily="34" charset="0"/>
-                      </a:endParaRPr>
-                    </a:p>
-                  </a:txBody>
-                  <a:tcPr marL="24384" marR="24384" marT="24384" marB="24384"/>
-                </a:tc>
-                <a:tc>
-                  <a:txBody>
-                    <a:bodyPr/>
-                    <a:lstStyle/>
-                    <a:p>
-                      <a:pPr marL="0" marR="0">
-                        <a:spcBef>
-                          <a:spcPts val="0"/>
-                        </a:spcBef>
-                        <a:spcAft>
-                          <a:spcPts val="600"/>
-                        </a:spcAft>
-                      </a:pPr>
-                      <a:r>
-                        <a:rPr lang="en-US" sz="1200" dirty="0">
-                          <a:solidFill>
-                            <a:srgbClr val="000000"/>
-                          </a:solidFill>
-                          <a:effectLst/>
-                          <a:latin typeface="+mn-lt"/>
-                          <a:ea typeface="MS Mincho" panose="02020609040205080304" pitchFamily="49" charset="-128"/>
-                          <a:cs typeface="Calibri" panose="020F0502020204030204" pitchFamily="34" charset="0"/>
-                        </a:rPr>
-                        <a:t>Website</a:t>
-                      </a:r>
-                      <a:endParaRPr lang="en-US" sz="1200" dirty="0">
-                        <a:effectLst/>
-                        <a:latin typeface="+mn-lt"/>
-                        <a:ea typeface="MS Mincho" panose="02020609040205080304" pitchFamily="49" charset="-128"/>
-                        <a:cs typeface="Calibri" panose="020F0502020204030204" pitchFamily="34" charset="0"/>
-                      </a:endParaRPr>
-                    </a:p>
-                  </a:txBody>
-                  <a:tcPr marL="24384" marR="24384" marT="24384" marB="24384"/>
-                </a:tc>
-                <a:tc>
-                  <a:txBody>
-                    <a:bodyPr/>
-                    <a:lstStyle/>
-                    <a:p>
-                      <a:pPr marL="0" marR="0">
-                        <a:spcBef>
-                          <a:spcPts val="0"/>
-                        </a:spcBef>
-                        <a:spcAft>
-                          <a:spcPts val="600"/>
-                        </a:spcAft>
-                      </a:pPr>
-                      <a:r>
-                        <a:rPr lang="en-US" sz="1200">
-                          <a:solidFill>
-                            <a:srgbClr val="000000"/>
-                          </a:solidFill>
-                          <a:effectLst/>
-                          <a:latin typeface="+mn-lt"/>
-                          <a:ea typeface="MS Mincho" panose="02020609040205080304" pitchFamily="49" charset="-128"/>
-                          <a:cs typeface="Calibri" panose="020F0502020204030204" pitchFamily="34" charset="0"/>
-                        </a:rPr>
-                        <a:t>Lauth</a:t>
-                      </a:r>
-                      <a:endParaRPr lang="en-US" sz="1200">
-                        <a:effectLst/>
-                        <a:latin typeface="+mn-lt"/>
-                        <a:ea typeface="MS Mincho" panose="02020609040205080304" pitchFamily="49" charset="-128"/>
-                        <a:cs typeface="Calibri" panose="020F0502020204030204" pitchFamily="34" charset="0"/>
-                      </a:endParaRPr>
-                    </a:p>
-                  </a:txBody>
-                  <a:tcPr marL="24384" marR="24384" marT="24384" marB="24384"/>
-                </a:tc>
-                <a:tc>
-                  <a:txBody>
-                    <a:bodyPr/>
-                    <a:lstStyle/>
-                    <a:p>
-                      <a:pPr marL="0" marR="0">
-                        <a:spcBef>
-                          <a:spcPts val="0"/>
-                        </a:spcBef>
-                        <a:spcAft>
-                          <a:spcPts val="600"/>
-                        </a:spcAft>
-                      </a:pPr>
-                      <a:r>
-                        <a:rPr lang="en-US" sz="1200" dirty="0">
-                          <a:solidFill>
-                            <a:srgbClr val="000000"/>
-                          </a:solidFill>
-                          <a:effectLst/>
-                          <a:latin typeface="+mn-lt"/>
-                          <a:ea typeface="MS Mincho" panose="02020609040205080304" pitchFamily="49" charset="-128"/>
-                          <a:cs typeface="Calibri" panose="020F0502020204030204" pitchFamily="34" charset="0"/>
-                        </a:rPr>
-                        <a:t>07/2024</a:t>
-                      </a:r>
-                      <a:endParaRPr lang="en-US" sz="1200" dirty="0">
-                        <a:effectLst/>
-                        <a:latin typeface="+mn-lt"/>
-                        <a:ea typeface="MS Mincho" panose="02020609040205080304" pitchFamily="49" charset="-128"/>
-                        <a:cs typeface="Calibri" panose="020F0502020204030204" pitchFamily="34" charset="0"/>
-                      </a:endParaRPr>
-                    </a:p>
-                  </a:txBody>
-                  <a:tcPr marL="24384" marR="24384" marT="24384" marB="24384"/>
-                </a:tc>
-                <a:tc>
-                  <a:txBody>
-                    <a:bodyPr/>
-                    <a:lstStyle/>
-                    <a:p>
-                      <a:pPr marL="0" marR="0">
-                        <a:spcBef>
-                          <a:spcPts val="0"/>
-                        </a:spcBef>
-                        <a:spcAft>
-                          <a:spcPts val="600"/>
-                        </a:spcAft>
-                      </a:pPr>
-                      <a:endParaRPr lang="en-US" sz="1200" dirty="0">
-                        <a:effectLst/>
-                        <a:latin typeface="+mn-lt"/>
-                        <a:ea typeface="MS Mincho" panose="02020609040205080304" pitchFamily="49" charset="-128"/>
-                        <a:cs typeface="Calibri" panose="020F0502020204030204" pitchFamily="34" charset="0"/>
-                      </a:endParaRPr>
-                    </a:p>
-                  </a:txBody>
-                  <a:tcPr marL="24384" marR="24384" marT="24384" marB="24384"/>
-                </a:tc>
-                <a:tc>
-                  <a:txBody>
-                    <a:bodyPr/>
-                    <a:lstStyle/>
-                    <a:p>
-                      <a:pPr marL="0" marR="0">
-                        <a:spcBef>
-                          <a:spcPts val="0"/>
-                        </a:spcBef>
-                        <a:spcAft>
-                          <a:spcPts val="600"/>
-                        </a:spcAft>
-                      </a:pPr>
-                      <a:r>
-                        <a:rPr lang="en-US" sz="1200" dirty="0">
-                          <a:solidFill>
-                            <a:srgbClr val="000000"/>
-                          </a:solidFill>
-                          <a:effectLst/>
-                          <a:latin typeface="+mn-lt"/>
-                          <a:ea typeface="MS Mincho" panose="02020609040205080304" pitchFamily="49" charset="-128"/>
-                          <a:cs typeface="Calibri" panose="020F0502020204030204" pitchFamily="34" charset="0"/>
-                        </a:rPr>
-                        <a:t>08/2024</a:t>
-                      </a:r>
-                      <a:endParaRPr lang="en-US" sz="1200" dirty="0">
-                        <a:effectLst/>
-                        <a:latin typeface="+mn-lt"/>
-                        <a:ea typeface="MS Mincho" panose="02020609040205080304" pitchFamily="49" charset="-128"/>
-                        <a:cs typeface="Calibri" panose="020F0502020204030204" pitchFamily="34" charset="0"/>
-                      </a:endParaRPr>
-                    </a:p>
-                  </a:txBody>
-                  <a:tcPr marL="24384" marR="24384" marT="24384" marB="24384"/>
-                </a:tc>
-                <a:tc>
-                  <a:txBody>
-                    <a:bodyPr/>
-                    <a:lstStyle/>
-                    <a:p>
-                      <a:pPr marL="0" marR="0">
-                        <a:spcBef>
-                          <a:spcPts val="0"/>
-                        </a:spcBef>
-                        <a:spcAft>
-                          <a:spcPts val="600"/>
-                        </a:spcAft>
-                      </a:pPr>
-                      <a:endParaRPr lang="en-US" sz="1200" dirty="0">
-                        <a:effectLst/>
-                        <a:latin typeface="+mn-lt"/>
-                        <a:ea typeface="MS Mincho" panose="02020609040205080304" pitchFamily="49" charset="-128"/>
-                        <a:cs typeface="Calibri" panose="020F0502020204030204" pitchFamily="34" charset="0"/>
-                      </a:endParaRPr>
-                    </a:p>
-                  </a:txBody>
-                  <a:tcPr marL="24384" marR="24384" marT="24384" marB="24384"/>
-                </a:tc>
-                <a:tc>
-                  <a:txBody>
-                    <a:bodyPr/>
-                    <a:lstStyle/>
-                    <a:p>
-                      <a:pPr marL="0" marR="0">
-                        <a:spcBef>
-                          <a:spcPts val="0"/>
-                        </a:spcBef>
-                        <a:spcAft>
-                          <a:spcPts val="600"/>
-                        </a:spcAft>
-                      </a:pPr>
-                      <a:r>
-                        <a:rPr lang="en-US" sz="1200" dirty="0">
-                          <a:solidFill>
-                            <a:srgbClr val="000000"/>
-                          </a:solidFill>
-                          <a:effectLst/>
-                          <a:latin typeface="+mn-lt"/>
-                          <a:ea typeface="MS Mincho" panose="02020609040205080304" pitchFamily="49" charset="-128"/>
-                          <a:cs typeface="Calibri" panose="020F0502020204030204" pitchFamily="34" charset="0"/>
-                        </a:rPr>
-                        <a:t>$00K</a:t>
+                        <a:t>$0K</a:t>
                       </a:r>
                       <a:endParaRPr lang="en-US" sz="1200" dirty="0">
                         <a:effectLst/>
@@ -14485,11 +15074,11 @@
                 </a:tc>
                 <a:extLst>
                   <a:ext uri="{0D108BD9-81ED-4DB2-BD59-A6C34878D82A}">
-                    <a16:rowId xmlns:a16="http://schemas.microsoft.com/office/drawing/2014/main" val="3695423954"/>
+                    <a16:rowId xmlns:a16="http://schemas.microsoft.com/office/drawing/2014/main" val="291076823"/>
                   </a:ext>
                 </a:extLst>
               </a:tr>
-              <a:tr h="882854">
+              <a:tr h="675934">
                 <a:tc>
                   <a:txBody>
                     <a:bodyPr/>
@@ -14503,15 +15092,12 @@
                           <a:spcPts val="600"/>
                         </a:spcAft>
                       </a:pPr>
-                      <a:r>
-                        <a:rPr lang="en-US" sz="1200" dirty="0">
-                          <a:effectLst/>
-                          <a:latin typeface="+mn-lt"/>
-                          <a:ea typeface="MS Mincho" panose="02020609040205080304" pitchFamily="49" charset="-128"/>
-                          <a:cs typeface="Calibri" panose="020F0502020204030204" pitchFamily="34" charset="0"/>
-                        </a:rPr>
-                        <a:t>Publicize that content</a:t>
-                      </a:r>
+                      <a:endParaRPr lang="en-US" sz="1200" dirty="0">
+                        <a:effectLst/>
+                        <a:latin typeface="+mn-lt"/>
+                        <a:ea typeface="MS Mincho" panose="02020609040205080304" pitchFamily="49" charset="-128"/>
+                        <a:cs typeface="Calibri" panose="020F0502020204030204" pitchFamily="34" charset="0"/>
+                      </a:endParaRPr>
                     </a:p>
                   </a:txBody>
                   <a:tcPr marL="24384" marR="24384" marT="24384" marB="24384"/>
@@ -14529,93 +15115,12 @@
                           <a:spcPts val="600"/>
                         </a:spcAft>
                       </a:pPr>
-                      <a:r>
-                        <a:rPr lang="en-US" sz="1200">
-                          <a:effectLst/>
-                          <a:latin typeface="+mn-lt"/>
-                          <a:ea typeface="MS Mincho" panose="02020609040205080304" pitchFamily="49" charset="-128"/>
-                          <a:cs typeface="Calibri" panose="020F0502020204030204" pitchFamily="34" charset="0"/>
-                        </a:rPr>
-                        <a:t>Emails / recorded webinars</a:t>
-                      </a:r>
-                    </a:p>
-                  </a:txBody>
-                  <a:tcPr marL="24384" marR="24384" marT="24384" marB="24384"/>
-                </a:tc>
-                <a:tc>
-                  <a:txBody>
-                    <a:bodyPr/>
-                    <a:lstStyle/>
-                    <a:p>
-                      <a:pPr marL="0" marR="0">
-                        <a:spcBef>
-                          <a:spcPts val="0"/>
-                        </a:spcBef>
-                        <a:spcAft>
-                          <a:spcPts val="600"/>
-                        </a:spcAft>
-                      </a:pPr>
-                      <a:r>
-                        <a:rPr lang="en-US" sz="1200">
-                          <a:effectLst/>
-                          <a:latin typeface="+mn-lt"/>
-                          <a:ea typeface="MS Mincho" panose="02020609040205080304" pitchFamily="49" charset="-128"/>
-                          <a:cs typeface="Calibri" panose="020F0502020204030204" pitchFamily="34" charset="0"/>
-                        </a:rPr>
-                        <a:t>Emails / webinars / in-person discussion</a:t>
-                      </a:r>
-                    </a:p>
-                  </a:txBody>
-                  <a:tcPr marL="24384" marR="24384" marT="24384" marB="24384"/>
-                </a:tc>
-                <a:tc>
-                  <a:txBody>
-                    <a:bodyPr/>
-                    <a:lstStyle/>
-                    <a:p>
-                      <a:pPr marL="0" marR="0">
-                        <a:spcBef>
-                          <a:spcPts val="0"/>
-                        </a:spcBef>
-                        <a:spcAft>
-                          <a:spcPts val="600"/>
-                        </a:spcAft>
-                      </a:pPr>
-                      <a:r>
-                        <a:rPr lang="en-US" sz="1200" dirty="0">
-                          <a:effectLst/>
-                          <a:latin typeface="+mn-lt"/>
-                          <a:ea typeface="MS Mincho" panose="02020609040205080304" pitchFamily="49" charset="-128"/>
-                          <a:cs typeface="Calibri" panose="020F0502020204030204" pitchFamily="34" charset="0"/>
-                        </a:rPr>
-                        <a:t>Brauer / Lauth</a:t>
-                      </a:r>
-                    </a:p>
-                  </a:txBody>
-                  <a:tcPr marL="24384" marR="24384" marT="24384" marB="24384"/>
-                </a:tc>
-                <a:tc>
-                  <a:txBody>
-                    <a:bodyPr/>
-                    <a:lstStyle/>
-                    <a:p>
-                      <a:pPr marL="0" marR="0">
-                        <a:spcBef>
-                          <a:spcPts val="0"/>
-                        </a:spcBef>
-                        <a:spcAft>
-                          <a:spcPts val="600"/>
-                        </a:spcAft>
-                      </a:pPr>
-                      <a:r>
-                        <a:rPr lang="en-US" sz="1200" dirty="0">
-                          <a:effectLst/>
-                          <a:latin typeface="+mn-lt"/>
-                          <a:ea typeface="MS Mincho" panose="02020609040205080304" pitchFamily="49" charset="-128"/>
-                          <a:cs typeface="Calibri" panose="020F0502020204030204" pitchFamily="34" charset="0"/>
-                        </a:rPr>
-                        <a:t>08/2024</a:t>
-                      </a:r>
+                      <a:endParaRPr lang="en-US" sz="1200" dirty="0">
+                        <a:effectLst/>
+                        <a:latin typeface="+mn-lt"/>
+                        <a:ea typeface="MS Mincho" panose="02020609040205080304" pitchFamily="49" charset="-128"/>
+                        <a:cs typeface="Calibri" panose="020F0502020204030204" pitchFamily="34" charset="0"/>
+                      </a:endParaRPr>
                     </a:p>
                   </a:txBody>
                   <a:tcPr marL="24384" marR="24384" marT="24384" marB="24384"/>
@@ -14656,15 +15161,12 @@
                           <a:spcPts val="600"/>
                         </a:spcAft>
                       </a:pPr>
-                      <a:r>
-                        <a:rPr lang="en-US" sz="1200" dirty="0">
-                          <a:effectLst/>
-                          <a:latin typeface="+mn-lt"/>
-                          <a:ea typeface="MS Mincho" panose="02020609040205080304" pitchFamily="49" charset="-128"/>
-                          <a:cs typeface="Calibri" panose="020F0502020204030204" pitchFamily="34" charset="0"/>
-                        </a:rPr>
-                        <a:t>09/2024</a:t>
-                      </a:r>
+                      <a:endParaRPr lang="en-US" sz="1200">
+                        <a:effectLst/>
+                        <a:latin typeface="+mn-lt"/>
+                        <a:ea typeface="MS Mincho" panose="02020609040205080304" pitchFamily="49" charset="-128"/>
+                        <a:cs typeface="Calibri" panose="020F0502020204030204" pitchFamily="34" charset="0"/>
+                      </a:endParaRPr>
                     </a:p>
                   </a:txBody>
                   <a:tcPr marL="24384" marR="24384" marT="24384" marB="24384"/>
@@ -14705,15 +15207,12 @@
                           <a:spcPts val="600"/>
                         </a:spcAft>
                       </a:pPr>
-                      <a:r>
-                        <a:rPr lang="en-US" sz="1200" dirty="0">
-                          <a:effectLst/>
-                          <a:latin typeface="+mn-lt"/>
-                          <a:ea typeface="MS Mincho" panose="02020609040205080304" pitchFamily="49" charset="-128"/>
-                          <a:cs typeface="Calibri" panose="020F0502020204030204" pitchFamily="34" charset="0"/>
-                        </a:rPr>
-                        <a:t>$00K</a:t>
-                      </a:r>
+                      <a:endParaRPr lang="en-US" sz="1200" dirty="0">
+                        <a:effectLst/>
+                        <a:latin typeface="+mn-lt"/>
+                        <a:ea typeface="MS Mincho" panose="02020609040205080304" pitchFamily="49" charset="-128"/>
+                        <a:cs typeface="Calibri" panose="020F0502020204030204" pitchFamily="34" charset="0"/>
+                      </a:endParaRPr>
                     </a:p>
                   </a:txBody>
                   <a:tcPr marL="24384" marR="24384" marT="24384" marB="24384"/>
@@ -14731,15 +15230,579 @@
                           <a:spcPts val="600"/>
                         </a:spcAft>
                       </a:pPr>
-                      <a:r>
-                        <a:rPr lang="en-US" sz="1200" dirty="0">
-                          <a:effectLst/>
-                          <a:latin typeface="+mn-lt"/>
-                          <a:ea typeface="MS Mincho" panose="02020609040205080304" pitchFamily="49" charset="-128"/>
-                          <a:cs typeface="Calibri" panose="020F0502020204030204" pitchFamily="34" charset="0"/>
-                        </a:rPr>
-                        <a:t>0%</a:t>
-                      </a:r>
+                      <a:endParaRPr lang="en-US" sz="1200" dirty="0">
+                        <a:effectLst/>
+                        <a:latin typeface="+mn-lt"/>
+                        <a:ea typeface="MS Mincho" panose="02020609040205080304" pitchFamily="49" charset="-128"/>
+                        <a:cs typeface="Calibri" panose="020F0502020204030204" pitchFamily="34" charset="0"/>
+                      </a:endParaRPr>
+                    </a:p>
+                  </a:txBody>
+                  <a:tcPr marL="24384" marR="24384" marT="24384" marB="24384"/>
+                </a:tc>
+                <a:tc>
+                  <a:txBody>
+                    <a:bodyPr/>
+                    <a:lstStyle/>
+                    <a:p>
+                      <a:pPr marL="0" marR="0">
+                        <a:spcBef>
+                          <a:spcPts val="0"/>
+                        </a:spcBef>
+                        <a:spcAft>
+                          <a:spcPts val="600"/>
+                        </a:spcAft>
+                      </a:pPr>
+                      <a:endParaRPr lang="en-US" sz="1200">
+                        <a:effectLst/>
+                        <a:latin typeface="+mn-lt"/>
+                        <a:ea typeface="MS Mincho" panose="02020609040205080304" pitchFamily="49" charset="-128"/>
+                        <a:cs typeface="Calibri" panose="020F0502020204030204" pitchFamily="34" charset="0"/>
+                      </a:endParaRPr>
+                    </a:p>
+                  </a:txBody>
+                  <a:tcPr marL="24384" marR="24384" marT="24384" marB="24384"/>
+                </a:tc>
+                <a:tc>
+                  <a:txBody>
+                    <a:bodyPr/>
+                    <a:lstStyle/>
+                    <a:p>
+                      <a:pPr marL="0" marR="0">
+                        <a:spcBef>
+                          <a:spcPts val="0"/>
+                        </a:spcBef>
+                        <a:spcAft>
+                          <a:spcPts val="600"/>
+                        </a:spcAft>
+                      </a:pPr>
+                      <a:endParaRPr lang="en-US" sz="1200" dirty="0">
+                        <a:effectLst/>
+                        <a:latin typeface="+mn-lt"/>
+                        <a:ea typeface="MS Mincho" panose="02020609040205080304" pitchFamily="49" charset="-128"/>
+                        <a:cs typeface="Calibri" panose="020F0502020204030204" pitchFamily="34" charset="0"/>
+                      </a:endParaRPr>
+                    </a:p>
+                  </a:txBody>
+                  <a:tcPr marL="24384" marR="24384" marT="24384" marB="24384"/>
+                </a:tc>
+                <a:tc>
+                  <a:txBody>
+                    <a:bodyPr/>
+                    <a:lstStyle/>
+                    <a:p>
+                      <a:pPr marL="0" marR="0">
+                        <a:spcBef>
+                          <a:spcPts val="0"/>
+                        </a:spcBef>
+                        <a:spcAft>
+                          <a:spcPts val="600"/>
+                        </a:spcAft>
+                      </a:pPr>
+                      <a:endParaRPr lang="en-US" sz="1200" dirty="0">
+                        <a:effectLst/>
+                        <a:latin typeface="+mn-lt"/>
+                        <a:ea typeface="MS Mincho" panose="02020609040205080304" pitchFamily="49" charset="-128"/>
+                        <a:cs typeface="Calibri" panose="020F0502020204030204" pitchFamily="34" charset="0"/>
+                      </a:endParaRPr>
+                    </a:p>
+                  </a:txBody>
+                  <a:tcPr marL="24384" marR="24384" marT="24384" marB="24384"/>
+                </a:tc>
+                <a:tc>
+                  <a:txBody>
+                    <a:bodyPr/>
+                    <a:lstStyle/>
+                    <a:p>
+                      <a:endParaRPr lang="en-US" sz="1200" dirty="0">
+                        <a:latin typeface="+mn-lt"/>
+                      </a:endParaRPr>
+                    </a:p>
+                  </a:txBody>
+                  <a:tcPr marL="24384" marR="24384" marT="24384" marB="24384"/>
+                </a:tc>
+                <a:extLst>
+                  <a:ext uri="{0D108BD9-81ED-4DB2-BD59-A6C34878D82A}">
+                    <a16:rowId xmlns:a16="http://schemas.microsoft.com/office/drawing/2014/main" val="70177493"/>
+                  </a:ext>
+                </a:extLst>
+              </a:tr>
+              <a:tr h="882854">
+                <a:tc>
+                  <a:txBody>
+                    <a:bodyPr/>
+                    <a:lstStyle/>
+                    <a:p>
+                      <a:pPr marL="0" marR="0">
+                        <a:spcBef>
+                          <a:spcPts val="0"/>
+                        </a:spcBef>
+                        <a:spcAft>
+                          <a:spcPts val="600"/>
+                        </a:spcAft>
+                      </a:pPr>
+                      <a:endParaRPr lang="en-US" sz="1200" dirty="0">
+                        <a:effectLst/>
+                        <a:latin typeface="+mn-lt"/>
+                        <a:ea typeface="MS Mincho" panose="02020609040205080304" pitchFamily="49" charset="-128"/>
+                        <a:cs typeface="Calibri" panose="020F0502020204030204" pitchFamily="34" charset="0"/>
+                      </a:endParaRPr>
+                    </a:p>
+                  </a:txBody>
+                  <a:tcPr marL="24384" marR="24384" marT="24384" marB="24384"/>
+                </a:tc>
+                <a:tc>
+                  <a:txBody>
+                    <a:bodyPr/>
+                    <a:lstStyle/>
+                    <a:p>
+                      <a:pPr marL="0" marR="0">
+                        <a:spcBef>
+                          <a:spcPts val="0"/>
+                        </a:spcBef>
+                        <a:spcAft>
+                          <a:spcPts val="600"/>
+                        </a:spcAft>
+                      </a:pPr>
+                      <a:endParaRPr lang="en-US" sz="1200" dirty="0">
+                        <a:effectLst/>
+                        <a:latin typeface="+mn-lt"/>
+                        <a:ea typeface="MS Mincho" panose="02020609040205080304" pitchFamily="49" charset="-128"/>
+                        <a:cs typeface="Calibri" panose="020F0502020204030204" pitchFamily="34" charset="0"/>
+                      </a:endParaRPr>
+                    </a:p>
+                  </a:txBody>
+                  <a:tcPr marL="24384" marR="24384" marT="24384" marB="24384"/>
+                </a:tc>
+                <a:tc>
+                  <a:txBody>
+                    <a:bodyPr/>
+                    <a:lstStyle/>
+                    <a:p>
+                      <a:pPr marL="0" marR="0">
+                        <a:spcBef>
+                          <a:spcPts val="0"/>
+                        </a:spcBef>
+                        <a:spcAft>
+                          <a:spcPts val="600"/>
+                        </a:spcAft>
+                      </a:pPr>
+                      <a:endParaRPr lang="en-US" sz="1200" dirty="0">
+                        <a:effectLst/>
+                        <a:latin typeface="+mn-lt"/>
+                        <a:ea typeface="MS Mincho" panose="02020609040205080304" pitchFamily="49" charset="-128"/>
+                        <a:cs typeface="Calibri" panose="020F0502020204030204" pitchFamily="34" charset="0"/>
+                      </a:endParaRPr>
+                    </a:p>
+                  </a:txBody>
+                  <a:tcPr marL="24384" marR="24384" marT="24384" marB="24384"/>
+                </a:tc>
+                <a:tc>
+                  <a:txBody>
+                    <a:bodyPr/>
+                    <a:lstStyle/>
+                    <a:p>
+                      <a:pPr marL="0" marR="0">
+                        <a:spcBef>
+                          <a:spcPts val="0"/>
+                        </a:spcBef>
+                        <a:spcAft>
+                          <a:spcPts val="600"/>
+                        </a:spcAft>
+                      </a:pPr>
+                      <a:endParaRPr lang="en-US" sz="1200">
+                        <a:effectLst/>
+                        <a:latin typeface="+mn-lt"/>
+                        <a:ea typeface="MS Mincho" panose="02020609040205080304" pitchFamily="49" charset="-128"/>
+                        <a:cs typeface="Calibri" panose="020F0502020204030204" pitchFamily="34" charset="0"/>
+                      </a:endParaRPr>
+                    </a:p>
+                  </a:txBody>
+                  <a:tcPr marL="24384" marR="24384" marT="24384" marB="24384"/>
+                </a:tc>
+                <a:tc>
+                  <a:txBody>
+                    <a:bodyPr/>
+                    <a:lstStyle/>
+                    <a:p>
+                      <a:pPr marL="0" marR="0">
+                        <a:spcBef>
+                          <a:spcPts val="0"/>
+                        </a:spcBef>
+                        <a:spcAft>
+                          <a:spcPts val="600"/>
+                        </a:spcAft>
+                      </a:pPr>
+                      <a:endParaRPr lang="en-US" sz="1200" dirty="0">
+                        <a:effectLst/>
+                        <a:latin typeface="+mn-lt"/>
+                        <a:ea typeface="MS Mincho" panose="02020609040205080304" pitchFamily="49" charset="-128"/>
+                        <a:cs typeface="Calibri" panose="020F0502020204030204" pitchFamily="34" charset="0"/>
+                      </a:endParaRPr>
+                    </a:p>
+                  </a:txBody>
+                  <a:tcPr marL="24384" marR="24384" marT="24384" marB="24384"/>
+                </a:tc>
+                <a:tc>
+                  <a:txBody>
+                    <a:bodyPr/>
+                    <a:lstStyle/>
+                    <a:p>
+                      <a:pPr marL="0" marR="0">
+                        <a:spcBef>
+                          <a:spcPts val="0"/>
+                        </a:spcBef>
+                        <a:spcAft>
+                          <a:spcPts val="600"/>
+                        </a:spcAft>
+                      </a:pPr>
+                      <a:endParaRPr lang="en-US" sz="1200" dirty="0">
+                        <a:effectLst/>
+                        <a:latin typeface="+mn-lt"/>
+                        <a:ea typeface="MS Mincho" panose="02020609040205080304" pitchFamily="49" charset="-128"/>
+                        <a:cs typeface="Calibri" panose="020F0502020204030204" pitchFamily="34" charset="0"/>
+                      </a:endParaRPr>
+                    </a:p>
+                  </a:txBody>
+                  <a:tcPr marL="24384" marR="24384" marT="24384" marB="24384"/>
+                </a:tc>
+                <a:tc>
+                  <a:txBody>
+                    <a:bodyPr/>
+                    <a:lstStyle/>
+                    <a:p>
+                      <a:pPr marL="0" marR="0">
+                        <a:spcBef>
+                          <a:spcPts val="0"/>
+                        </a:spcBef>
+                        <a:spcAft>
+                          <a:spcPts val="600"/>
+                        </a:spcAft>
+                      </a:pPr>
+                      <a:endParaRPr lang="en-US" sz="1200" dirty="0">
+                        <a:effectLst/>
+                        <a:latin typeface="+mn-lt"/>
+                        <a:ea typeface="MS Mincho" panose="02020609040205080304" pitchFamily="49" charset="-128"/>
+                        <a:cs typeface="Calibri" panose="020F0502020204030204" pitchFamily="34" charset="0"/>
+                      </a:endParaRPr>
+                    </a:p>
+                  </a:txBody>
+                  <a:tcPr marL="24384" marR="24384" marT="24384" marB="24384"/>
+                </a:tc>
+                <a:tc>
+                  <a:txBody>
+                    <a:bodyPr/>
+                    <a:lstStyle/>
+                    <a:p>
+                      <a:pPr marL="0" marR="0">
+                        <a:spcBef>
+                          <a:spcPts val="0"/>
+                        </a:spcBef>
+                        <a:spcAft>
+                          <a:spcPts val="600"/>
+                        </a:spcAft>
+                      </a:pPr>
+                      <a:endParaRPr lang="en-US" sz="1200" dirty="0">
+                        <a:effectLst/>
+                        <a:latin typeface="+mn-lt"/>
+                        <a:ea typeface="MS Mincho" panose="02020609040205080304" pitchFamily="49" charset="-128"/>
+                        <a:cs typeface="Calibri" panose="020F0502020204030204" pitchFamily="34" charset="0"/>
+                      </a:endParaRPr>
+                    </a:p>
+                  </a:txBody>
+                  <a:tcPr marL="24384" marR="24384" marT="24384" marB="24384"/>
+                </a:tc>
+                <a:tc>
+                  <a:txBody>
+                    <a:bodyPr/>
+                    <a:lstStyle/>
+                    <a:p>
+                      <a:pPr marL="0" marR="0">
+                        <a:spcBef>
+                          <a:spcPts val="0"/>
+                        </a:spcBef>
+                        <a:spcAft>
+                          <a:spcPts val="600"/>
+                        </a:spcAft>
+                      </a:pPr>
+                      <a:endParaRPr lang="en-US" sz="1200" dirty="0">
+                        <a:effectLst/>
+                        <a:latin typeface="+mn-lt"/>
+                        <a:ea typeface="MS Mincho" panose="02020609040205080304" pitchFamily="49" charset="-128"/>
+                        <a:cs typeface="Calibri" panose="020F0502020204030204" pitchFamily="34" charset="0"/>
+                      </a:endParaRPr>
+                    </a:p>
+                  </a:txBody>
+                  <a:tcPr marL="24384" marR="24384" marT="24384" marB="24384"/>
+                </a:tc>
+                <a:tc>
+                  <a:txBody>
+                    <a:bodyPr/>
+                    <a:lstStyle/>
+                    <a:p>
+                      <a:pPr marL="0" marR="0">
+                        <a:spcBef>
+                          <a:spcPts val="0"/>
+                        </a:spcBef>
+                        <a:spcAft>
+                          <a:spcPts val="600"/>
+                        </a:spcAft>
+                      </a:pPr>
+                      <a:endParaRPr lang="en-US" sz="1200" dirty="0">
+                        <a:effectLst/>
+                        <a:latin typeface="+mn-lt"/>
+                        <a:ea typeface="MS Mincho" panose="02020609040205080304" pitchFamily="49" charset="-128"/>
+                        <a:cs typeface="Calibri" panose="020F0502020204030204" pitchFamily="34" charset="0"/>
+                      </a:endParaRPr>
+                    </a:p>
+                  </a:txBody>
+                  <a:tcPr marL="24384" marR="24384" marT="24384" marB="24384"/>
+                </a:tc>
+                <a:tc>
+                  <a:txBody>
+                    <a:bodyPr/>
+                    <a:lstStyle/>
+                    <a:p>
+                      <a:endParaRPr lang="en-US" sz="1200" dirty="0">
+                        <a:latin typeface="+mn-lt"/>
+                      </a:endParaRPr>
+                    </a:p>
+                  </a:txBody>
+                  <a:tcPr marL="24384" marR="24384" marT="24384" marB="24384"/>
+                </a:tc>
+                <a:extLst>
+                  <a:ext uri="{0D108BD9-81ED-4DB2-BD59-A6C34878D82A}">
+                    <a16:rowId xmlns:a16="http://schemas.microsoft.com/office/drawing/2014/main" val="3695423954"/>
+                  </a:ext>
+                </a:extLst>
+              </a:tr>
+              <a:tr h="882854">
+                <a:tc>
+                  <a:txBody>
+                    <a:bodyPr/>
+                    <a:lstStyle/>
+                    <a:p>
+                      <a:pPr marL="0" marR="0">
+                        <a:spcBef>
+                          <a:spcPts val="0"/>
+                        </a:spcBef>
+                        <a:spcAft>
+                          <a:spcPts val="600"/>
+                        </a:spcAft>
+                      </a:pPr>
+                      <a:endParaRPr lang="en-US" sz="1200" dirty="0">
+                        <a:effectLst/>
+                        <a:latin typeface="+mn-lt"/>
+                        <a:ea typeface="MS Mincho" panose="02020609040205080304" pitchFamily="49" charset="-128"/>
+                        <a:cs typeface="Calibri" panose="020F0502020204030204" pitchFamily="34" charset="0"/>
+                      </a:endParaRPr>
+                    </a:p>
+                  </a:txBody>
+                  <a:tcPr marL="24384" marR="24384" marT="24384" marB="24384"/>
+                </a:tc>
+                <a:tc>
+                  <a:txBody>
+                    <a:bodyPr/>
+                    <a:lstStyle/>
+                    <a:p>
+                      <a:pPr marL="0" marR="0">
+                        <a:spcBef>
+                          <a:spcPts val="0"/>
+                        </a:spcBef>
+                        <a:spcAft>
+                          <a:spcPts val="600"/>
+                        </a:spcAft>
+                      </a:pPr>
+                      <a:endParaRPr lang="en-US" sz="1200" dirty="0">
+                        <a:effectLst/>
+                        <a:latin typeface="+mn-lt"/>
+                        <a:ea typeface="MS Mincho" panose="02020609040205080304" pitchFamily="49" charset="-128"/>
+                        <a:cs typeface="Calibri" panose="020F0502020204030204" pitchFamily="34" charset="0"/>
+                      </a:endParaRPr>
+                    </a:p>
+                  </a:txBody>
+                  <a:tcPr marL="24384" marR="24384" marT="24384" marB="24384"/>
+                </a:tc>
+                <a:tc>
+                  <a:txBody>
+                    <a:bodyPr/>
+                    <a:lstStyle/>
+                    <a:p>
+                      <a:pPr marL="0" marR="0">
+                        <a:spcBef>
+                          <a:spcPts val="0"/>
+                        </a:spcBef>
+                        <a:spcAft>
+                          <a:spcPts val="600"/>
+                        </a:spcAft>
+                      </a:pPr>
+                      <a:endParaRPr lang="en-US" sz="1200" dirty="0">
+                        <a:effectLst/>
+                        <a:latin typeface="+mn-lt"/>
+                        <a:ea typeface="MS Mincho" panose="02020609040205080304" pitchFamily="49" charset="-128"/>
+                        <a:cs typeface="Calibri" panose="020F0502020204030204" pitchFamily="34" charset="0"/>
+                      </a:endParaRPr>
+                    </a:p>
+                  </a:txBody>
+                  <a:tcPr marL="24384" marR="24384" marT="24384" marB="24384"/>
+                </a:tc>
+                <a:tc>
+                  <a:txBody>
+                    <a:bodyPr/>
+                    <a:lstStyle/>
+                    <a:p>
+                      <a:pPr marL="0" marR="0">
+                        <a:spcBef>
+                          <a:spcPts val="0"/>
+                        </a:spcBef>
+                        <a:spcAft>
+                          <a:spcPts val="600"/>
+                        </a:spcAft>
+                      </a:pPr>
+                      <a:endParaRPr lang="en-US" sz="1200" dirty="0">
+                        <a:effectLst/>
+                        <a:latin typeface="+mn-lt"/>
+                        <a:ea typeface="MS Mincho" panose="02020609040205080304" pitchFamily="49" charset="-128"/>
+                        <a:cs typeface="Calibri" panose="020F0502020204030204" pitchFamily="34" charset="0"/>
+                      </a:endParaRPr>
+                    </a:p>
+                  </a:txBody>
+                  <a:tcPr marL="24384" marR="24384" marT="24384" marB="24384"/>
+                </a:tc>
+                <a:tc>
+                  <a:txBody>
+                    <a:bodyPr/>
+                    <a:lstStyle/>
+                    <a:p>
+                      <a:pPr marL="0" marR="0">
+                        <a:spcBef>
+                          <a:spcPts val="0"/>
+                        </a:spcBef>
+                        <a:spcAft>
+                          <a:spcPts val="600"/>
+                        </a:spcAft>
+                      </a:pPr>
+                      <a:endParaRPr lang="en-US" sz="1200" dirty="0">
+                        <a:effectLst/>
+                        <a:latin typeface="+mn-lt"/>
+                        <a:ea typeface="MS Mincho" panose="02020609040205080304" pitchFamily="49" charset="-128"/>
+                        <a:cs typeface="Calibri" panose="020F0502020204030204" pitchFamily="34" charset="0"/>
+                      </a:endParaRPr>
+                    </a:p>
+                  </a:txBody>
+                  <a:tcPr marL="24384" marR="24384" marT="24384" marB="24384"/>
+                </a:tc>
+                <a:tc>
+                  <a:txBody>
+                    <a:bodyPr/>
+                    <a:lstStyle/>
+                    <a:p>
+                      <a:pPr marL="0" marR="0">
+                        <a:spcBef>
+                          <a:spcPts val="0"/>
+                        </a:spcBef>
+                        <a:spcAft>
+                          <a:spcPts val="600"/>
+                        </a:spcAft>
+                      </a:pPr>
+                      <a:endParaRPr lang="en-US" sz="1200" dirty="0">
+                        <a:effectLst/>
+                        <a:latin typeface="+mn-lt"/>
+                        <a:ea typeface="MS Mincho" panose="02020609040205080304" pitchFamily="49" charset="-128"/>
+                        <a:cs typeface="Calibri" panose="020F0502020204030204" pitchFamily="34" charset="0"/>
+                      </a:endParaRPr>
+                    </a:p>
+                  </a:txBody>
+                  <a:tcPr marL="24384" marR="24384" marT="24384" marB="24384"/>
+                </a:tc>
+                <a:tc>
+                  <a:txBody>
+                    <a:bodyPr/>
+                    <a:lstStyle/>
+                    <a:p>
+                      <a:pPr marL="0" marR="0">
+                        <a:spcBef>
+                          <a:spcPts val="0"/>
+                        </a:spcBef>
+                        <a:spcAft>
+                          <a:spcPts val="600"/>
+                        </a:spcAft>
+                      </a:pPr>
+                      <a:endParaRPr lang="en-US" sz="1200" dirty="0">
+                        <a:effectLst/>
+                        <a:latin typeface="+mn-lt"/>
+                        <a:ea typeface="MS Mincho" panose="02020609040205080304" pitchFamily="49" charset="-128"/>
+                        <a:cs typeface="Calibri" panose="020F0502020204030204" pitchFamily="34" charset="0"/>
+                      </a:endParaRPr>
+                    </a:p>
+                  </a:txBody>
+                  <a:tcPr marL="24384" marR="24384" marT="24384" marB="24384"/>
+                </a:tc>
+                <a:tc>
+                  <a:txBody>
+                    <a:bodyPr/>
+                    <a:lstStyle/>
+                    <a:p>
+                      <a:pPr marL="0" marR="0">
+                        <a:spcBef>
+                          <a:spcPts val="0"/>
+                        </a:spcBef>
+                        <a:spcAft>
+                          <a:spcPts val="600"/>
+                        </a:spcAft>
+                      </a:pPr>
+                      <a:endParaRPr lang="en-US" sz="1200" dirty="0">
+                        <a:effectLst/>
+                        <a:latin typeface="+mn-lt"/>
+                        <a:ea typeface="MS Mincho" panose="02020609040205080304" pitchFamily="49" charset="-128"/>
+                        <a:cs typeface="Calibri" panose="020F0502020204030204" pitchFamily="34" charset="0"/>
+                      </a:endParaRPr>
+                    </a:p>
+                  </a:txBody>
+                  <a:tcPr marL="24384" marR="24384" marT="24384" marB="24384"/>
+                </a:tc>
+                <a:tc>
+                  <a:txBody>
+                    <a:bodyPr/>
+                    <a:lstStyle/>
+                    <a:p>
+                      <a:pPr marL="0" marR="0">
+                        <a:spcBef>
+                          <a:spcPts val="0"/>
+                        </a:spcBef>
+                        <a:spcAft>
+                          <a:spcPts val="600"/>
+                        </a:spcAft>
+                      </a:pPr>
+                      <a:endParaRPr lang="en-US" sz="1200" dirty="0">
+                        <a:effectLst/>
+                        <a:latin typeface="+mn-lt"/>
+                        <a:ea typeface="MS Mincho" panose="02020609040205080304" pitchFamily="49" charset="-128"/>
+                        <a:cs typeface="Calibri" panose="020F0502020204030204" pitchFamily="34" charset="0"/>
+                      </a:endParaRPr>
+                    </a:p>
+                  </a:txBody>
+                  <a:tcPr marL="24384" marR="24384" marT="24384" marB="24384"/>
+                </a:tc>
+                <a:tc>
+                  <a:txBody>
+                    <a:bodyPr/>
+                    <a:lstStyle/>
+                    <a:p>
+                      <a:pPr marL="0" marR="0">
+                        <a:spcBef>
+                          <a:spcPts val="0"/>
+                        </a:spcBef>
+                        <a:spcAft>
+                          <a:spcPts val="600"/>
+                        </a:spcAft>
+                      </a:pPr>
+                      <a:endParaRPr lang="en-US" sz="1200" dirty="0">
+                        <a:effectLst/>
+                        <a:latin typeface="+mn-lt"/>
+                        <a:ea typeface="MS Mincho" panose="02020609040205080304" pitchFamily="49" charset="-128"/>
+                        <a:cs typeface="Calibri" panose="020F0502020204030204" pitchFamily="34" charset="0"/>
+                      </a:endParaRPr>
                     </a:p>
                   </a:txBody>
                   <a:tcPr marL="24384" marR="24384" marT="24384" marB="24384"/>
@@ -15617,2780 +16680,6 @@
     <p:extLst>
       <p:ext uri="{BB962C8B-B14F-4D97-AF65-F5344CB8AC3E}">
         <p14:creationId xmlns:p14="http://schemas.microsoft.com/office/powerpoint/2010/main" val="4242687001"/>
-      </p:ext>
-    </p:extLst>
-  </p:cSld>
-  <p:clrMapOvr>
-    <a:masterClrMapping/>
-  </p:clrMapOvr>
-</p:sld>
-</file>
-
-<file path=ppt/slides/slide8.xml><?xml version="1.0" encoding="utf-8"?>
-<p:sld xmlns:a="http://schemas.openxmlformats.org/drawingml/2006/main" xmlns:r="http://schemas.openxmlformats.org/officeDocument/2006/relationships" xmlns:p="http://schemas.openxmlformats.org/presentationml/2006/main">
-  <p:cSld>
-    <p:spTree>
-      <p:nvGrpSpPr>
-        <p:cNvPr id="1" name=""/>
-        <p:cNvGrpSpPr/>
-        <p:nvPr/>
-      </p:nvGrpSpPr>
-      <p:grpSpPr>
-        <a:xfrm>
-          <a:off x="0" y="0"/>
-          <a:ext cx="0" cy="0"/>
-          <a:chOff x="0" y="0"/>
-          <a:chExt cx="0" cy="0"/>
-        </a:xfrm>
-      </p:grpSpPr>
-      <p:sp>
-        <p:nvSpPr>
-          <p:cNvPr id="7" name="Title 6">
-            <a:extLst>
-              <a:ext uri="{FF2B5EF4-FFF2-40B4-BE49-F238E27FC236}">
-                <a16:creationId xmlns:a16="http://schemas.microsoft.com/office/drawing/2014/main" id="{7235E168-CD9B-CF75-2B74-3124823D5274}"/>
-              </a:ext>
-            </a:extLst>
-          </p:cNvPr>
-          <p:cNvSpPr>
-            <a:spLocks noGrp="1"/>
-          </p:cNvSpPr>
-          <p:nvPr>
-            <p:ph type="title"/>
-          </p:nvPr>
-        </p:nvSpPr>
-        <p:spPr>
-          <a:xfrm>
-            <a:off x="1724526" y="206391"/>
-            <a:ext cx="10199702" cy="755509"/>
-          </a:xfrm>
-        </p:spPr>
-        <p:txBody>
-          <a:bodyPr/>
-          <a:lstStyle/>
-          <a:p>
-            <a:r>
-              <a:rPr lang="en-US" dirty="0">
-                <a:solidFill>
-                  <a:schemeClr val="tx1"/>
-                </a:solidFill>
-              </a:rPr>
-              <a:t>ERT-XX-XX: Proposed Project Activities for FY25 </a:t>
-            </a:r>
-          </a:p>
-        </p:txBody>
-      </p:sp>
-      <p:graphicFrame>
-        <p:nvGraphicFramePr>
-          <p:cNvPr id="2" name="Table 16">
-            <a:extLst>
-              <a:ext uri="{FF2B5EF4-FFF2-40B4-BE49-F238E27FC236}">
-                <a16:creationId xmlns:a16="http://schemas.microsoft.com/office/drawing/2014/main" id="{D81930B1-A88C-7BCD-F33E-3424B76FB0E6}"/>
-              </a:ext>
-            </a:extLst>
-          </p:cNvPr>
-          <p:cNvGraphicFramePr>
-            <a:graphicFrameLocks/>
-          </p:cNvGraphicFramePr>
-          <p:nvPr/>
-        </p:nvGraphicFramePr>
-        <p:xfrm>
-          <a:off x="1" y="961900"/>
-          <a:ext cx="12192005" cy="5842986"/>
-        </p:xfrm>
-        <a:graphic>
-          <a:graphicData uri="http://schemas.openxmlformats.org/drawingml/2006/table">
-            <a:tbl>
-              <a:tblPr firstRow="1" bandRow="1">
-                <a:tableStyleId>{5C22544A-7EE6-4342-B048-85BDC9FD1C3A}</a:tableStyleId>
-              </a:tblPr>
-              <a:tblGrid>
-                <a:gridCol w="2207503">
-                  <a:extLst>
-                    <a:ext uri="{9D8B030D-6E8A-4147-A177-3AD203B41FA5}">
-                      <a16:colId xmlns:a16="http://schemas.microsoft.com/office/drawing/2014/main" val="2542010261"/>
-                    </a:ext>
-                  </a:extLst>
-                </a:gridCol>
-                <a:gridCol w="1215318">
-                  <a:extLst>
-                    <a:ext uri="{9D8B030D-6E8A-4147-A177-3AD203B41FA5}">
-                      <a16:colId xmlns:a16="http://schemas.microsoft.com/office/drawing/2014/main" val="537557957"/>
-                    </a:ext>
-                  </a:extLst>
-                </a:gridCol>
-                <a:gridCol w="1215318">
-                  <a:extLst>
-                    <a:ext uri="{9D8B030D-6E8A-4147-A177-3AD203B41FA5}">
-                      <a16:colId xmlns:a16="http://schemas.microsoft.com/office/drawing/2014/main" val="1272271172"/>
-                    </a:ext>
-                  </a:extLst>
-                </a:gridCol>
-                <a:gridCol w="886234">
-                  <a:extLst>
-                    <a:ext uri="{9D8B030D-6E8A-4147-A177-3AD203B41FA5}">
-                      <a16:colId xmlns:a16="http://schemas.microsoft.com/office/drawing/2014/main" val="2612829550"/>
-                    </a:ext>
-                  </a:extLst>
-                </a:gridCol>
-                <a:gridCol w="886234">
-                  <a:extLst>
-                    <a:ext uri="{9D8B030D-6E8A-4147-A177-3AD203B41FA5}">
-                      <a16:colId xmlns:a16="http://schemas.microsoft.com/office/drawing/2014/main" val="2379689923"/>
-                    </a:ext>
-                  </a:extLst>
-                </a:gridCol>
-                <a:gridCol w="886234">
-                  <a:extLst>
-                    <a:ext uri="{9D8B030D-6E8A-4147-A177-3AD203B41FA5}">
-                      <a16:colId xmlns:a16="http://schemas.microsoft.com/office/drawing/2014/main" val="835702119"/>
-                    </a:ext>
-                  </a:extLst>
-                </a:gridCol>
-                <a:gridCol w="886234">
-                  <a:extLst>
-                    <a:ext uri="{9D8B030D-6E8A-4147-A177-3AD203B41FA5}">
-                      <a16:colId xmlns:a16="http://schemas.microsoft.com/office/drawing/2014/main" val="1992486238"/>
-                    </a:ext>
-                  </a:extLst>
-                </a:gridCol>
-                <a:gridCol w="886234">
-                  <a:extLst>
-                    <a:ext uri="{9D8B030D-6E8A-4147-A177-3AD203B41FA5}">
-                      <a16:colId xmlns:a16="http://schemas.microsoft.com/office/drawing/2014/main" val="1983802552"/>
-                    </a:ext>
-                  </a:extLst>
-                </a:gridCol>
-                <a:gridCol w="582317">
-                  <a:extLst>
-                    <a:ext uri="{9D8B030D-6E8A-4147-A177-3AD203B41FA5}">
-                      <a16:colId xmlns:a16="http://schemas.microsoft.com/office/drawing/2014/main" val="3347708002"/>
-                    </a:ext>
-                  </a:extLst>
-                </a:gridCol>
-                <a:gridCol w="675604">
-                  <a:extLst>
-                    <a:ext uri="{9D8B030D-6E8A-4147-A177-3AD203B41FA5}">
-                      <a16:colId xmlns:a16="http://schemas.microsoft.com/office/drawing/2014/main" val="670443815"/>
-                    </a:ext>
-                  </a:extLst>
-                </a:gridCol>
-                <a:gridCol w="1864775">
-                  <a:extLst>
-                    <a:ext uri="{9D8B030D-6E8A-4147-A177-3AD203B41FA5}">
-                      <a16:colId xmlns:a16="http://schemas.microsoft.com/office/drawing/2014/main" val="2601945297"/>
-                    </a:ext>
-                  </a:extLst>
-                </a:gridCol>
-              </a:tblGrid>
-              <a:tr h="993066">
-                <a:tc>
-                  <a:txBody>
-                    <a:bodyPr/>
-                    <a:lstStyle/>
-                    <a:p>
-                      <a:pPr marL="0" marR="0" algn="ctr">
-                        <a:lnSpc>
-                          <a:spcPct val="115000"/>
-                        </a:lnSpc>
-                        <a:spcBef>
-                          <a:spcPts val="0"/>
-                        </a:spcBef>
-                        <a:spcAft>
-                          <a:spcPts val="600"/>
-                        </a:spcAft>
-                      </a:pPr>
-                      <a:r>
-                        <a:rPr lang="en-US" sz="1200" b="1" dirty="0">
-                          <a:solidFill>
-                            <a:schemeClr val="bg2"/>
-                          </a:solidFill>
-                          <a:effectLst/>
-                          <a:latin typeface="+mn-lt"/>
-                          <a:ea typeface="MS Mincho" panose="02020609040205080304" pitchFamily="49" charset="-128"/>
-                          <a:cs typeface="Calibri" panose="020F0502020204030204" pitchFamily="34" charset="0"/>
-                        </a:rPr>
-                        <a:t>Activity</a:t>
-                      </a:r>
-                      <a:endParaRPr lang="en-US" sz="1200" dirty="0">
-                        <a:solidFill>
-                          <a:schemeClr val="bg2"/>
-                        </a:solidFill>
-                        <a:effectLst/>
-                        <a:latin typeface="+mn-lt"/>
-                        <a:ea typeface="MS Mincho" panose="02020609040205080304" pitchFamily="49" charset="-128"/>
-                        <a:cs typeface="Times New Roman" panose="02020603050405020304" pitchFamily="18" charset="0"/>
-                      </a:endParaRPr>
-                    </a:p>
-                  </a:txBody>
-                  <a:tcPr marL="24384" marR="24384" marT="24384" marB="24384" anchor="ctr">
-                    <a:solidFill>
-                      <a:srgbClr val="7688AA"/>
-                    </a:solidFill>
-                  </a:tcPr>
-                </a:tc>
-                <a:tc>
-                  <a:txBody>
-                    <a:bodyPr/>
-                    <a:lstStyle/>
-                    <a:p>
-                      <a:pPr marL="0" marR="0" algn="ctr">
-                        <a:lnSpc>
-                          <a:spcPct val="115000"/>
-                        </a:lnSpc>
-                        <a:spcBef>
-                          <a:spcPts val="0"/>
-                        </a:spcBef>
-                        <a:spcAft>
-                          <a:spcPts val="600"/>
-                        </a:spcAft>
-                      </a:pPr>
-                      <a:r>
-                        <a:rPr lang="en-US" sz="1200" b="1" dirty="0">
-                          <a:solidFill>
-                            <a:schemeClr val="bg2"/>
-                          </a:solidFill>
-                          <a:effectLst/>
-                          <a:latin typeface="+mn-lt"/>
-                          <a:ea typeface="MS Mincho" panose="02020609040205080304" pitchFamily="49" charset="-128"/>
-                          <a:cs typeface="Calibri" panose="020F0502020204030204" pitchFamily="34" charset="0"/>
-                        </a:rPr>
-                        <a:t>Deliverable</a:t>
-                      </a:r>
-                      <a:endParaRPr lang="en-US" sz="1200" dirty="0">
-                        <a:solidFill>
-                          <a:schemeClr val="bg2"/>
-                        </a:solidFill>
-                        <a:effectLst/>
-                        <a:latin typeface="+mn-lt"/>
-                        <a:ea typeface="MS Mincho" panose="02020609040205080304" pitchFamily="49" charset="-128"/>
-                        <a:cs typeface="Times New Roman" panose="02020603050405020304" pitchFamily="18" charset="0"/>
-                      </a:endParaRPr>
-                    </a:p>
-                  </a:txBody>
-                  <a:tcPr marL="24384" marR="24384" marT="24384" marB="24384" anchor="ctr">
-                    <a:solidFill>
-                      <a:srgbClr val="7688AA"/>
-                    </a:solidFill>
-                  </a:tcPr>
-                </a:tc>
-                <a:tc>
-                  <a:txBody>
-                    <a:bodyPr/>
-                    <a:lstStyle/>
-                    <a:p>
-                      <a:pPr marL="0" marR="0" algn="ctr">
-                        <a:lnSpc>
-                          <a:spcPct val="115000"/>
-                        </a:lnSpc>
-                        <a:spcBef>
-                          <a:spcPts val="0"/>
-                        </a:spcBef>
-                        <a:spcAft>
-                          <a:spcPts val="600"/>
-                        </a:spcAft>
-                      </a:pPr>
-                      <a:r>
-                        <a:rPr lang="en-US" sz="1200" b="1" dirty="0">
-                          <a:solidFill>
-                            <a:schemeClr val="bg2"/>
-                          </a:solidFill>
-                          <a:effectLst/>
-                          <a:latin typeface="+mn-lt"/>
-                          <a:ea typeface="MS Mincho" panose="02020609040205080304" pitchFamily="49" charset="-128"/>
-                          <a:cs typeface="Calibri" panose="020F0502020204030204" pitchFamily="34" charset="0"/>
-                        </a:rPr>
-                        <a:t>Comms / Technical Transfer Plan</a:t>
-                      </a:r>
-                      <a:endParaRPr lang="en-US" sz="1200" dirty="0">
-                        <a:solidFill>
-                          <a:schemeClr val="bg2"/>
-                        </a:solidFill>
-                        <a:effectLst/>
-                        <a:latin typeface="+mn-lt"/>
-                        <a:ea typeface="MS Mincho" panose="02020609040205080304" pitchFamily="49" charset="-128"/>
-                        <a:cs typeface="Times New Roman" panose="02020603050405020304" pitchFamily="18" charset="0"/>
-                      </a:endParaRPr>
-                    </a:p>
-                  </a:txBody>
-                  <a:tcPr marL="24384" marR="24384" marT="24384" marB="24384" anchor="ctr">
-                    <a:solidFill>
-                      <a:srgbClr val="7688AA"/>
-                    </a:solidFill>
-                  </a:tcPr>
-                </a:tc>
-                <a:tc>
-                  <a:txBody>
-                    <a:bodyPr/>
-                    <a:lstStyle/>
-                    <a:p>
-                      <a:pPr marL="0" marR="0" algn="ctr">
-                        <a:lnSpc>
-                          <a:spcPct val="115000"/>
-                        </a:lnSpc>
-                        <a:spcBef>
-                          <a:spcPts val="0"/>
-                        </a:spcBef>
-                        <a:spcAft>
-                          <a:spcPts val="600"/>
-                        </a:spcAft>
-                      </a:pPr>
-                      <a:r>
-                        <a:rPr lang="en-US" sz="1200" b="1" dirty="0">
-                          <a:solidFill>
-                            <a:schemeClr val="bg2"/>
-                          </a:solidFill>
-                          <a:effectLst/>
-                          <a:latin typeface="+mn-lt"/>
-                          <a:ea typeface="MS Mincho" panose="02020609040205080304" pitchFamily="49" charset="-128"/>
-                          <a:cs typeface="Calibri" panose="020F0502020204030204" pitchFamily="34" charset="0"/>
-                        </a:rPr>
-                        <a:t>Lead POC</a:t>
-                      </a:r>
-                      <a:endParaRPr lang="en-US" sz="1200" dirty="0">
-                        <a:solidFill>
-                          <a:schemeClr val="bg2"/>
-                        </a:solidFill>
-                        <a:effectLst/>
-                        <a:latin typeface="+mn-lt"/>
-                        <a:ea typeface="MS Mincho" panose="02020609040205080304" pitchFamily="49" charset="-128"/>
-                        <a:cs typeface="Times New Roman" panose="02020603050405020304" pitchFamily="18" charset="0"/>
-                      </a:endParaRPr>
-                    </a:p>
-                  </a:txBody>
-                  <a:tcPr marL="24384" marR="24384" marT="24384" marB="24384" anchor="ctr">
-                    <a:solidFill>
-                      <a:srgbClr val="7688AA"/>
-                    </a:solidFill>
-                  </a:tcPr>
-                </a:tc>
-                <a:tc>
-                  <a:txBody>
-                    <a:bodyPr/>
-                    <a:lstStyle/>
-                    <a:p>
-                      <a:pPr marL="0" marR="0" algn="ctr">
-                        <a:lnSpc>
-                          <a:spcPct val="115000"/>
-                        </a:lnSpc>
-                        <a:spcBef>
-                          <a:spcPts val="0"/>
-                        </a:spcBef>
-                        <a:spcAft>
-                          <a:spcPts val="600"/>
-                        </a:spcAft>
-                      </a:pPr>
-                      <a:r>
-                        <a:rPr lang="en-US" sz="1200" b="1" dirty="0">
-                          <a:solidFill>
-                            <a:schemeClr val="bg2"/>
-                          </a:solidFill>
-                          <a:effectLst/>
-                          <a:latin typeface="+mn-lt"/>
-                          <a:ea typeface="MS Mincho" panose="02020609040205080304" pitchFamily="49" charset="-128"/>
-                          <a:cs typeface="Calibri" panose="020F0502020204030204" pitchFamily="34" charset="0"/>
-                        </a:rPr>
-                        <a:t>Original Start Date (MM/YYYY)</a:t>
-                      </a:r>
-                      <a:endParaRPr lang="en-US" sz="1200" dirty="0">
-                        <a:solidFill>
-                          <a:schemeClr val="bg2"/>
-                        </a:solidFill>
-                        <a:effectLst/>
-                        <a:latin typeface="+mn-lt"/>
-                        <a:ea typeface="MS Mincho" panose="02020609040205080304" pitchFamily="49" charset="-128"/>
-                        <a:cs typeface="Times New Roman" panose="02020603050405020304" pitchFamily="18" charset="0"/>
-                      </a:endParaRPr>
-                    </a:p>
-                  </a:txBody>
-                  <a:tcPr marL="24384" marR="24384" marT="24384" marB="24384" anchor="ctr">
-                    <a:solidFill>
-                      <a:srgbClr val="7688AA"/>
-                    </a:solidFill>
-                  </a:tcPr>
-                </a:tc>
-                <a:tc>
-                  <a:txBody>
-                    <a:bodyPr/>
-                    <a:lstStyle/>
-                    <a:p>
-                      <a:pPr marL="0" marR="0" algn="ctr">
-                        <a:lnSpc>
-                          <a:spcPct val="115000"/>
-                        </a:lnSpc>
-                        <a:spcBef>
-                          <a:spcPts val="0"/>
-                        </a:spcBef>
-                        <a:spcAft>
-                          <a:spcPts val="600"/>
-                        </a:spcAft>
-                      </a:pPr>
-                      <a:r>
-                        <a:rPr lang="en-US" sz="1200" b="1" dirty="0">
-                          <a:solidFill>
-                            <a:schemeClr val="bg2"/>
-                          </a:solidFill>
-                          <a:effectLst/>
-                          <a:latin typeface="+mn-lt"/>
-                          <a:ea typeface="MS Mincho" panose="02020609040205080304" pitchFamily="49" charset="-128"/>
-                          <a:cs typeface="Times New Roman" panose="02020603050405020304" pitchFamily="18" charset="0"/>
-                        </a:rPr>
-                        <a:t>Actual Start Date </a:t>
-                      </a:r>
-                      <a:r>
-                        <a:rPr lang="en-US" sz="1200" b="1" dirty="0">
-                          <a:solidFill>
-                            <a:schemeClr val="bg2"/>
-                          </a:solidFill>
-                          <a:effectLst/>
-                          <a:latin typeface="+mn-lt"/>
-                          <a:ea typeface="MS Mincho" panose="02020609040205080304" pitchFamily="49" charset="-128"/>
-                          <a:cs typeface="Calibri" panose="020F0502020204030204" pitchFamily="34" charset="0"/>
-                        </a:rPr>
-                        <a:t>(MM/YYYY)</a:t>
-                      </a:r>
-                      <a:endParaRPr lang="en-US" sz="1200" b="1" dirty="0">
-                        <a:solidFill>
-                          <a:schemeClr val="bg2"/>
-                        </a:solidFill>
-                        <a:effectLst/>
-                        <a:latin typeface="+mn-lt"/>
-                        <a:ea typeface="MS Mincho" panose="02020609040205080304" pitchFamily="49" charset="-128"/>
-                        <a:cs typeface="Times New Roman" panose="02020603050405020304" pitchFamily="18" charset="0"/>
-                      </a:endParaRPr>
-                    </a:p>
-                  </a:txBody>
-                  <a:tcPr marL="24384" marR="24384" marT="24384" marB="24384" anchor="ctr">
-                    <a:solidFill>
-                      <a:srgbClr val="7688AA"/>
-                    </a:solidFill>
-                  </a:tcPr>
-                </a:tc>
-                <a:tc>
-                  <a:txBody>
-                    <a:bodyPr/>
-                    <a:lstStyle/>
-                    <a:p>
-                      <a:pPr marL="0" marR="0" algn="ctr">
-                        <a:lnSpc>
-                          <a:spcPct val="115000"/>
-                        </a:lnSpc>
-                        <a:spcBef>
-                          <a:spcPts val="0"/>
-                        </a:spcBef>
-                        <a:spcAft>
-                          <a:spcPts val="600"/>
-                        </a:spcAft>
-                      </a:pPr>
-                      <a:r>
-                        <a:rPr lang="en-US" sz="1200" b="1" dirty="0">
-                          <a:solidFill>
-                            <a:schemeClr val="bg2"/>
-                          </a:solidFill>
-                          <a:effectLst/>
-                          <a:latin typeface="+mn-lt"/>
-                          <a:ea typeface="MS Mincho" panose="02020609040205080304" pitchFamily="49" charset="-128"/>
-                          <a:cs typeface="Calibri" panose="020F0502020204030204" pitchFamily="34" charset="0"/>
-                        </a:rPr>
-                        <a:t>Original  End Date (MM/YYYY)</a:t>
-                      </a:r>
-                      <a:endParaRPr lang="en-US" sz="1200" dirty="0">
-                        <a:solidFill>
-                          <a:schemeClr val="bg2"/>
-                        </a:solidFill>
-                        <a:effectLst/>
-                        <a:latin typeface="+mn-lt"/>
-                        <a:ea typeface="MS Mincho" panose="02020609040205080304" pitchFamily="49" charset="-128"/>
-                        <a:cs typeface="Times New Roman" panose="02020603050405020304" pitchFamily="18" charset="0"/>
-                      </a:endParaRPr>
-                    </a:p>
-                  </a:txBody>
-                  <a:tcPr marL="24384" marR="24384" marT="24384" marB="24384" anchor="ctr">
-                    <a:solidFill>
-                      <a:srgbClr val="7688AA"/>
-                    </a:solidFill>
-                  </a:tcPr>
-                </a:tc>
-                <a:tc>
-                  <a:txBody>
-                    <a:bodyPr/>
-                    <a:lstStyle/>
-                    <a:p>
-                      <a:pPr marL="0" marR="0" algn="ctr">
-                        <a:lnSpc>
-                          <a:spcPct val="115000"/>
-                        </a:lnSpc>
-                        <a:spcBef>
-                          <a:spcPts val="0"/>
-                        </a:spcBef>
-                        <a:spcAft>
-                          <a:spcPts val="600"/>
-                        </a:spcAft>
-                      </a:pPr>
-                      <a:r>
-                        <a:rPr lang="en-US" sz="1200" b="1" dirty="0">
-                          <a:solidFill>
-                            <a:schemeClr val="bg2"/>
-                          </a:solidFill>
-                          <a:effectLst/>
-                          <a:latin typeface="+mn-lt"/>
-                          <a:ea typeface="MS Mincho" panose="02020609040205080304" pitchFamily="49" charset="-128"/>
-                          <a:cs typeface="Calibri" panose="020F0502020204030204" pitchFamily="34" charset="0"/>
-                        </a:rPr>
-                        <a:t>Actual End Date (MM/YYYY)</a:t>
-                      </a:r>
-                      <a:endParaRPr lang="en-US" sz="1200" dirty="0">
-                        <a:solidFill>
-                          <a:schemeClr val="bg2"/>
-                        </a:solidFill>
-                        <a:effectLst/>
-                        <a:latin typeface="+mn-lt"/>
-                        <a:ea typeface="MS Mincho" panose="02020609040205080304" pitchFamily="49" charset="-128"/>
-                        <a:cs typeface="Times New Roman" panose="02020603050405020304" pitchFamily="18" charset="0"/>
-                      </a:endParaRPr>
-                    </a:p>
-                  </a:txBody>
-                  <a:tcPr marL="24384" marR="24384" marT="24384" marB="24384" anchor="ctr">
-                    <a:solidFill>
-                      <a:srgbClr val="7688AA"/>
-                    </a:solidFill>
-                  </a:tcPr>
-                </a:tc>
-                <a:tc>
-                  <a:txBody>
-                    <a:bodyPr/>
-                    <a:lstStyle/>
-                    <a:p>
-                      <a:pPr marL="0" marR="0" algn="ctr">
-                        <a:lnSpc>
-                          <a:spcPct val="115000"/>
-                        </a:lnSpc>
-                        <a:spcBef>
-                          <a:spcPts val="0"/>
-                        </a:spcBef>
-                        <a:spcAft>
-                          <a:spcPts val="600"/>
-                        </a:spcAft>
-                      </a:pPr>
-                      <a:r>
-                        <a:rPr lang="en-US" sz="1200" b="1" dirty="0">
-                          <a:solidFill>
-                            <a:schemeClr val="bg2"/>
-                          </a:solidFill>
-                          <a:effectLst/>
-                          <a:latin typeface="+mn-lt"/>
-                          <a:ea typeface="MS Mincho" panose="02020609040205080304" pitchFamily="49" charset="-128"/>
-                          <a:cs typeface="Times New Roman" panose="02020603050405020304" pitchFamily="18" charset="0"/>
-                        </a:rPr>
-                        <a:t>Budget ($K)</a:t>
-                      </a:r>
-                    </a:p>
-                  </a:txBody>
-                  <a:tcPr marL="24384" marR="24384" marT="24384" marB="24384" anchor="ctr">
-                    <a:solidFill>
-                      <a:srgbClr val="7688AA"/>
-                    </a:solidFill>
-                  </a:tcPr>
-                </a:tc>
-                <a:tc>
-                  <a:txBody>
-                    <a:bodyPr/>
-                    <a:lstStyle/>
-                    <a:p>
-                      <a:pPr marL="0" marR="0" algn="ctr">
-                        <a:lnSpc>
-                          <a:spcPct val="115000"/>
-                        </a:lnSpc>
-                        <a:spcBef>
-                          <a:spcPts val="0"/>
-                        </a:spcBef>
-                        <a:spcAft>
-                          <a:spcPts val="600"/>
-                        </a:spcAft>
-                      </a:pPr>
-                      <a:r>
-                        <a:rPr lang="en-US" sz="1200" b="1" dirty="0">
-                          <a:solidFill>
-                            <a:schemeClr val="bg2"/>
-                          </a:solidFill>
-                          <a:effectLst/>
-                          <a:latin typeface="+mn-lt"/>
-                          <a:ea typeface="MS Mincho" panose="02020609040205080304" pitchFamily="49" charset="-128"/>
-                          <a:cs typeface="Calibri" panose="020F0502020204030204" pitchFamily="34" charset="0"/>
-                        </a:rPr>
-                        <a:t>Percent Complete (%)</a:t>
-                      </a:r>
-                      <a:endParaRPr lang="en-US" sz="1200" dirty="0">
-                        <a:solidFill>
-                          <a:schemeClr val="bg2"/>
-                        </a:solidFill>
-                        <a:effectLst/>
-                        <a:latin typeface="+mn-lt"/>
-                        <a:ea typeface="MS Mincho" panose="02020609040205080304" pitchFamily="49" charset="-128"/>
-                        <a:cs typeface="Times New Roman" panose="02020603050405020304" pitchFamily="18" charset="0"/>
-                      </a:endParaRPr>
-                    </a:p>
-                  </a:txBody>
-                  <a:tcPr marL="24384" marR="24384" marT="24384" marB="24384" anchor="ctr">
-                    <a:solidFill>
-                      <a:srgbClr val="7688AA"/>
-                    </a:solidFill>
-                  </a:tcPr>
-                </a:tc>
-                <a:tc>
-                  <a:txBody>
-                    <a:bodyPr/>
-                    <a:lstStyle/>
-                    <a:p>
-                      <a:pPr marL="0" marR="0" algn="ctr">
-                        <a:spcBef>
-                          <a:spcPts val="0"/>
-                        </a:spcBef>
-                        <a:spcAft>
-                          <a:spcPts val="600"/>
-                        </a:spcAft>
-                      </a:pPr>
-                      <a:r>
-                        <a:rPr lang="en-US" sz="1200" dirty="0">
-                          <a:solidFill>
-                            <a:schemeClr val="bg2"/>
-                          </a:solidFill>
-                          <a:effectLst/>
-                          <a:latin typeface="+mn-lt"/>
-                          <a:ea typeface="MS Mincho" panose="02020609040205080304" pitchFamily="49" charset="-128"/>
-                          <a:cs typeface="Times New Roman" panose="02020603050405020304" pitchFamily="18" charset="0"/>
-                        </a:rPr>
-                        <a:t>Notes</a:t>
-                      </a:r>
-                    </a:p>
-                  </a:txBody>
-                  <a:tcPr marL="24384" marR="24384" marT="24384" marB="24384" anchor="ctr">
-                    <a:solidFill>
-                      <a:srgbClr val="7688AA"/>
-                    </a:solidFill>
-                  </a:tcPr>
-                </a:tc>
-                <a:extLst>
-                  <a:ext uri="{0D108BD9-81ED-4DB2-BD59-A6C34878D82A}">
-                    <a16:rowId xmlns:a16="http://schemas.microsoft.com/office/drawing/2014/main" val="3784408905"/>
-                  </a:ext>
-                </a:extLst>
-              </a:tr>
-              <a:tr h="469016">
-                <a:tc>
-                  <a:txBody>
-                    <a:bodyPr/>
-                    <a:lstStyle/>
-                    <a:p>
-                      <a:pPr marL="0" marR="0">
-                        <a:spcBef>
-                          <a:spcPts val="0"/>
-                        </a:spcBef>
-                        <a:spcAft>
-                          <a:spcPts val="600"/>
-                        </a:spcAft>
-                      </a:pPr>
-                      <a:r>
-                        <a:rPr lang="en-US" sz="1200" dirty="0">
-                          <a:solidFill>
-                            <a:srgbClr val="000000"/>
-                          </a:solidFill>
-                          <a:effectLst/>
-                          <a:latin typeface="+mn-lt"/>
-                          <a:ea typeface="MS Mincho" panose="02020609040205080304" pitchFamily="49" charset="-128"/>
-                          <a:cs typeface="Calibri" panose="020F0502020204030204" pitchFamily="34" charset="0"/>
-                        </a:rPr>
-                        <a:t>Develop Course Content</a:t>
-                      </a:r>
-                      <a:endParaRPr lang="en-US" sz="1200" dirty="0">
-                        <a:effectLst/>
-                        <a:latin typeface="+mn-lt"/>
-                        <a:ea typeface="MS Mincho" panose="02020609040205080304" pitchFamily="49" charset="-128"/>
-                        <a:cs typeface="Calibri" panose="020F0502020204030204" pitchFamily="34" charset="0"/>
-                      </a:endParaRPr>
-                    </a:p>
-                  </a:txBody>
-                  <a:tcPr marL="24384" marR="24384" marT="24384" marB="24384"/>
-                </a:tc>
-                <a:tc>
-                  <a:txBody>
-                    <a:bodyPr/>
-                    <a:lstStyle/>
-                    <a:p>
-                      <a:pPr marL="0" marR="0">
-                        <a:spcBef>
-                          <a:spcPts val="0"/>
-                        </a:spcBef>
-                        <a:spcAft>
-                          <a:spcPts val="600"/>
-                        </a:spcAft>
-                      </a:pPr>
-                      <a:r>
-                        <a:rPr lang="en-US" sz="1200" dirty="0" err="1">
-                          <a:solidFill>
-                            <a:srgbClr val="000000"/>
-                          </a:solidFill>
-                          <a:effectLst/>
-                          <a:latin typeface="+mn-lt"/>
-                          <a:ea typeface="MS Mincho" panose="02020609040205080304" pitchFamily="49" charset="-128"/>
-                          <a:cs typeface="Calibri" panose="020F0502020204030204" pitchFamily="34" charset="0"/>
-                        </a:rPr>
-                        <a:t>Powerpoints</a:t>
-                      </a:r>
-                      <a:r>
-                        <a:rPr lang="en-US" sz="1200" dirty="0">
-                          <a:solidFill>
-                            <a:srgbClr val="000000"/>
-                          </a:solidFill>
-                          <a:effectLst/>
-                          <a:latin typeface="+mn-lt"/>
-                          <a:ea typeface="MS Mincho" panose="02020609040205080304" pitchFamily="49" charset="-128"/>
-                          <a:cs typeface="Calibri" panose="020F0502020204030204" pitchFamily="34" charset="0"/>
-                        </a:rPr>
-                        <a:t> of course content</a:t>
-                      </a:r>
-                      <a:endParaRPr lang="en-US" sz="1200" dirty="0">
-                        <a:effectLst/>
-                        <a:latin typeface="+mn-lt"/>
-                        <a:ea typeface="MS Mincho" panose="02020609040205080304" pitchFamily="49" charset="-128"/>
-                        <a:cs typeface="Calibri" panose="020F0502020204030204" pitchFamily="34" charset="0"/>
-                      </a:endParaRPr>
-                    </a:p>
-                  </a:txBody>
-                  <a:tcPr marL="24384" marR="24384" marT="24384" marB="24384"/>
-                </a:tc>
-                <a:tc>
-                  <a:txBody>
-                    <a:bodyPr/>
-                    <a:lstStyle/>
-                    <a:p>
-                      <a:pPr marL="0" marR="0">
-                        <a:spcBef>
-                          <a:spcPts val="0"/>
-                        </a:spcBef>
-                        <a:spcAft>
-                          <a:spcPts val="600"/>
-                        </a:spcAft>
-                      </a:pPr>
-                      <a:endParaRPr lang="en-US" sz="1200" dirty="0">
-                        <a:effectLst/>
-                        <a:latin typeface="+mn-lt"/>
-                        <a:ea typeface="MS Mincho" panose="02020609040205080304" pitchFamily="49" charset="-128"/>
-                        <a:cs typeface="Calibri" panose="020F0502020204030204" pitchFamily="34" charset="0"/>
-                      </a:endParaRPr>
-                    </a:p>
-                  </a:txBody>
-                  <a:tcPr marL="24384" marR="24384" marT="24384" marB="24384"/>
-                </a:tc>
-                <a:tc>
-                  <a:txBody>
-                    <a:bodyPr/>
-                    <a:lstStyle/>
-                    <a:p>
-                      <a:pPr marL="0" marR="0">
-                        <a:spcBef>
-                          <a:spcPts val="0"/>
-                        </a:spcBef>
-                        <a:spcAft>
-                          <a:spcPts val="600"/>
-                        </a:spcAft>
-                      </a:pPr>
-                      <a:r>
-                        <a:rPr lang="en-US" sz="1200" dirty="0">
-                          <a:solidFill>
-                            <a:srgbClr val="000000"/>
-                          </a:solidFill>
-                          <a:effectLst/>
-                          <a:latin typeface="+mn-lt"/>
-                          <a:ea typeface="MS Mincho" panose="02020609040205080304" pitchFamily="49" charset="-128"/>
-                          <a:cs typeface="Calibri" panose="020F0502020204030204" pitchFamily="34" charset="0"/>
-                        </a:rPr>
-                        <a:t>Biedenharn</a:t>
-                      </a:r>
-                      <a:endParaRPr lang="en-US" sz="1200" dirty="0">
-                        <a:effectLst/>
-                        <a:latin typeface="+mn-lt"/>
-                        <a:ea typeface="MS Mincho" panose="02020609040205080304" pitchFamily="49" charset="-128"/>
-                        <a:cs typeface="Calibri" panose="020F0502020204030204" pitchFamily="34" charset="0"/>
-                      </a:endParaRPr>
-                    </a:p>
-                  </a:txBody>
-                  <a:tcPr marL="24384" marR="24384" marT="24384" marB="24384"/>
-                </a:tc>
-                <a:tc>
-                  <a:txBody>
-                    <a:bodyPr/>
-                    <a:lstStyle/>
-                    <a:p>
-                      <a:pPr marL="0" marR="0">
-                        <a:spcBef>
-                          <a:spcPts val="0"/>
-                        </a:spcBef>
-                        <a:spcAft>
-                          <a:spcPts val="600"/>
-                        </a:spcAft>
-                      </a:pPr>
-                      <a:r>
-                        <a:rPr lang="en-US" sz="1200" dirty="0">
-                          <a:solidFill>
-                            <a:srgbClr val="000000"/>
-                          </a:solidFill>
-                          <a:effectLst/>
-                          <a:latin typeface="+mn-lt"/>
-                          <a:ea typeface="MS Mincho" panose="02020609040205080304" pitchFamily="49" charset="-128"/>
-                          <a:cs typeface="Calibri" panose="020F0502020204030204" pitchFamily="34" charset="0"/>
-                        </a:rPr>
-                        <a:t>07/2022</a:t>
-                      </a:r>
-                      <a:endParaRPr lang="en-US" sz="1200" dirty="0">
-                        <a:effectLst/>
-                        <a:latin typeface="+mn-lt"/>
-                        <a:ea typeface="MS Mincho" panose="02020609040205080304" pitchFamily="49" charset="-128"/>
-                        <a:cs typeface="Calibri" panose="020F0502020204030204" pitchFamily="34" charset="0"/>
-                      </a:endParaRPr>
-                    </a:p>
-                  </a:txBody>
-                  <a:tcPr marL="24384" marR="24384" marT="24384" marB="24384"/>
-                </a:tc>
-                <a:tc>
-                  <a:txBody>
-                    <a:bodyPr/>
-                    <a:lstStyle/>
-                    <a:p>
-                      <a:pPr marL="0" marR="0">
-                        <a:spcBef>
-                          <a:spcPts val="0"/>
-                        </a:spcBef>
-                        <a:spcAft>
-                          <a:spcPts val="600"/>
-                        </a:spcAft>
-                      </a:pPr>
-                      <a:endParaRPr lang="en-US" sz="1200" dirty="0">
-                        <a:effectLst/>
-                        <a:latin typeface="+mn-lt"/>
-                        <a:ea typeface="MS Mincho" panose="02020609040205080304" pitchFamily="49" charset="-128"/>
-                        <a:cs typeface="Calibri" panose="020F0502020204030204" pitchFamily="34" charset="0"/>
-                      </a:endParaRPr>
-                    </a:p>
-                  </a:txBody>
-                  <a:tcPr marL="24384" marR="24384" marT="24384" marB="24384"/>
-                </a:tc>
-                <a:tc>
-                  <a:txBody>
-                    <a:bodyPr/>
-                    <a:lstStyle/>
-                    <a:p>
-                      <a:pPr marL="0" marR="0">
-                        <a:spcBef>
-                          <a:spcPts val="0"/>
-                        </a:spcBef>
-                        <a:spcAft>
-                          <a:spcPts val="600"/>
-                        </a:spcAft>
-                      </a:pPr>
-                      <a:r>
-                        <a:rPr lang="en-US" sz="1200" dirty="0">
-                          <a:solidFill>
-                            <a:srgbClr val="000000"/>
-                          </a:solidFill>
-                          <a:effectLst/>
-                          <a:latin typeface="+mn-lt"/>
-                          <a:ea typeface="MS Mincho" panose="02020609040205080304" pitchFamily="49" charset="-128"/>
-                          <a:cs typeface="Calibri" panose="020F0502020204030204" pitchFamily="34" charset="0"/>
-                        </a:rPr>
-                        <a:t>07/2024</a:t>
-                      </a:r>
-                      <a:endParaRPr lang="en-US" sz="1200" dirty="0">
-                        <a:effectLst/>
-                        <a:latin typeface="+mn-lt"/>
-                        <a:ea typeface="MS Mincho" panose="02020609040205080304" pitchFamily="49" charset="-128"/>
-                        <a:cs typeface="Calibri" panose="020F0502020204030204" pitchFamily="34" charset="0"/>
-                      </a:endParaRPr>
-                    </a:p>
-                  </a:txBody>
-                  <a:tcPr marL="24384" marR="24384" marT="24384" marB="24384"/>
-                </a:tc>
-                <a:tc>
-                  <a:txBody>
-                    <a:bodyPr/>
-                    <a:lstStyle/>
-                    <a:p>
-                      <a:pPr marL="0" marR="0">
-                        <a:spcBef>
-                          <a:spcPts val="0"/>
-                        </a:spcBef>
-                        <a:spcAft>
-                          <a:spcPts val="600"/>
-                        </a:spcAft>
-                      </a:pPr>
-                      <a:endParaRPr lang="en-US" sz="1200">
-                        <a:effectLst/>
-                        <a:latin typeface="+mn-lt"/>
-                        <a:ea typeface="MS Mincho" panose="02020609040205080304" pitchFamily="49" charset="-128"/>
-                        <a:cs typeface="Calibri" panose="020F0502020204030204" pitchFamily="34" charset="0"/>
-                      </a:endParaRPr>
-                    </a:p>
-                  </a:txBody>
-                  <a:tcPr marL="24384" marR="24384" marT="24384" marB="24384"/>
-                </a:tc>
-                <a:tc>
-                  <a:txBody>
-                    <a:bodyPr/>
-                    <a:lstStyle/>
-                    <a:p>
-                      <a:pPr marL="0" marR="0">
-                        <a:spcBef>
-                          <a:spcPts val="0"/>
-                        </a:spcBef>
-                        <a:spcAft>
-                          <a:spcPts val="600"/>
-                        </a:spcAft>
-                      </a:pPr>
-                      <a:r>
-                        <a:rPr lang="en-US" sz="1200" dirty="0">
-                          <a:solidFill>
-                            <a:srgbClr val="000000"/>
-                          </a:solidFill>
-                          <a:effectLst/>
-                          <a:latin typeface="+mn-lt"/>
-                          <a:ea typeface="MS Mincho" panose="02020609040205080304" pitchFamily="49" charset="-128"/>
-                          <a:cs typeface="Calibri" panose="020F0502020204030204" pitchFamily="34" charset="0"/>
-                        </a:rPr>
-                        <a:t>$00K</a:t>
-                      </a:r>
-                      <a:endParaRPr lang="en-US" sz="1200" dirty="0">
-                        <a:effectLst/>
-                        <a:latin typeface="+mn-lt"/>
-                        <a:ea typeface="MS Mincho" panose="02020609040205080304" pitchFamily="49" charset="-128"/>
-                        <a:cs typeface="Calibri" panose="020F0502020204030204" pitchFamily="34" charset="0"/>
-                      </a:endParaRPr>
-                    </a:p>
-                  </a:txBody>
-                  <a:tcPr marL="24384" marR="24384" marT="24384" marB="24384"/>
-                </a:tc>
-                <a:tc>
-                  <a:txBody>
-                    <a:bodyPr/>
-                    <a:lstStyle/>
-                    <a:p>
-                      <a:pPr marL="0" marR="0">
-                        <a:spcBef>
-                          <a:spcPts val="0"/>
-                        </a:spcBef>
-                        <a:spcAft>
-                          <a:spcPts val="600"/>
-                        </a:spcAft>
-                      </a:pPr>
-                      <a:r>
-                        <a:rPr lang="en-US" sz="1200" dirty="0">
-                          <a:solidFill>
-                            <a:srgbClr val="000000"/>
-                          </a:solidFill>
-                          <a:effectLst/>
-                          <a:latin typeface="+mn-lt"/>
-                          <a:ea typeface="MS Mincho" panose="02020609040205080304" pitchFamily="49" charset="-128"/>
-                          <a:cs typeface="Calibri" panose="020F0502020204030204" pitchFamily="34" charset="0"/>
-                        </a:rPr>
-                        <a:t>100%</a:t>
-                      </a:r>
-                      <a:endParaRPr lang="en-US" sz="1200" dirty="0">
-                        <a:effectLst/>
-                        <a:latin typeface="+mn-lt"/>
-                        <a:ea typeface="MS Mincho" panose="02020609040205080304" pitchFamily="49" charset="-128"/>
-                        <a:cs typeface="Calibri" panose="020F0502020204030204" pitchFamily="34" charset="0"/>
-                      </a:endParaRPr>
-                    </a:p>
-                  </a:txBody>
-                  <a:tcPr marL="24384" marR="24384" marT="24384" marB="24384"/>
-                </a:tc>
-                <a:tc>
-                  <a:txBody>
-                    <a:bodyPr/>
-                    <a:lstStyle/>
-                    <a:p>
-                      <a:endParaRPr lang="en-US" sz="1200" dirty="0">
-                        <a:latin typeface="+mn-lt"/>
-                      </a:endParaRPr>
-                    </a:p>
-                  </a:txBody>
-                  <a:tcPr marL="24384" marR="24384" marT="24384" marB="24384"/>
-                </a:tc>
-                <a:extLst>
-                  <a:ext uri="{0D108BD9-81ED-4DB2-BD59-A6C34878D82A}">
-                    <a16:rowId xmlns:a16="http://schemas.microsoft.com/office/drawing/2014/main" val="291076823"/>
-                  </a:ext>
-                </a:extLst>
-              </a:tr>
-              <a:tr h="675934">
-                <a:tc>
-                  <a:txBody>
-                    <a:bodyPr/>
-                    <a:lstStyle/>
-                    <a:p>
-                      <a:pPr marL="0" marR="0">
-                        <a:spcBef>
-                          <a:spcPts val="0"/>
-                        </a:spcBef>
-                        <a:spcAft>
-                          <a:spcPts val="600"/>
-                        </a:spcAft>
-                      </a:pPr>
-                      <a:r>
-                        <a:rPr lang="en-US" sz="1200" dirty="0">
-                          <a:effectLst/>
-                          <a:latin typeface="+mn-lt"/>
-                          <a:ea typeface="MS Mincho" panose="02020609040205080304" pitchFamily="49" charset="-128"/>
-                          <a:cs typeface="Calibri" panose="020F0502020204030204" pitchFamily="34" charset="0"/>
-                        </a:rPr>
-                        <a:t>Provide Course Content via a 3-day workshop</a:t>
-                      </a:r>
-                    </a:p>
-                  </a:txBody>
-                  <a:tcPr marL="24384" marR="24384" marT="24384" marB="24384"/>
-                </a:tc>
-                <a:tc>
-                  <a:txBody>
-                    <a:bodyPr/>
-                    <a:lstStyle/>
-                    <a:p>
-                      <a:pPr marL="0" marR="0">
-                        <a:spcBef>
-                          <a:spcPts val="0"/>
-                        </a:spcBef>
-                        <a:spcAft>
-                          <a:spcPts val="600"/>
-                        </a:spcAft>
-                      </a:pPr>
-                      <a:r>
-                        <a:rPr lang="en-US" sz="1200" dirty="0">
-                          <a:effectLst/>
-                          <a:latin typeface="+mn-lt"/>
-                          <a:ea typeface="MS Mincho" panose="02020609040205080304" pitchFamily="49" charset="-128"/>
-                          <a:cs typeface="Calibri" panose="020F0502020204030204" pitchFamily="34" charset="0"/>
-                        </a:rPr>
-                        <a:t>Recorded in-person workshop </a:t>
-                      </a:r>
-                    </a:p>
-                  </a:txBody>
-                  <a:tcPr marL="24384" marR="24384" marT="24384" marB="24384"/>
-                </a:tc>
-                <a:tc>
-                  <a:txBody>
-                    <a:bodyPr/>
-                    <a:lstStyle/>
-                    <a:p>
-                      <a:pPr marL="0" marR="0">
-                        <a:spcBef>
-                          <a:spcPts val="0"/>
-                        </a:spcBef>
-                        <a:spcAft>
-                          <a:spcPts val="600"/>
-                        </a:spcAft>
-                      </a:pPr>
-                      <a:r>
-                        <a:rPr lang="en-US" sz="1200">
-                          <a:effectLst/>
-                          <a:latin typeface="+mn-lt"/>
-                          <a:ea typeface="MS Mincho" panose="02020609040205080304" pitchFamily="49" charset="-128"/>
-                          <a:cs typeface="Calibri" panose="020F0502020204030204" pitchFamily="34" charset="0"/>
-                        </a:rPr>
-                        <a:t>In-person workshop</a:t>
-                      </a:r>
-                    </a:p>
-                  </a:txBody>
-                  <a:tcPr marL="24384" marR="24384" marT="24384" marB="24384"/>
-                </a:tc>
-                <a:tc>
-                  <a:txBody>
-                    <a:bodyPr/>
-                    <a:lstStyle/>
-                    <a:p>
-                      <a:pPr marL="0" marR="0">
-                        <a:spcBef>
-                          <a:spcPts val="0"/>
-                        </a:spcBef>
-                        <a:spcAft>
-                          <a:spcPts val="600"/>
-                        </a:spcAft>
-                      </a:pPr>
-                      <a:r>
-                        <a:rPr lang="en-US" sz="1200">
-                          <a:effectLst/>
-                          <a:latin typeface="+mn-lt"/>
-                          <a:ea typeface="MS Mincho" panose="02020609040205080304" pitchFamily="49" charset="-128"/>
-                          <a:cs typeface="Calibri" panose="020F0502020204030204" pitchFamily="34" charset="0"/>
-                        </a:rPr>
-                        <a:t>Brauer</a:t>
-                      </a:r>
-                    </a:p>
-                  </a:txBody>
-                  <a:tcPr marL="24384" marR="24384" marT="24384" marB="24384"/>
-                </a:tc>
-                <a:tc>
-                  <a:txBody>
-                    <a:bodyPr/>
-                    <a:lstStyle/>
-                    <a:p>
-                      <a:pPr marL="0" marR="0">
-                        <a:spcBef>
-                          <a:spcPts val="0"/>
-                        </a:spcBef>
-                        <a:spcAft>
-                          <a:spcPts val="600"/>
-                        </a:spcAft>
-                      </a:pPr>
-                      <a:r>
-                        <a:rPr lang="en-US" sz="1200" dirty="0">
-                          <a:effectLst/>
-                          <a:latin typeface="+mn-lt"/>
-                          <a:ea typeface="MS Mincho" panose="02020609040205080304" pitchFamily="49" charset="-128"/>
-                          <a:cs typeface="Calibri" panose="020F0502020204030204" pitchFamily="34" charset="0"/>
-                        </a:rPr>
-                        <a:t>07/2024</a:t>
-                      </a:r>
-                    </a:p>
-                  </a:txBody>
-                  <a:tcPr marL="24384" marR="24384" marT="24384" marB="24384"/>
-                </a:tc>
-                <a:tc>
-                  <a:txBody>
-                    <a:bodyPr/>
-                    <a:lstStyle/>
-                    <a:p>
-                      <a:pPr marL="0" marR="0">
-                        <a:spcBef>
-                          <a:spcPts val="0"/>
-                        </a:spcBef>
-                        <a:spcAft>
-                          <a:spcPts val="600"/>
-                        </a:spcAft>
-                      </a:pPr>
-                      <a:endParaRPr lang="en-US" sz="1200" dirty="0">
-                        <a:effectLst/>
-                        <a:latin typeface="+mn-lt"/>
-                        <a:ea typeface="MS Mincho" panose="02020609040205080304" pitchFamily="49" charset="-128"/>
-                        <a:cs typeface="Calibri" panose="020F0502020204030204" pitchFamily="34" charset="0"/>
-                      </a:endParaRPr>
-                    </a:p>
-                  </a:txBody>
-                  <a:tcPr marL="24384" marR="24384" marT="24384" marB="24384"/>
-                </a:tc>
-                <a:tc>
-                  <a:txBody>
-                    <a:bodyPr/>
-                    <a:lstStyle/>
-                    <a:p>
-                      <a:pPr marL="0" marR="0">
-                        <a:spcBef>
-                          <a:spcPts val="0"/>
-                        </a:spcBef>
-                        <a:spcAft>
-                          <a:spcPts val="600"/>
-                        </a:spcAft>
-                      </a:pPr>
-                      <a:r>
-                        <a:rPr lang="en-US" sz="1200" dirty="0">
-                          <a:effectLst/>
-                          <a:latin typeface="+mn-lt"/>
-                          <a:ea typeface="MS Mincho" panose="02020609040205080304" pitchFamily="49" charset="-128"/>
-                          <a:cs typeface="Calibri" panose="020F0502020204030204" pitchFamily="34" charset="0"/>
-                        </a:rPr>
-                        <a:t>07/2024</a:t>
-                      </a:r>
-                    </a:p>
-                  </a:txBody>
-                  <a:tcPr marL="24384" marR="24384" marT="24384" marB="24384"/>
-                </a:tc>
-                <a:tc>
-                  <a:txBody>
-                    <a:bodyPr/>
-                    <a:lstStyle/>
-                    <a:p>
-                      <a:pPr marL="0" marR="0">
-                        <a:spcBef>
-                          <a:spcPts val="0"/>
-                        </a:spcBef>
-                        <a:spcAft>
-                          <a:spcPts val="600"/>
-                        </a:spcAft>
-                      </a:pPr>
-                      <a:endParaRPr lang="en-US" sz="1200">
-                        <a:effectLst/>
-                        <a:latin typeface="+mn-lt"/>
-                        <a:ea typeface="MS Mincho" panose="02020609040205080304" pitchFamily="49" charset="-128"/>
-                        <a:cs typeface="Calibri" panose="020F0502020204030204" pitchFamily="34" charset="0"/>
-                      </a:endParaRPr>
-                    </a:p>
-                  </a:txBody>
-                  <a:tcPr marL="24384" marR="24384" marT="24384" marB="24384"/>
-                </a:tc>
-                <a:tc>
-                  <a:txBody>
-                    <a:bodyPr/>
-                    <a:lstStyle/>
-                    <a:p>
-                      <a:pPr marL="0" marR="0">
-                        <a:spcBef>
-                          <a:spcPts val="0"/>
-                        </a:spcBef>
-                        <a:spcAft>
-                          <a:spcPts val="600"/>
-                        </a:spcAft>
-                      </a:pPr>
-                      <a:r>
-                        <a:rPr lang="en-US" sz="1200" dirty="0">
-                          <a:effectLst/>
-                          <a:latin typeface="+mn-lt"/>
-                          <a:ea typeface="MS Mincho" panose="02020609040205080304" pitchFamily="49" charset="-128"/>
-                          <a:cs typeface="Calibri" panose="020F0502020204030204" pitchFamily="34" charset="0"/>
-                        </a:rPr>
-                        <a:t>$00K</a:t>
-                      </a:r>
-                    </a:p>
-                  </a:txBody>
-                  <a:tcPr marL="24384" marR="24384" marT="24384" marB="24384"/>
-                </a:tc>
-                <a:tc>
-                  <a:txBody>
-                    <a:bodyPr/>
-                    <a:lstStyle/>
-                    <a:p>
-                      <a:pPr marL="0" marR="0">
-                        <a:spcBef>
-                          <a:spcPts val="0"/>
-                        </a:spcBef>
-                        <a:spcAft>
-                          <a:spcPts val="600"/>
-                        </a:spcAft>
-                      </a:pPr>
-                      <a:r>
-                        <a:rPr lang="en-US" sz="1200" dirty="0">
-                          <a:effectLst/>
-                          <a:latin typeface="+mn-lt"/>
-                          <a:ea typeface="MS Mincho" panose="02020609040205080304" pitchFamily="49" charset="-128"/>
-                          <a:cs typeface="Calibri" panose="020F0502020204030204" pitchFamily="34" charset="0"/>
-                        </a:rPr>
-                        <a:t>100%</a:t>
-                      </a:r>
-                    </a:p>
-                  </a:txBody>
-                  <a:tcPr marL="24384" marR="24384" marT="24384" marB="24384"/>
-                </a:tc>
-                <a:tc>
-                  <a:txBody>
-                    <a:bodyPr/>
-                    <a:lstStyle/>
-                    <a:p>
-                      <a:endParaRPr lang="en-US" sz="1200" dirty="0">
-                        <a:latin typeface="+mn-lt"/>
-                      </a:endParaRPr>
-                    </a:p>
-                  </a:txBody>
-                  <a:tcPr marL="24384" marR="24384" marT="24384" marB="24384"/>
-                </a:tc>
-                <a:extLst>
-                  <a:ext uri="{0D108BD9-81ED-4DB2-BD59-A6C34878D82A}">
-                    <a16:rowId xmlns:a16="http://schemas.microsoft.com/office/drawing/2014/main" val="70177493"/>
-                  </a:ext>
-                </a:extLst>
-              </a:tr>
-              <a:tr h="882854">
-                <a:tc>
-                  <a:txBody>
-                    <a:bodyPr/>
-                    <a:lstStyle/>
-                    <a:p>
-                      <a:pPr marL="0" marR="0">
-                        <a:spcBef>
-                          <a:spcPts val="0"/>
-                        </a:spcBef>
-                        <a:spcAft>
-                          <a:spcPts val="600"/>
-                        </a:spcAft>
-                      </a:pPr>
-                      <a:r>
-                        <a:rPr lang="en-US" sz="1200" dirty="0">
-                          <a:solidFill>
-                            <a:srgbClr val="000000"/>
-                          </a:solidFill>
-                          <a:effectLst/>
-                          <a:latin typeface="+mn-lt"/>
-                          <a:ea typeface="MS Mincho" panose="02020609040205080304" pitchFamily="49" charset="-128"/>
-                          <a:cs typeface="Calibri" panose="020F0502020204030204" pitchFamily="34" charset="0"/>
-                        </a:rPr>
-                        <a:t>Make course content available</a:t>
-                      </a:r>
-                      <a:endParaRPr lang="en-US" sz="1200" dirty="0">
-                        <a:effectLst/>
-                        <a:latin typeface="+mn-lt"/>
-                        <a:ea typeface="MS Mincho" panose="02020609040205080304" pitchFamily="49" charset="-128"/>
-                        <a:cs typeface="Calibri" panose="020F0502020204030204" pitchFamily="34" charset="0"/>
-                      </a:endParaRPr>
-                    </a:p>
-                  </a:txBody>
-                  <a:tcPr marL="24384" marR="24384" marT="24384" marB="24384"/>
-                </a:tc>
-                <a:tc>
-                  <a:txBody>
-                    <a:bodyPr/>
-                    <a:lstStyle/>
-                    <a:p>
-                      <a:pPr marL="0" marR="0">
-                        <a:spcBef>
-                          <a:spcPts val="0"/>
-                        </a:spcBef>
-                        <a:spcAft>
-                          <a:spcPts val="600"/>
-                        </a:spcAft>
-                      </a:pPr>
-                      <a:r>
-                        <a:rPr lang="en-US" sz="1200" dirty="0">
-                          <a:solidFill>
-                            <a:srgbClr val="000000"/>
-                          </a:solidFill>
-                          <a:effectLst/>
-                          <a:latin typeface="+mn-lt"/>
-                          <a:ea typeface="MS Mincho" panose="02020609040205080304" pitchFamily="49" charset="-128"/>
-                          <a:cs typeface="Calibri" panose="020F0502020204030204" pitchFamily="34" charset="0"/>
-                        </a:rPr>
-                        <a:t>Web-accessible </a:t>
-                      </a:r>
-                      <a:r>
-                        <a:rPr lang="en-US" sz="1200" dirty="0" err="1">
-                          <a:solidFill>
-                            <a:srgbClr val="000000"/>
-                          </a:solidFill>
-                          <a:effectLst/>
-                          <a:latin typeface="+mn-lt"/>
-                          <a:ea typeface="MS Mincho" panose="02020609040205080304" pitchFamily="49" charset="-128"/>
-                          <a:cs typeface="Calibri" panose="020F0502020204030204" pitchFamily="34" charset="0"/>
-                        </a:rPr>
-                        <a:t>powerpoints</a:t>
-                      </a:r>
-                      <a:r>
-                        <a:rPr lang="en-US" sz="1200" dirty="0">
-                          <a:solidFill>
-                            <a:srgbClr val="000000"/>
-                          </a:solidFill>
-                          <a:effectLst/>
-                          <a:latin typeface="+mn-lt"/>
-                          <a:ea typeface="MS Mincho" panose="02020609040205080304" pitchFamily="49" charset="-128"/>
-                          <a:cs typeface="Calibri" panose="020F0502020204030204" pitchFamily="34" charset="0"/>
-                        </a:rPr>
-                        <a:t> and videos</a:t>
-                      </a:r>
-                      <a:endParaRPr lang="en-US" sz="1200" dirty="0">
-                        <a:effectLst/>
-                        <a:latin typeface="+mn-lt"/>
-                        <a:ea typeface="MS Mincho" panose="02020609040205080304" pitchFamily="49" charset="-128"/>
-                        <a:cs typeface="Calibri" panose="020F0502020204030204" pitchFamily="34" charset="0"/>
-                      </a:endParaRPr>
-                    </a:p>
-                  </a:txBody>
-                  <a:tcPr marL="24384" marR="24384" marT="24384" marB="24384"/>
-                </a:tc>
-                <a:tc>
-                  <a:txBody>
-                    <a:bodyPr/>
-                    <a:lstStyle/>
-                    <a:p>
-                      <a:pPr marL="0" marR="0">
-                        <a:spcBef>
-                          <a:spcPts val="0"/>
-                        </a:spcBef>
-                        <a:spcAft>
-                          <a:spcPts val="600"/>
-                        </a:spcAft>
-                      </a:pPr>
-                      <a:r>
-                        <a:rPr lang="en-US" sz="1200" dirty="0">
-                          <a:solidFill>
-                            <a:srgbClr val="000000"/>
-                          </a:solidFill>
-                          <a:effectLst/>
-                          <a:latin typeface="+mn-lt"/>
-                          <a:ea typeface="MS Mincho" panose="02020609040205080304" pitchFamily="49" charset="-128"/>
-                          <a:cs typeface="Calibri" panose="020F0502020204030204" pitchFamily="34" charset="0"/>
-                        </a:rPr>
-                        <a:t>Website</a:t>
-                      </a:r>
-                      <a:endParaRPr lang="en-US" sz="1200" dirty="0">
-                        <a:effectLst/>
-                        <a:latin typeface="+mn-lt"/>
-                        <a:ea typeface="MS Mincho" panose="02020609040205080304" pitchFamily="49" charset="-128"/>
-                        <a:cs typeface="Calibri" panose="020F0502020204030204" pitchFamily="34" charset="0"/>
-                      </a:endParaRPr>
-                    </a:p>
-                  </a:txBody>
-                  <a:tcPr marL="24384" marR="24384" marT="24384" marB="24384"/>
-                </a:tc>
-                <a:tc>
-                  <a:txBody>
-                    <a:bodyPr/>
-                    <a:lstStyle/>
-                    <a:p>
-                      <a:pPr marL="0" marR="0">
-                        <a:spcBef>
-                          <a:spcPts val="0"/>
-                        </a:spcBef>
-                        <a:spcAft>
-                          <a:spcPts val="600"/>
-                        </a:spcAft>
-                      </a:pPr>
-                      <a:r>
-                        <a:rPr lang="en-US" sz="1200">
-                          <a:solidFill>
-                            <a:srgbClr val="000000"/>
-                          </a:solidFill>
-                          <a:effectLst/>
-                          <a:latin typeface="+mn-lt"/>
-                          <a:ea typeface="MS Mincho" panose="02020609040205080304" pitchFamily="49" charset="-128"/>
-                          <a:cs typeface="Calibri" panose="020F0502020204030204" pitchFamily="34" charset="0"/>
-                        </a:rPr>
-                        <a:t>Lauth</a:t>
-                      </a:r>
-                      <a:endParaRPr lang="en-US" sz="1200">
-                        <a:effectLst/>
-                        <a:latin typeface="+mn-lt"/>
-                        <a:ea typeface="MS Mincho" panose="02020609040205080304" pitchFamily="49" charset="-128"/>
-                        <a:cs typeface="Calibri" panose="020F0502020204030204" pitchFamily="34" charset="0"/>
-                      </a:endParaRPr>
-                    </a:p>
-                  </a:txBody>
-                  <a:tcPr marL="24384" marR="24384" marT="24384" marB="24384"/>
-                </a:tc>
-                <a:tc>
-                  <a:txBody>
-                    <a:bodyPr/>
-                    <a:lstStyle/>
-                    <a:p>
-                      <a:pPr marL="0" marR="0">
-                        <a:spcBef>
-                          <a:spcPts val="0"/>
-                        </a:spcBef>
-                        <a:spcAft>
-                          <a:spcPts val="600"/>
-                        </a:spcAft>
-                      </a:pPr>
-                      <a:r>
-                        <a:rPr lang="en-US" sz="1200" dirty="0">
-                          <a:solidFill>
-                            <a:srgbClr val="000000"/>
-                          </a:solidFill>
-                          <a:effectLst/>
-                          <a:latin typeface="+mn-lt"/>
-                          <a:ea typeface="MS Mincho" panose="02020609040205080304" pitchFamily="49" charset="-128"/>
-                          <a:cs typeface="Calibri" panose="020F0502020204030204" pitchFamily="34" charset="0"/>
-                        </a:rPr>
-                        <a:t>07/2024</a:t>
-                      </a:r>
-                      <a:endParaRPr lang="en-US" sz="1200" dirty="0">
-                        <a:effectLst/>
-                        <a:latin typeface="+mn-lt"/>
-                        <a:ea typeface="MS Mincho" panose="02020609040205080304" pitchFamily="49" charset="-128"/>
-                        <a:cs typeface="Calibri" panose="020F0502020204030204" pitchFamily="34" charset="0"/>
-                      </a:endParaRPr>
-                    </a:p>
-                  </a:txBody>
-                  <a:tcPr marL="24384" marR="24384" marT="24384" marB="24384"/>
-                </a:tc>
-                <a:tc>
-                  <a:txBody>
-                    <a:bodyPr/>
-                    <a:lstStyle/>
-                    <a:p>
-                      <a:pPr marL="0" marR="0">
-                        <a:spcBef>
-                          <a:spcPts val="0"/>
-                        </a:spcBef>
-                        <a:spcAft>
-                          <a:spcPts val="600"/>
-                        </a:spcAft>
-                      </a:pPr>
-                      <a:endParaRPr lang="en-US" sz="1200" dirty="0">
-                        <a:effectLst/>
-                        <a:latin typeface="+mn-lt"/>
-                        <a:ea typeface="MS Mincho" panose="02020609040205080304" pitchFamily="49" charset="-128"/>
-                        <a:cs typeface="Calibri" panose="020F0502020204030204" pitchFamily="34" charset="0"/>
-                      </a:endParaRPr>
-                    </a:p>
-                  </a:txBody>
-                  <a:tcPr marL="24384" marR="24384" marT="24384" marB="24384"/>
-                </a:tc>
-                <a:tc>
-                  <a:txBody>
-                    <a:bodyPr/>
-                    <a:lstStyle/>
-                    <a:p>
-                      <a:pPr marL="0" marR="0">
-                        <a:spcBef>
-                          <a:spcPts val="0"/>
-                        </a:spcBef>
-                        <a:spcAft>
-                          <a:spcPts val="600"/>
-                        </a:spcAft>
-                      </a:pPr>
-                      <a:r>
-                        <a:rPr lang="en-US" sz="1200" dirty="0">
-                          <a:solidFill>
-                            <a:srgbClr val="000000"/>
-                          </a:solidFill>
-                          <a:effectLst/>
-                          <a:latin typeface="+mn-lt"/>
-                          <a:ea typeface="MS Mincho" panose="02020609040205080304" pitchFamily="49" charset="-128"/>
-                          <a:cs typeface="Calibri" panose="020F0502020204030204" pitchFamily="34" charset="0"/>
-                        </a:rPr>
-                        <a:t>08/2024</a:t>
-                      </a:r>
-                      <a:endParaRPr lang="en-US" sz="1200" dirty="0">
-                        <a:effectLst/>
-                        <a:latin typeface="+mn-lt"/>
-                        <a:ea typeface="MS Mincho" panose="02020609040205080304" pitchFamily="49" charset="-128"/>
-                        <a:cs typeface="Calibri" panose="020F0502020204030204" pitchFamily="34" charset="0"/>
-                      </a:endParaRPr>
-                    </a:p>
-                  </a:txBody>
-                  <a:tcPr marL="24384" marR="24384" marT="24384" marB="24384"/>
-                </a:tc>
-                <a:tc>
-                  <a:txBody>
-                    <a:bodyPr/>
-                    <a:lstStyle/>
-                    <a:p>
-                      <a:pPr marL="0" marR="0">
-                        <a:spcBef>
-                          <a:spcPts val="0"/>
-                        </a:spcBef>
-                        <a:spcAft>
-                          <a:spcPts val="600"/>
-                        </a:spcAft>
-                      </a:pPr>
-                      <a:endParaRPr lang="en-US" sz="1200" dirty="0">
-                        <a:effectLst/>
-                        <a:latin typeface="+mn-lt"/>
-                        <a:ea typeface="MS Mincho" panose="02020609040205080304" pitchFamily="49" charset="-128"/>
-                        <a:cs typeface="Calibri" panose="020F0502020204030204" pitchFamily="34" charset="0"/>
-                      </a:endParaRPr>
-                    </a:p>
-                  </a:txBody>
-                  <a:tcPr marL="24384" marR="24384" marT="24384" marB="24384"/>
-                </a:tc>
-                <a:tc>
-                  <a:txBody>
-                    <a:bodyPr/>
-                    <a:lstStyle/>
-                    <a:p>
-                      <a:pPr marL="0" marR="0">
-                        <a:spcBef>
-                          <a:spcPts val="0"/>
-                        </a:spcBef>
-                        <a:spcAft>
-                          <a:spcPts val="600"/>
-                        </a:spcAft>
-                      </a:pPr>
-                      <a:r>
-                        <a:rPr lang="en-US" sz="1200" dirty="0">
-                          <a:solidFill>
-                            <a:srgbClr val="000000"/>
-                          </a:solidFill>
-                          <a:effectLst/>
-                          <a:latin typeface="+mn-lt"/>
-                          <a:ea typeface="MS Mincho" panose="02020609040205080304" pitchFamily="49" charset="-128"/>
-                          <a:cs typeface="Calibri" panose="020F0502020204030204" pitchFamily="34" charset="0"/>
-                        </a:rPr>
-                        <a:t>$00K</a:t>
-                      </a:r>
-                      <a:endParaRPr lang="en-US" sz="1200" dirty="0">
-                        <a:effectLst/>
-                        <a:latin typeface="+mn-lt"/>
-                        <a:ea typeface="MS Mincho" panose="02020609040205080304" pitchFamily="49" charset="-128"/>
-                        <a:cs typeface="Calibri" panose="020F0502020204030204" pitchFamily="34" charset="0"/>
-                      </a:endParaRPr>
-                    </a:p>
-                  </a:txBody>
-                  <a:tcPr marL="24384" marR="24384" marT="24384" marB="24384"/>
-                </a:tc>
-                <a:tc>
-                  <a:txBody>
-                    <a:bodyPr/>
-                    <a:lstStyle/>
-                    <a:p>
-                      <a:pPr marL="0" marR="0">
-                        <a:spcBef>
-                          <a:spcPts val="0"/>
-                        </a:spcBef>
-                        <a:spcAft>
-                          <a:spcPts val="600"/>
-                        </a:spcAft>
-                      </a:pPr>
-                      <a:r>
-                        <a:rPr lang="en-US" sz="1200" dirty="0">
-                          <a:solidFill>
-                            <a:srgbClr val="000000"/>
-                          </a:solidFill>
-                          <a:effectLst/>
-                          <a:latin typeface="+mn-lt"/>
-                          <a:ea typeface="MS Mincho" panose="02020609040205080304" pitchFamily="49" charset="-128"/>
-                          <a:cs typeface="Calibri" panose="020F0502020204030204" pitchFamily="34" charset="0"/>
-                        </a:rPr>
-                        <a:t>0%</a:t>
-                      </a:r>
-                      <a:endParaRPr lang="en-US" sz="1200" dirty="0">
-                        <a:effectLst/>
-                        <a:latin typeface="+mn-lt"/>
-                        <a:ea typeface="MS Mincho" panose="02020609040205080304" pitchFamily="49" charset="-128"/>
-                        <a:cs typeface="Calibri" panose="020F0502020204030204" pitchFamily="34" charset="0"/>
-                      </a:endParaRPr>
-                    </a:p>
-                  </a:txBody>
-                  <a:tcPr marL="24384" marR="24384" marT="24384" marB="24384"/>
-                </a:tc>
-                <a:tc>
-                  <a:txBody>
-                    <a:bodyPr/>
-                    <a:lstStyle/>
-                    <a:p>
-                      <a:endParaRPr lang="en-US" sz="1200" dirty="0">
-                        <a:latin typeface="+mn-lt"/>
-                      </a:endParaRPr>
-                    </a:p>
-                  </a:txBody>
-                  <a:tcPr marL="24384" marR="24384" marT="24384" marB="24384"/>
-                </a:tc>
-                <a:extLst>
-                  <a:ext uri="{0D108BD9-81ED-4DB2-BD59-A6C34878D82A}">
-                    <a16:rowId xmlns:a16="http://schemas.microsoft.com/office/drawing/2014/main" val="3695423954"/>
-                  </a:ext>
-                </a:extLst>
-              </a:tr>
-              <a:tr h="882854">
-                <a:tc>
-                  <a:txBody>
-                    <a:bodyPr/>
-                    <a:lstStyle/>
-                    <a:p>
-                      <a:pPr marL="0" marR="0">
-                        <a:spcBef>
-                          <a:spcPts val="0"/>
-                        </a:spcBef>
-                        <a:spcAft>
-                          <a:spcPts val="600"/>
-                        </a:spcAft>
-                      </a:pPr>
-                      <a:r>
-                        <a:rPr lang="en-US" sz="1200" dirty="0">
-                          <a:effectLst/>
-                          <a:latin typeface="+mn-lt"/>
-                          <a:ea typeface="MS Mincho" panose="02020609040205080304" pitchFamily="49" charset="-128"/>
-                          <a:cs typeface="Calibri" panose="020F0502020204030204" pitchFamily="34" charset="0"/>
-                        </a:rPr>
-                        <a:t>Publicize that content</a:t>
-                      </a:r>
-                    </a:p>
-                  </a:txBody>
-                  <a:tcPr marL="24384" marR="24384" marT="24384" marB="24384"/>
-                </a:tc>
-                <a:tc>
-                  <a:txBody>
-                    <a:bodyPr/>
-                    <a:lstStyle/>
-                    <a:p>
-                      <a:pPr marL="0" marR="0">
-                        <a:spcBef>
-                          <a:spcPts val="0"/>
-                        </a:spcBef>
-                        <a:spcAft>
-                          <a:spcPts val="600"/>
-                        </a:spcAft>
-                      </a:pPr>
-                      <a:r>
-                        <a:rPr lang="en-US" sz="1200">
-                          <a:effectLst/>
-                          <a:latin typeface="+mn-lt"/>
-                          <a:ea typeface="MS Mincho" panose="02020609040205080304" pitchFamily="49" charset="-128"/>
-                          <a:cs typeface="Calibri" panose="020F0502020204030204" pitchFamily="34" charset="0"/>
-                        </a:rPr>
-                        <a:t>Emails / recorded webinars</a:t>
-                      </a:r>
-                    </a:p>
-                  </a:txBody>
-                  <a:tcPr marL="24384" marR="24384" marT="24384" marB="24384"/>
-                </a:tc>
-                <a:tc>
-                  <a:txBody>
-                    <a:bodyPr/>
-                    <a:lstStyle/>
-                    <a:p>
-                      <a:pPr marL="0" marR="0">
-                        <a:spcBef>
-                          <a:spcPts val="0"/>
-                        </a:spcBef>
-                        <a:spcAft>
-                          <a:spcPts val="600"/>
-                        </a:spcAft>
-                      </a:pPr>
-                      <a:r>
-                        <a:rPr lang="en-US" sz="1200">
-                          <a:effectLst/>
-                          <a:latin typeface="+mn-lt"/>
-                          <a:ea typeface="MS Mincho" panose="02020609040205080304" pitchFamily="49" charset="-128"/>
-                          <a:cs typeface="Calibri" panose="020F0502020204030204" pitchFamily="34" charset="0"/>
-                        </a:rPr>
-                        <a:t>Emails / webinars / in-person discussion</a:t>
-                      </a:r>
-                    </a:p>
-                  </a:txBody>
-                  <a:tcPr marL="24384" marR="24384" marT="24384" marB="24384"/>
-                </a:tc>
-                <a:tc>
-                  <a:txBody>
-                    <a:bodyPr/>
-                    <a:lstStyle/>
-                    <a:p>
-                      <a:pPr marL="0" marR="0">
-                        <a:spcBef>
-                          <a:spcPts val="0"/>
-                        </a:spcBef>
-                        <a:spcAft>
-                          <a:spcPts val="600"/>
-                        </a:spcAft>
-                      </a:pPr>
-                      <a:r>
-                        <a:rPr lang="en-US" sz="1200" dirty="0">
-                          <a:effectLst/>
-                          <a:latin typeface="+mn-lt"/>
-                          <a:ea typeface="MS Mincho" panose="02020609040205080304" pitchFamily="49" charset="-128"/>
-                          <a:cs typeface="Calibri" panose="020F0502020204030204" pitchFamily="34" charset="0"/>
-                        </a:rPr>
-                        <a:t>Brauer / Lauth</a:t>
-                      </a:r>
-                    </a:p>
-                  </a:txBody>
-                  <a:tcPr marL="24384" marR="24384" marT="24384" marB="24384"/>
-                </a:tc>
-                <a:tc>
-                  <a:txBody>
-                    <a:bodyPr/>
-                    <a:lstStyle/>
-                    <a:p>
-                      <a:pPr marL="0" marR="0">
-                        <a:spcBef>
-                          <a:spcPts val="0"/>
-                        </a:spcBef>
-                        <a:spcAft>
-                          <a:spcPts val="600"/>
-                        </a:spcAft>
-                      </a:pPr>
-                      <a:r>
-                        <a:rPr lang="en-US" sz="1200" dirty="0">
-                          <a:effectLst/>
-                          <a:latin typeface="+mn-lt"/>
-                          <a:ea typeface="MS Mincho" panose="02020609040205080304" pitchFamily="49" charset="-128"/>
-                          <a:cs typeface="Calibri" panose="020F0502020204030204" pitchFamily="34" charset="0"/>
-                        </a:rPr>
-                        <a:t>08/2024</a:t>
-                      </a:r>
-                    </a:p>
-                  </a:txBody>
-                  <a:tcPr marL="24384" marR="24384" marT="24384" marB="24384"/>
-                </a:tc>
-                <a:tc>
-                  <a:txBody>
-                    <a:bodyPr/>
-                    <a:lstStyle/>
-                    <a:p>
-                      <a:pPr marL="0" marR="0">
-                        <a:spcBef>
-                          <a:spcPts val="0"/>
-                        </a:spcBef>
-                        <a:spcAft>
-                          <a:spcPts val="600"/>
-                        </a:spcAft>
-                      </a:pPr>
-                      <a:endParaRPr lang="en-US" sz="1200">
-                        <a:effectLst/>
-                        <a:latin typeface="+mn-lt"/>
-                        <a:ea typeface="MS Mincho" panose="02020609040205080304" pitchFamily="49" charset="-128"/>
-                        <a:cs typeface="Calibri" panose="020F0502020204030204" pitchFamily="34" charset="0"/>
-                      </a:endParaRPr>
-                    </a:p>
-                  </a:txBody>
-                  <a:tcPr marL="24384" marR="24384" marT="24384" marB="24384"/>
-                </a:tc>
-                <a:tc>
-                  <a:txBody>
-                    <a:bodyPr/>
-                    <a:lstStyle/>
-                    <a:p>
-                      <a:pPr marL="0" marR="0">
-                        <a:spcBef>
-                          <a:spcPts val="0"/>
-                        </a:spcBef>
-                        <a:spcAft>
-                          <a:spcPts val="600"/>
-                        </a:spcAft>
-                      </a:pPr>
-                      <a:r>
-                        <a:rPr lang="en-US" sz="1200" dirty="0">
-                          <a:effectLst/>
-                          <a:latin typeface="+mn-lt"/>
-                          <a:ea typeface="MS Mincho" panose="02020609040205080304" pitchFamily="49" charset="-128"/>
-                          <a:cs typeface="Calibri" panose="020F0502020204030204" pitchFamily="34" charset="0"/>
-                        </a:rPr>
-                        <a:t>09/2024</a:t>
-                      </a:r>
-                    </a:p>
-                  </a:txBody>
-                  <a:tcPr marL="24384" marR="24384" marT="24384" marB="24384"/>
-                </a:tc>
-                <a:tc>
-                  <a:txBody>
-                    <a:bodyPr/>
-                    <a:lstStyle/>
-                    <a:p>
-                      <a:pPr marL="0" marR="0">
-                        <a:spcBef>
-                          <a:spcPts val="0"/>
-                        </a:spcBef>
-                        <a:spcAft>
-                          <a:spcPts val="600"/>
-                        </a:spcAft>
-                      </a:pPr>
-                      <a:endParaRPr lang="en-US" sz="1200" dirty="0">
-                        <a:effectLst/>
-                        <a:latin typeface="+mn-lt"/>
-                        <a:ea typeface="MS Mincho" panose="02020609040205080304" pitchFamily="49" charset="-128"/>
-                        <a:cs typeface="Calibri" panose="020F0502020204030204" pitchFamily="34" charset="0"/>
-                      </a:endParaRPr>
-                    </a:p>
-                  </a:txBody>
-                  <a:tcPr marL="24384" marR="24384" marT="24384" marB="24384"/>
-                </a:tc>
-                <a:tc>
-                  <a:txBody>
-                    <a:bodyPr/>
-                    <a:lstStyle/>
-                    <a:p>
-                      <a:pPr marL="0" marR="0">
-                        <a:spcBef>
-                          <a:spcPts val="0"/>
-                        </a:spcBef>
-                        <a:spcAft>
-                          <a:spcPts val="600"/>
-                        </a:spcAft>
-                      </a:pPr>
-                      <a:r>
-                        <a:rPr lang="en-US" sz="1200" dirty="0">
-                          <a:effectLst/>
-                          <a:latin typeface="+mn-lt"/>
-                          <a:ea typeface="MS Mincho" panose="02020609040205080304" pitchFamily="49" charset="-128"/>
-                          <a:cs typeface="Calibri" panose="020F0502020204030204" pitchFamily="34" charset="0"/>
-                        </a:rPr>
-                        <a:t>$00K</a:t>
-                      </a:r>
-                    </a:p>
-                  </a:txBody>
-                  <a:tcPr marL="24384" marR="24384" marT="24384" marB="24384"/>
-                </a:tc>
-                <a:tc>
-                  <a:txBody>
-                    <a:bodyPr/>
-                    <a:lstStyle/>
-                    <a:p>
-                      <a:pPr marL="0" marR="0">
-                        <a:spcBef>
-                          <a:spcPts val="0"/>
-                        </a:spcBef>
-                        <a:spcAft>
-                          <a:spcPts val="600"/>
-                        </a:spcAft>
-                      </a:pPr>
-                      <a:r>
-                        <a:rPr lang="en-US" sz="1200" dirty="0">
-                          <a:effectLst/>
-                          <a:latin typeface="+mn-lt"/>
-                          <a:ea typeface="MS Mincho" panose="02020609040205080304" pitchFamily="49" charset="-128"/>
-                          <a:cs typeface="Calibri" panose="020F0502020204030204" pitchFamily="34" charset="0"/>
-                        </a:rPr>
-                        <a:t>0%</a:t>
-                      </a:r>
-                    </a:p>
-                  </a:txBody>
-                  <a:tcPr marL="24384" marR="24384" marT="24384" marB="24384"/>
-                </a:tc>
-                <a:tc>
-                  <a:txBody>
-                    <a:bodyPr/>
-                    <a:lstStyle/>
-                    <a:p>
-                      <a:endParaRPr lang="en-US" sz="1200" dirty="0">
-                        <a:latin typeface="+mn-lt"/>
-                      </a:endParaRPr>
-                    </a:p>
-                  </a:txBody>
-                  <a:tcPr marL="24384" marR="24384" marT="24384" marB="24384"/>
-                </a:tc>
-                <a:extLst>
-                  <a:ext uri="{0D108BD9-81ED-4DB2-BD59-A6C34878D82A}">
-                    <a16:rowId xmlns:a16="http://schemas.microsoft.com/office/drawing/2014/main" val="1347859302"/>
-                  </a:ext>
-                </a:extLst>
-              </a:tr>
-              <a:tr h="335433">
-                <a:tc>
-                  <a:txBody>
-                    <a:bodyPr/>
-                    <a:lstStyle/>
-                    <a:p>
-                      <a:endParaRPr lang="en-US" sz="1200" dirty="0">
-                        <a:latin typeface="+mn-lt"/>
-                      </a:endParaRPr>
-                    </a:p>
-                  </a:txBody>
-                  <a:tcPr marL="24384" marR="24384" marT="24384" marB="24384"/>
-                </a:tc>
-                <a:tc>
-                  <a:txBody>
-                    <a:bodyPr/>
-                    <a:lstStyle/>
-                    <a:p>
-                      <a:endParaRPr lang="en-US" sz="1200" dirty="0">
-                        <a:latin typeface="+mn-lt"/>
-                      </a:endParaRPr>
-                    </a:p>
-                  </a:txBody>
-                  <a:tcPr marL="24384" marR="24384" marT="24384" marB="24384"/>
-                </a:tc>
-                <a:tc>
-                  <a:txBody>
-                    <a:bodyPr/>
-                    <a:lstStyle/>
-                    <a:p>
-                      <a:endParaRPr lang="en-US" sz="1200" dirty="0">
-                        <a:latin typeface="+mn-lt"/>
-                      </a:endParaRPr>
-                    </a:p>
-                  </a:txBody>
-                  <a:tcPr marL="24384" marR="24384" marT="24384" marB="24384"/>
-                </a:tc>
-                <a:tc>
-                  <a:txBody>
-                    <a:bodyPr/>
-                    <a:lstStyle/>
-                    <a:p>
-                      <a:endParaRPr lang="en-US" sz="1200" dirty="0">
-                        <a:latin typeface="+mn-lt"/>
-                      </a:endParaRPr>
-                    </a:p>
-                  </a:txBody>
-                  <a:tcPr marL="24384" marR="24384" marT="24384" marB="24384"/>
-                </a:tc>
-                <a:tc>
-                  <a:txBody>
-                    <a:bodyPr/>
-                    <a:lstStyle/>
-                    <a:p>
-                      <a:endParaRPr lang="en-US" sz="1200" dirty="0">
-                        <a:latin typeface="+mn-lt"/>
-                      </a:endParaRPr>
-                    </a:p>
-                  </a:txBody>
-                  <a:tcPr marL="24384" marR="24384" marT="24384" marB="24384"/>
-                </a:tc>
-                <a:tc>
-                  <a:txBody>
-                    <a:bodyPr/>
-                    <a:lstStyle/>
-                    <a:p>
-                      <a:endParaRPr lang="en-US" sz="1200" dirty="0">
-                        <a:latin typeface="+mn-lt"/>
-                      </a:endParaRPr>
-                    </a:p>
-                  </a:txBody>
-                  <a:tcPr marL="24384" marR="24384" marT="24384" marB="24384"/>
-                </a:tc>
-                <a:tc>
-                  <a:txBody>
-                    <a:bodyPr/>
-                    <a:lstStyle/>
-                    <a:p>
-                      <a:endParaRPr lang="en-US" sz="1200" dirty="0">
-                        <a:latin typeface="+mn-lt"/>
-                      </a:endParaRPr>
-                    </a:p>
-                  </a:txBody>
-                  <a:tcPr marL="24384" marR="24384" marT="24384" marB="24384"/>
-                </a:tc>
-                <a:tc>
-                  <a:txBody>
-                    <a:bodyPr/>
-                    <a:lstStyle/>
-                    <a:p>
-                      <a:endParaRPr lang="en-US" sz="1200" dirty="0">
-                        <a:latin typeface="+mn-lt"/>
-                      </a:endParaRPr>
-                    </a:p>
-                  </a:txBody>
-                  <a:tcPr marL="24384" marR="24384" marT="24384" marB="24384"/>
-                </a:tc>
-                <a:tc>
-                  <a:txBody>
-                    <a:bodyPr/>
-                    <a:lstStyle/>
-                    <a:p>
-                      <a:endParaRPr lang="en-US" sz="1200" dirty="0">
-                        <a:latin typeface="+mn-lt"/>
-                      </a:endParaRPr>
-                    </a:p>
-                  </a:txBody>
-                  <a:tcPr marL="24384" marR="24384" marT="24384" marB="24384"/>
-                </a:tc>
-                <a:tc>
-                  <a:txBody>
-                    <a:bodyPr/>
-                    <a:lstStyle/>
-                    <a:p>
-                      <a:endParaRPr lang="en-US" sz="1200" dirty="0">
-                        <a:latin typeface="+mn-lt"/>
-                      </a:endParaRPr>
-                    </a:p>
-                  </a:txBody>
-                  <a:tcPr marL="24384" marR="24384" marT="24384" marB="24384"/>
-                </a:tc>
-                <a:tc>
-                  <a:txBody>
-                    <a:bodyPr/>
-                    <a:lstStyle/>
-                    <a:p>
-                      <a:endParaRPr lang="en-US" sz="1200" dirty="0">
-                        <a:latin typeface="+mn-lt"/>
-                      </a:endParaRPr>
-                    </a:p>
-                  </a:txBody>
-                  <a:tcPr marL="24384" marR="24384" marT="24384" marB="24384"/>
-                </a:tc>
-                <a:extLst>
-                  <a:ext uri="{0D108BD9-81ED-4DB2-BD59-A6C34878D82A}">
-                    <a16:rowId xmlns:a16="http://schemas.microsoft.com/office/drawing/2014/main" val="1174907569"/>
-                  </a:ext>
-                </a:extLst>
-              </a:tr>
-              <a:tr h="335433">
-                <a:tc>
-                  <a:txBody>
-                    <a:bodyPr/>
-                    <a:lstStyle/>
-                    <a:p>
-                      <a:endParaRPr lang="en-US" sz="1200" dirty="0">
-                        <a:latin typeface="+mn-lt"/>
-                      </a:endParaRPr>
-                    </a:p>
-                  </a:txBody>
-                  <a:tcPr marL="24384" marR="24384" marT="24384" marB="24384"/>
-                </a:tc>
-                <a:tc>
-                  <a:txBody>
-                    <a:bodyPr/>
-                    <a:lstStyle/>
-                    <a:p>
-                      <a:endParaRPr lang="en-US" sz="1200" dirty="0">
-                        <a:latin typeface="+mn-lt"/>
-                      </a:endParaRPr>
-                    </a:p>
-                  </a:txBody>
-                  <a:tcPr marL="24384" marR="24384" marT="24384" marB="24384"/>
-                </a:tc>
-                <a:tc>
-                  <a:txBody>
-                    <a:bodyPr/>
-                    <a:lstStyle/>
-                    <a:p>
-                      <a:endParaRPr lang="en-US" sz="1200" dirty="0">
-                        <a:latin typeface="+mn-lt"/>
-                      </a:endParaRPr>
-                    </a:p>
-                  </a:txBody>
-                  <a:tcPr marL="24384" marR="24384" marT="24384" marB="24384"/>
-                </a:tc>
-                <a:tc>
-                  <a:txBody>
-                    <a:bodyPr/>
-                    <a:lstStyle/>
-                    <a:p>
-                      <a:endParaRPr lang="en-US" sz="1200" dirty="0">
-                        <a:latin typeface="+mn-lt"/>
-                      </a:endParaRPr>
-                    </a:p>
-                  </a:txBody>
-                  <a:tcPr marL="24384" marR="24384" marT="24384" marB="24384"/>
-                </a:tc>
-                <a:tc>
-                  <a:txBody>
-                    <a:bodyPr/>
-                    <a:lstStyle/>
-                    <a:p>
-                      <a:endParaRPr lang="en-US" sz="1200" dirty="0">
-                        <a:latin typeface="+mn-lt"/>
-                      </a:endParaRPr>
-                    </a:p>
-                  </a:txBody>
-                  <a:tcPr marL="24384" marR="24384" marT="24384" marB="24384"/>
-                </a:tc>
-                <a:tc>
-                  <a:txBody>
-                    <a:bodyPr/>
-                    <a:lstStyle/>
-                    <a:p>
-                      <a:endParaRPr lang="en-US" sz="1200" dirty="0">
-                        <a:latin typeface="+mn-lt"/>
-                      </a:endParaRPr>
-                    </a:p>
-                  </a:txBody>
-                  <a:tcPr marL="24384" marR="24384" marT="24384" marB="24384"/>
-                </a:tc>
-                <a:tc>
-                  <a:txBody>
-                    <a:bodyPr/>
-                    <a:lstStyle/>
-                    <a:p>
-                      <a:endParaRPr lang="en-US" sz="1200" dirty="0">
-                        <a:latin typeface="+mn-lt"/>
-                      </a:endParaRPr>
-                    </a:p>
-                  </a:txBody>
-                  <a:tcPr marL="24384" marR="24384" marT="24384" marB="24384"/>
-                </a:tc>
-                <a:tc>
-                  <a:txBody>
-                    <a:bodyPr/>
-                    <a:lstStyle/>
-                    <a:p>
-                      <a:endParaRPr lang="en-US" sz="1200" dirty="0">
-                        <a:latin typeface="+mn-lt"/>
-                      </a:endParaRPr>
-                    </a:p>
-                  </a:txBody>
-                  <a:tcPr marL="24384" marR="24384" marT="24384" marB="24384"/>
-                </a:tc>
-                <a:tc>
-                  <a:txBody>
-                    <a:bodyPr/>
-                    <a:lstStyle/>
-                    <a:p>
-                      <a:endParaRPr lang="en-US" sz="1200" dirty="0">
-                        <a:latin typeface="+mn-lt"/>
-                      </a:endParaRPr>
-                    </a:p>
-                  </a:txBody>
-                  <a:tcPr marL="24384" marR="24384" marT="24384" marB="24384"/>
-                </a:tc>
-                <a:tc>
-                  <a:txBody>
-                    <a:bodyPr/>
-                    <a:lstStyle/>
-                    <a:p>
-                      <a:endParaRPr lang="en-US" sz="1200" dirty="0">
-                        <a:latin typeface="+mn-lt"/>
-                      </a:endParaRPr>
-                    </a:p>
-                  </a:txBody>
-                  <a:tcPr marL="24384" marR="24384" marT="24384" marB="24384"/>
-                </a:tc>
-                <a:tc>
-                  <a:txBody>
-                    <a:bodyPr/>
-                    <a:lstStyle/>
-                    <a:p>
-                      <a:endParaRPr lang="en-US" sz="1200" dirty="0">
-                        <a:latin typeface="+mn-lt"/>
-                      </a:endParaRPr>
-                    </a:p>
-                  </a:txBody>
-                  <a:tcPr marL="24384" marR="24384" marT="24384" marB="24384"/>
-                </a:tc>
-                <a:extLst>
-                  <a:ext uri="{0D108BD9-81ED-4DB2-BD59-A6C34878D82A}">
-                    <a16:rowId xmlns:a16="http://schemas.microsoft.com/office/drawing/2014/main" val="2940974936"/>
-                  </a:ext>
-                </a:extLst>
-              </a:tr>
-              <a:tr h="335433">
-                <a:tc>
-                  <a:txBody>
-                    <a:bodyPr/>
-                    <a:lstStyle/>
-                    <a:p>
-                      <a:endParaRPr lang="en-US" sz="1200" dirty="0">
-                        <a:latin typeface="+mn-lt"/>
-                      </a:endParaRPr>
-                    </a:p>
-                  </a:txBody>
-                  <a:tcPr marL="24384" marR="24384" marT="24384" marB="24384"/>
-                </a:tc>
-                <a:tc>
-                  <a:txBody>
-                    <a:bodyPr/>
-                    <a:lstStyle/>
-                    <a:p>
-                      <a:endParaRPr lang="en-US" sz="1200" dirty="0">
-                        <a:latin typeface="+mn-lt"/>
-                      </a:endParaRPr>
-                    </a:p>
-                  </a:txBody>
-                  <a:tcPr marL="24384" marR="24384" marT="24384" marB="24384"/>
-                </a:tc>
-                <a:tc>
-                  <a:txBody>
-                    <a:bodyPr/>
-                    <a:lstStyle/>
-                    <a:p>
-                      <a:endParaRPr lang="en-US" sz="1200" dirty="0">
-                        <a:latin typeface="+mn-lt"/>
-                      </a:endParaRPr>
-                    </a:p>
-                  </a:txBody>
-                  <a:tcPr marL="24384" marR="24384" marT="24384" marB="24384"/>
-                </a:tc>
-                <a:tc>
-                  <a:txBody>
-                    <a:bodyPr/>
-                    <a:lstStyle/>
-                    <a:p>
-                      <a:endParaRPr lang="en-US" sz="1200" dirty="0">
-                        <a:latin typeface="+mn-lt"/>
-                      </a:endParaRPr>
-                    </a:p>
-                  </a:txBody>
-                  <a:tcPr marL="24384" marR="24384" marT="24384" marB="24384"/>
-                </a:tc>
-                <a:tc>
-                  <a:txBody>
-                    <a:bodyPr/>
-                    <a:lstStyle/>
-                    <a:p>
-                      <a:endParaRPr lang="en-US" sz="1200" dirty="0">
-                        <a:latin typeface="+mn-lt"/>
-                      </a:endParaRPr>
-                    </a:p>
-                  </a:txBody>
-                  <a:tcPr marL="24384" marR="24384" marT="24384" marB="24384"/>
-                </a:tc>
-                <a:tc>
-                  <a:txBody>
-                    <a:bodyPr/>
-                    <a:lstStyle/>
-                    <a:p>
-                      <a:endParaRPr lang="en-US" sz="1200" dirty="0">
-                        <a:latin typeface="+mn-lt"/>
-                      </a:endParaRPr>
-                    </a:p>
-                  </a:txBody>
-                  <a:tcPr marL="24384" marR="24384" marT="24384" marB="24384"/>
-                </a:tc>
-                <a:tc>
-                  <a:txBody>
-                    <a:bodyPr/>
-                    <a:lstStyle/>
-                    <a:p>
-                      <a:endParaRPr lang="en-US" sz="1200" dirty="0">
-                        <a:latin typeface="+mn-lt"/>
-                      </a:endParaRPr>
-                    </a:p>
-                  </a:txBody>
-                  <a:tcPr marL="24384" marR="24384" marT="24384" marB="24384"/>
-                </a:tc>
-                <a:tc>
-                  <a:txBody>
-                    <a:bodyPr/>
-                    <a:lstStyle/>
-                    <a:p>
-                      <a:endParaRPr lang="en-US" sz="1200" dirty="0">
-                        <a:latin typeface="+mn-lt"/>
-                      </a:endParaRPr>
-                    </a:p>
-                  </a:txBody>
-                  <a:tcPr marL="24384" marR="24384" marT="24384" marB="24384"/>
-                </a:tc>
-                <a:tc>
-                  <a:txBody>
-                    <a:bodyPr/>
-                    <a:lstStyle/>
-                    <a:p>
-                      <a:endParaRPr lang="en-US" sz="1200" dirty="0">
-                        <a:latin typeface="+mn-lt"/>
-                      </a:endParaRPr>
-                    </a:p>
-                  </a:txBody>
-                  <a:tcPr marL="24384" marR="24384" marT="24384" marB="24384"/>
-                </a:tc>
-                <a:tc>
-                  <a:txBody>
-                    <a:bodyPr/>
-                    <a:lstStyle/>
-                    <a:p>
-                      <a:endParaRPr lang="en-US" sz="1200" dirty="0">
-                        <a:latin typeface="+mn-lt"/>
-                      </a:endParaRPr>
-                    </a:p>
-                  </a:txBody>
-                  <a:tcPr marL="24384" marR="24384" marT="24384" marB="24384"/>
-                </a:tc>
-                <a:tc>
-                  <a:txBody>
-                    <a:bodyPr/>
-                    <a:lstStyle/>
-                    <a:p>
-                      <a:endParaRPr lang="en-US" sz="1200" dirty="0">
-                        <a:latin typeface="+mn-lt"/>
-                      </a:endParaRPr>
-                    </a:p>
-                  </a:txBody>
-                  <a:tcPr marL="24384" marR="24384" marT="24384" marB="24384"/>
-                </a:tc>
-                <a:extLst>
-                  <a:ext uri="{0D108BD9-81ED-4DB2-BD59-A6C34878D82A}">
-                    <a16:rowId xmlns:a16="http://schemas.microsoft.com/office/drawing/2014/main" val="3836763699"/>
-                  </a:ext>
-                </a:extLst>
-              </a:tr>
-              <a:tr h="335433">
-                <a:tc>
-                  <a:txBody>
-                    <a:bodyPr/>
-                    <a:lstStyle/>
-                    <a:p>
-                      <a:endParaRPr lang="en-US" sz="1200" dirty="0">
-                        <a:latin typeface="+mn-lt"/>
-                      </a:endParaRPr>
-                    </a:p>
-                  </a:txBody>
-                  <a:tcPr marL="24384" marR="24384" marT="24384" marB="24384"/>
-                </a:tc>
-                <a:tc>
-                  <a:txBody>
-                    <a:bodyPr/>
-                    <a:lstStyle/>
-                    <a:p>
-                      <a:endParaRPr lang="en-US" sz="1200" dirty="0">
-                        <a:latin typeface="+mn-lt"/>
-                      </a:endParaRPr>
-                    </a:p>
-                  </a:txBody>
-                  <a:tcPr marL="24384" marR="24384" marT="24384" marB="24384"/>
-                </a:tc>
-                <a:tc>
-                  <a:txBody>
-                    <a:bodyPr/>
-                    <a:lstStyle/>
-                    <a:p>
-                      <a:endParaRPr lang="en-US" sz="1200" dirty="0">
-                        <a:latin typeface="+mn-lt"/>
-                      </a:endParaRPr>
-                    </a:p>
-                  </a:txBody>
-                  <a:tcPr marL="24384" marR="24384" marT="24384" marB="24384"/>
-                </a:tc>
-                <a:tc>
-                  <a:txBody>
-                    <a:bodyPr/>
-                    <a:lstStyle/>
-                    <a:p>
-                      <a:endParaRPr lang="en-US" sz="1200" dirty="0">
-                        <a:latin typeface="+mn-lt"/>
-                      </a:endParaRPr>
-                    </a:p>
-                  </a:txBody>
-                  <a:tcPr marL="24384" marR="24384" marT="24384" marB="24384"/>
-                </a:tc>
-                <a:tc>
-                  <a:txBody>
-                    <a:bodyPr/>
-                    <a:lstStyle/>
-                    <a:p>
-                      <a:endParaRPr lang="en-US" sz="1200" dirty="0">
-                        <a:latin typeface="+mn-lt"/>
-                      </a:endParaRPr>
-                    </a:p>
-                  </a:txBody>
-                  <a:tcPr marL="24384" marR="24384" marT="24384" marB="24384"/>
-                </a:tc>
-                <a:tc>
-                  <a:txBody>
-                    <a:bodyPr/>
-                    <a:lstStyle/>
-                    <a:p>
-                      <a:endParaRPr lang="en-US" sz="1200" dirty="0">
-                        <a:latin typeface="+mn-lt"/>
-                      </a:endParaRPr>
-                    </a:p>
-                  </a:txBody>
-                  <a:tcPr marL="24384" marR="24384" marT="24384" marB="24384"/>
-                </a:tc>
-                <a:tc>
-                  <a:txBody>
-                    <a:bodyPr/>
-                    <a:lstStyle/>
-                    <a:p>
-                      <a:endParaRPr lang="en-US" sz="1200" dirty="0">
-                        <a:latin typeface="+mn-lt"/>
-                      </a:endParaRPr>
-                    </a:p>
-                  </a:txBody>
-                  <a:tcPr marL="24384" marR="24384" marT="24384" marB="24384"/>
-                </a:tc>
-                <a:tc>
-                  <a:txBody>
-                    <a:bodyPr/>
-                    <a:lstStyle/>
-                    <a:p>
-                      <a:endParaRPr lang="en-US" sz="1200" dirty="0">
-                        <a:latin typeface="+mn-lt"/>
-                      </a:endParaRPr>
-                    </a:p>
-                  </a:txBody>
-                  <a:tcPr marL="24384" marR="24384" marT="24384" marB="24384"/>
-                </a:tc>
-                <a:tc>
-                  <a:txBody>
-                    <a:bodyPr/>
-                    <a:lstStyle/>
-                    <a:p>
-                      <a:endParaRPr lang="en-US" sz="1200" dirty="0">
-                        <a:latin typeface="+mn-lt"/>
-                      </a:endParaRPr>
-                    </a:p>
-                  </a:txBody>
-                  <a:tcPr marL="24384" marR="24384" marT="24384" marB="24384"/>
-                </a:tc>
-                <a:tc>
-                  <a:txBody>
-                    <a:bodyPr/>
-                    <a:lstStyle/>
-                    <a:p>
-                      <a:endParaRPr lang="en-US" sz="1200" dirty="0">
-                        <a:latin typeface="+mn-lt"/>
-                      </a:endParaRPr>
-                    </a:p>
-                  </a:txBody>
-                  <a:tcPr marL="24384" marR="24384" marT="24384" marB="24384"/>
-                </a:tc>
-                <a:tc>
-                  <a:txBody>
-                    <a:bodyPr/>
-                    <a:lstStyle/>
-                    <a:p>
-                      <a:endParaRPr lang="en-US" sz="1200" dirty="0">
-                        <a:latin typeface="+mn-lt"/>
-                      </a:endParaRPr>
-                    </a:p>
-                  </a:txBody>
-                  <a:tcPr marL="24384" marR="24384" marT="24384" marB="24384"/>
-                </a:tc>
-                <a:extLst>
-                  <a:ext uri="{0D108BD9-81ED-4DB2-BD59-A6C34878D82A}">
-                    <a16:rowId xmlns:a16="http://schemas.microsoft.com/office/drawing/2014/main" val="3123629609"/>
-                  </a:ext>
-                </a:extLst>
-              </a:tr>
-              <a:tr h="262097">
-                <a:tc>
-                  <a:txBody>
-                    <a:bodyPr/>
-                    <a:lstStyle/>
-                    <a:p>
-                      <a:pPr marL="0" marR="0" lvl="0" indent="0" algn="l" defTabSz="914400" rtl="0" eaLnBrk="1" fontAlgn="auto" latinLnBrk="0" hangingPunct="1">
-                        <a:lnSpc>
-                          <a:spcPct val="100000"/>
-                        </a:lnSpc>
-                        <a:spcBef>
-                          <a:spcPts val="0"/>
-                        </a:spcBef>
-                        <a:spcAft>
-                          <a:spcPts val="0"/>
-                        </a:spcAft>
-                        <a:buClrTx/>
-                        <a:buSzTx/>
-                        <a:buFontTx/>
-                        <a:buNone/>
-                        <a:tabLst/>
-                        <a:defRPr/>
-                      </a:pPr>
-                      <a:endParaRPr lang="en-US" sz="1200" dirty="0">
-                        <a:latin typeface="+mn-lt"/>
-                      </a:endParaRPr>
-                    </a:p>
-                  </a:txBody>
-                  <a:tcPr marL="24384" marR="24384" marT="24384" marB="24384"/>
-                </a:tc>
-                <a:tc>
-                  <a:txBody>
-                    <a:bodyPr/>
-                    <a:lstStyle/>
-                    <a:p>
-                      <a:endParaRPr lang="en-US" sz="1200" dirty="0">
-                        <a:latin typeface="+mn-lt"/>
-                      </a:endParaRPr>
-                    </a:p>
-                  </a:txBody>
-                  <a:tcPr marL="24384" marR="24384" marT="24384" marB="24384"/>
-                </a:tc>
-                <a:tc>
-                  <a:txBody>
-                    <a:bodyPr/>
-                    <a:lstStyle/>
-                    <a:p>
-                      <a:endParaRPr lang="en-US" sz="1200" dirty="0">
-                        <a:latin typeface="+mn-lt"/>
-                      </a:endParaRPr>
-                    </a:p>
-                  </a:txBody>
-                  <a:tcPr marL="24384" marR="24384" marT="24384" marB="24384"/>
-                </a:tc>
-                <a:tc>
-                  <a:txBody>
-                    <a:bodyPr/>
-                    <a:lstStyle/>
-                    <a:p>
-                      <a:endParaRPr lang="en-US" sz="1200" dirty="0">
-                        <a:latin typeface="+mn-lt"/>
-                      </a:endParaRPr>
-                    </a:p>
-                  </a:txBody>
-                  <a:tcPr marL="24384" marR="24384" marT="24384" marB="24384"/>
-                </a:tc>
-                <a:tc>
-                  <a:txBody>
-                    <a:bodyPr/>
-                    <a:lstStyle/>
-                    <a:p>
-                      <a:endParaRPr lang="en-US" sz="1200" dirty="0">
-                        <a:latin typeface="+mn-lt"/>
-                      </a:endParaRPr>
-                    </a:p>
-                  </a:txBody>
-                  <a:tcPr marL="24384" marR="24384" marT="24384" marB="24384"/>
-                </a:tc>
-                <a:tc>
-                  <a:txBody>
-                    <a:bodyPr/>
-                    <a:lstStyle/>
-                    <a:p>
-                      <a:endParaRPr lang="en-US" sz="1200" dirty="0">
-                        <a:latin typeface="+mn-lt"/>
-                      </a:endParaRPr>
-                    </a:p>
-                  </a:txBody>
-                  <a:tcPr marL="24384" marR="24384" marT="24384" marB="24384"/>
-                </a:tc>
-                <a:tc>
-                  <a:txBody>
-                    <a:bodyPr/>
-                    <a:lstStyle/>
-                    <a:p>
-                      <a:endParaRPr lang="en-US" sz="1200" dirty="0">
-                        <a:latin typeface="+mn-lt"/>
-                      </a:endParaRPr>
-                    </a:p>
-                  </a:txBody>
-                  <a:tcPr marL="24384" marR="24384" marT="24384" marB="24384"/>
-                </a:tc>
-                <a:tc>
-                  <a:txBody>
-                    <a:bodyPr/>
-                    <a:lstStyle/>
-                    <a:p>
-                      <a:endParaRPr lang="en-US" sz="1200" dirty="0">
-                        <a:latin typeface="+mn-lt"/>
-                      </a:endParaRPr>
-                    </a:p>
-                  </a:txBody>
-                  <a:tcPr marL="24384" marR="24384" marT="24384" marB="24384"/>
-                </a:tc>
-                <a:tc>
-                  <a:txBody>
-                    <a:bodyPr/>
-                    <a:lstStyle/>
-                    <a:p>
-                      <a:endParaRPr lang="en-US" sz="1200" dirty="0">
-                        <a:latin typeface="+mn-lt"/>
-                      </a:endParaRPr>
-                    </a:p>
-                  </a:txBody>
-                  <a:tcPr marL="24384" marR="24384" marT="24384" marB="24384"/>
-                </a:tc>
-                <a:tc>
-                  <a:txBody>
-                    <a:bodyPr/>
-                    <a:lstStyle/>
-                    <a:p>
-                      <a:endParaRPr lang="en-US" sz="1200" dirty="0">
-                        <a:latin typeface="+mn-lt"/>
-                      </a:endParaRPr>
-                    </a:p>
-                  </a:txBody>
-                  <a:tcPr marL="24384" marR="24384" marT="24384" marB="24384"/>
-                </a:tc>
-                <a:tc>
-                  <a:txBody>
-                    <a:bodyPr/>
-                    <a:lstStyle/>
-                    <a:p>
-                      <a:endParaRPr lang="en-US" sz="1200" dirty="0">
-                        <a:latin typeface="+mn-lt"/>
-                      </a:endParaRPr>
-                    </a:p>
-                  </a:txBody>
-                  <a:tcPr marL="24384" marR="24384" marT="24384" marB="24384"/>
-                </a:tc>
-                <a:extLst>
-                  <a:ext uri="{0D108BD9-81ED-4DB2-BD59-A6C34878D82A}">
-                    <a16:rowId xmlns:a16="http://schemas.microsoft.com/office/drawing/2014/main" val="1360859117"/>
-                  </a:ext>
-                </a:extLst>
-              </a:tr>
-              <a:tr h="335433">
-                <a:tc gridSpan="8">
-                  <a:txBody>
-                    <a:bodyPr/>
-                    <a:lstStyle/>
-                    <a:p>
-                      <a:pPr algn="r"/>
-                      <a:r>
-                        <a:rPr lang="en-US" sz="1200" b="1" dirty="0">
-                          <a:latin typeface="+mn-lt"/>
-                        </a:rPr>
-                        <a:t>Total</a:t>
-                      </a:r>
-                    </a:p>
-                  </a:txBody>
-                  <a:tcPr marL="24384" marR="24384" marT="24384" marB="24384"/>
-                </a:tc>
-                <a:tc hMerge="1">
-                  <a:txBody>
-                    <a:bodyPr/>
-                    <a:lstStyle/>
-                    <a:p>
-                      <a:endParaRPr lang="en-US" sz="1400" dirty="0"/>
-                    </a:p>
-                  </a:txBody>
-                  <a:tcPr/>
-                </a:tc>
-                <a:tc hMerge="1">
-                  <a:txBody>
-                    <a:bodyPr/>
-                    <a:lstStyle/>
-                    <a:p>
-                      <a:endParaRPr lang="en-US" sz="1400" dirty="0"/>
-                    </a:p>
-                  </a:txBody>
-                  <a:tcPr/>
-                </a:tc>
-                <a:tc hMerge="1">
-                  <a:txBody>
-                    <a:bodyPr/>
-                    <a:lstStyle/>
-                    <a:p>
-                      <a:endParaRPr lang="en-US" sz="1400" dirty="0"/>
-                    </a:p>
-                  </a:txBody>
-                  <a:tcPr/>
-                </a:tc>
-                <a:tc hMerge="1">
-                  <a:txBody>
-                    <a:bodyPr/>
-                    <a:lstStyle/>
-                    <a:p>
-                      <a:endParaRPr lang="en-US" sz="1400" dirty="0"/>
-                    </a:p>
-                  </a:txBody>
-                  <a:tcPr/>
-                </a:tc>
-                <a:tc hMerge="1">
-                  <a:txBody>
-                    <a:bodyPr/>
-                    <a:lstStyle/>
-                    <a:p>
-                      <a:endParaRPr lang="en-US" sz="1400" dirty="0"/>
-                    </a:p>
-                  </a:txBody>
-                  <a:tcPr/>
-                </a:tc>
-                <a:tc hMerge="1">
-                  <a:txBody>
-                    <a:bodyPr/>
-                    <a:lstStyle/>
-                    <a:p>
-                      <a:endParaRPr lang="en-US" sz="1400" dirty="0"/>
-                    </a:p>
-                  </a:txBody>
-                  <a:tcPr/>
-                </a:tc>
-                <a:tc hMerge="1">
-                  <a:txBody>
-                    <a:bodyPr/>
-                    <a:lstStyle/>
-                    <a:p>
-                      <a:endParaRPr lang="en-US" sz="1400" dirty="0"/>
-                    </a:p>
-                  </a:txBody>
-                  <a:tcPr/>
-                </a:tc>
-                <a:tc>
-                  <a:txBody>
-                    <a:bodyPr/>
-                    <a:lstStyle/>
-                    <a:p>
-                      <a:r>
-                        <a:rPr lang="en-US" sz="1200" b="1" dirty="0">
-                          <a:latin typeface="+mn-lt"/>
-                        </a:rPr>
-                        <a:t>$00K</a:t>
-                      </a:r>
-                    </a:p>
-                  </a:txBody>
-                  <a:tcPr marL="24384" marR="24384" marT="24384" marB="24384"/>
-                </a:tc>
-                <a:tc>
-                  <a:txBody>
-                    <a:bodyPr/>
-                    <a:lstStyle/>
-                    <a:p>
-                      <a:r>
-                        <a:rPr lang="en-US" sz="1200" b="1" dirty="0">
-                          <a:latin typeface="+mn-lt"/>
-                        </a:rPr>
-                        <a:t>50%</a:t>
-                      </a:r>
-                    </a:p>
-                  </a:txBody>
-                  <a:tcPr marL="24384" marR="24384" marT="24384" marB="24384"/>
-                </a:tc>
-                <a:tc>
-                  <a:txBody>
-                    <a:bodyPr/>
-                    <a:lstStyle/>
-                    <a:p>
-                      <a:endParaRPr lang="en-US" sz="1200" b="1" dirty="0">
-                        <a:latin typeface="+mn-lt"/>
-                      </a:endParaRPr>
-                    </a:p>
-                  </a:txBody>
-                  <a:tcPr marL="24384" marR="24384" marT="24384" marB="24384"/>
-                </a:tc>
-                <a:extLst>
-                  <a:ext uri="{0D108BD9-81ED-4DB2-BD59-A6C34878D82A}">
-                    <a16:rowId xmlns:a16="http://schemas.microsoft.com/office/drawing/2014/main" val="2058594788"/>
-                  </a:ext>
-                </a:extLst>
-              </a:tr>
-            </a:tbl>
-          </a:graphicData>
-        </a:graphic>
-      </p:graphicFrame>
-    </p:spTree>
-    <p:extLst>
-      <p:ext uri="{BB962C8B-B14F-4D97-AF65-F5344CB8AC3E}">
-        <p14:creationId xmlns:p14="http://schemas.microsoft.com/office/powerpoint/2010/main" val="1809089855"/>
       </p:ext>
     </p:extLst>
   </p:cSld>
@@ -18455,7 +16744,7 @@
                 <a:effectLst/>
                 <a:latin typeface="Calibri" panose="020F0502020204030204" pitchFamily="34" charset="0"/>
               </a:rPr>
-              <a:t>Include a list of delays and/or difficulties related to project activities or deliverables. Indicate how delays/difficulties are being addressed and managed, and the anticipated dates for getting back on track. </a:t>
+              <a:t>The ERDC team’s budget reductions for FY24 required pausing development of an emulator for ERDC’s ClearWater-Riverine water quality model. If funds are available in FY25, this task would leverage the tools and methods developed by the ASU team in FY24.</a:t>
             </a:r>
           </a:p>
           <a:p>
@@ -18501,7 +16790,7 @@
                   <a:schemeClr val="tx1"/>
                 </a:solidFill>
               </a:rPr>
-              <a:t>ERT-XX-XX: Delays and difficulties</a:t>
+              <a:t>ERT-ASU-04: Delays and difficulties</a:t>
             </a:r>
           </a:p>
         </p:txBody>
@@ -19306,21 +17595,6 @@
 </file>
 
 <file path=customXml/item1.xml><?xml version="1.0" encoding="utf-8"?>
-<p:properties xmlns:p="http://schemas.microsoft.com/office/2006/metadata/properties" xmlns:xsi="http://www.w3.org/2001/XMLSchema-instance" xmlns:pc="http://schemas.microsoft.com/office/infopath/2007/PartnerControls">
-  <documentManagement/>
-</p:properties>
-</file>
-
-<file path=customXml/item2.xml><?xml version="1.0" encoding="utf-8"?>
-<?mso-contentType ?>
-<FormTemplates xmlns="http://schemas.microsoft.com/sharepoint/v3/contenttype/forms">
-  <Display>DocumentLibraryForm</Display>
-  <Edit>DocumentLibraryForm</Edit>
-  <New>DocumentLibraryForm</New>
-</FormTemplates>
-</file>
-
-<file path=customXml/item3.xml><?xml version="1.0" encoding="utf-8"?>
 <ct:contentTypeSchema xmlns:ct="http://schemas.microsoft.com/office/2006/metadata/contentType" xmlns:ma="http://schemas.microsoft.com/office/2006/metadata/properties/metaAttributes" ct:_="" ma:_="" ma:contentTypeName="Document" ma:contentTypeID="0x010100F745D28C5B06AF478B2531C17E85C6A0" ma:contentTypeVersion="2" ma:contentTypeDescription="Create a new document." ma:contentTypeScope="" ma:versionID="a607b088d1f823daad15e4fd0f18d4f2">
   <xsd:schema xmlns:xsd="http://www.w3.org/2001/XMLSchema" xmlns:xs="http://www.w3.org/2001/XMLSchema" xmlns:p="http://schemas.microsoft.com/office/2006/metadata/properties" xmlns:ns2="1c1d9cf8-8fbb-4cb0-bc90-ffce08f888e0" targetNamespace="http://schemas.microsoft.com/office/2006/metadata/properties" ma:root="true" ma:fieldsID="0e0cbf54ee846107550037296ab1abce" ns2:_="">
     <xsd:import namespace="1c1d9cf8-8fbb-4cb0-bc90-ffce08f888e0"/>
@@ -19452,31 +17726,22 @@
 </ct:contentTypeSchema>
 </file>
 
-<file path=customXml/itemProps1.xml><?xml version="1.0" encoding="utf-8"?>
-<ds:datastoreItem xmlns:ds="http://schemas.openxmlformats.org/officeDocument/2006/customXml" ds:itemID="{0B8C2CD5-50C2-4A7C-996A-3D6312B83669}">
-  <ds:schemaRefs>
-    <ds:schemaRef ds:uri="http://schemas.openxmlformats.org/package/2006/metadata/core-properties"/>
-    <ds:schemaRef ds:uri="http://purl.org/dc/terms/"/>
-    <ds:schemaRef ds:uri="http://schemas.microsoft.com/office/2006/documentManagement/types"/>
-    <ds:schemaRef ds:uri="http://purl.org/dc/elements/1.1/"/>
-    <ds:schemaRef ds:uri="http://schemas.microsoft.com/office/2006/metadata/properties"/>
-    <ds:schemaRef ds:uri="1c1d9cf8-8fbb-4cb0-bc90-ffce08f888e0"/>
-    <ds:schemaRef ds:uri="http://www.w3.org/XML/1998/namespace"/>
-    <ds:schemaRef ds:uri="http://purl.org/dc/dcmitype/"/>
-    <ds:schemaRef ds:uri="http://schemas.microsoft.com/office/infopath/2007/PartnerControls"/>
-  </ds:schemaRefs>
-</ds:datastoreItem>
+<file path=customXml/item2.xml><?xml version="1.0" encoding="utf-8"?>
+<?mso-contentType ?>
+<FormTemplates xmlns="http://schemas.microsoft.com/sharepoint/v3/contenttype/forms">
+  <Display>DocumentLibraryForm</Display>
+  <Edit>DocumentLibraryForm</Edit>
+  <New>DocumentLibraryForm</New>
+</FormTemplates>
 </file>
 
-<file path=customXml/itemProps2.xml><?xml version="1.0" encoding="utf-8"?>
-<ds:datastoreItem xmlns:ds="http://schemas.openxmlformats.org/officeDocument/2006/customXml" ds:itemID="{57CAE72E-856B-4DF4-A9F6-93C41667E9A0}">
-  <ds:schemaRefs>
-    <ds:schemaRef ds:uri="http://schemas.microsoft.com/sharepoint/v3/contenttype/forms"/>
-  </ds:schemaRefs>
-</ds:datastoreItem>
+<file path=customXml/item3.xml><?xml version="1.0" encoding="utf-8"?>
+<p:properties xmlns:p="http://schemas.microsoft.com/office/2006/metadata/properties" xmlns:xsi="http://www.w3.org/2001/XMLSchema-instance" xmlns:pc="http://schemas.microsoft.com/office/infopath/2007/PartnerControls">
+  <documentManagement/>
+</p:properties>
 </file>
 
-<file path=customXml/itemProps3.xml><?xml version="1.0" encoding="utf-8"?>
+<file path=customXml/itemProps1.xml><?xml version="1.0" encoding="utf-8"?>
 <ds:datastoreItem xmlns:ds="http://schemas.openxmlformats.org/officeDocument/2006/customXml" ds:itemID="{9DB4222E-8A83-46AC-9795-A2179EAE500A}">
   <ds:schemaRefs>
     <ds:schemaRef ds:uri="http://schemas.microsoft.com/office/2006/metadata/contentType"/>
@@ -19492,4 +17757,28 @@
     <ds:schemaRef ds:uri="http://schemas.microsoft.com/internal/obd"/>
   </ds:schemaRefs>
 </ds:datastoreItem>
+</file>
+
+<file path=customXml/itemProps2.xml><?xml version="1.0" encoding="utf-8"?>
+<ds:datastoreItem xmlns:ds="http://schemas.openxmlformats.org/officeDocument/2006/customXml" ds:itemID="{57CAE72E-856B-4DF4-A9F6-93C41667E9A0}">
+  <ds:schemaRefs>
+    <ds:schemaRef ds:uri="http://schemas.microsoft.com/sharepoint/v3/contenttype/forms"/>
+  </ds:schemaRefs>
+</ds:datastoreItem>
+</file>
+
+<file path=customXml/itemProps3.xml><?xml version="1.0" encoding="utf-8"?>
+<ds:datastoreItem xmlns:ds="http://schemas.openxmlformats.org/officeDocument/2006/customXml" ds:itemID="{0B8C2CD5-50C2-4A7C-996A-3D6312B83669}">
+  <ds:schemaRefs>
+    <ds:schemaRef ds:uri="http://schemas.openxmlformats.org/package/2006/metadata/core-properties"/>
+    <ds:schemaRef ds:uri="http://purl.org/dc/terms/"/>
+    <ds:schemaRef ds:uri="http://schemas.microsoft.com/office/2006/documentManagement/types"/>
+    <ds:schemaRef ds:uri="http://purl.org/dc/elements/1.1/"/>
+    <ds:schemaRef ds:uri="http://schemas.microsoft.com/office/2006/metadata/properties"/>
+    <ds:schemaRef ds:uri="1c1d9cf8-8fbb-4cb0-bc90-ffce08f888e0"/>
+    <ds:schemaRef ds:uri="http://www.w3.org/XML/1998/namespace"/>
+    <ds:schemaRef ds:uri="http://purl.org/dc/dcmitype/"/>
+    <ds:schemaRef ds:uri="http://schemas.microsoft.com/office/infopath/2007/PartnerControls"/>
+  </ds:schemaRefs>
+</ds:datastoreItem>
 </file>